--- a/GFG JS Course Curriculam/Articles/005 Arrays.pptx
+++ b/GFG JS Course Curriculam/Articles/005 Arrays.pptx
@@ -2,30 +2,30 @@
 <file path=ppt/presentation.xml><?xml version="1.0" encoding="utf-8"?>
 <p:presentation xmlns:a="http://schemas.openxmlformats.org/drawingml/2006/main" xmlns:r="http://schemas.openxmlformats.org/officeDocument/2006/relationships" xmlns:p="http://schemas.openxmlformats.org/presentationml/2006/main" saveSubsetFonts="1">
   <p:sldMasterIdLst>
-    <p:sldMasterId id="2147483648" r:id="rId1"/>
+    <p:sldMasterId id="2147483648" r:id="rId4"/>
   </p:sldMasterIdLst>
   <p:sldIdLst>
-    <p:sldId id="256" r:id="rId2"/>
-    <p:sldId id="257" r:id="rId3"/>
-    <p:sldId id="258" r:id="rId4"/>
-    <p:sldId id="259" r:id="rId5"/>
-    <p:sldId id="260" r:id="rId6"/>
-    <p:sldId id="261" r:id="rId7"/>
-    <p:sldId id="262" r:id="rId8"/>
-    <p:sldId id="263" r:id="rId9"/>
-    <p:sldId id="264" r:id="rId10"/>
-    <p:sldId id="265" r:id="rId11"/>
-    <p:sldId id="266" r:id="rId12"/>
-    <p:sldId id="267" r:id="rId13"/>
-    <p:sldId id="268" r:id="rId14"/>
-    <p:sldId id="269" r:id="rId15"/>
-    <p:sldId id="270" r:id="rId16"/>
-    <p:sldId id="271" r:id="rId17"/>
-    <p:sldId id="272" r:id="rId18"/>
-    <p:sldId id="273" r:id="rId19"/>
-    <p:sldId id="274" r:id="rId20"/>
-    <p:sldId id="275" r:id="rId21"/>
-    <p:sldId id="276" r:id="rId22"/>
+    <p:sldId id="256" r:id="rId5"/>
+    <p:sldId id="257" r:id="rId6"/>
+    <p:sldId id="258" r:id="rId7"/>
+    <p:sldId id="259" r:id="rId8"/>
+    <p:sldId id="260" r:id="rId9"/>
+    <p:sldId id="261" r:id="rId10"/>
+    <p:sldId id="262" r:id="rId11"/>
+    <p:sldId id="263" r:id="rId12"/>
+    <p:sldId id="264" r:id="rId13"/>
+    <p:sldId id="265" r:id="rId14"/>
+    <p:sldId id="266" r:id="rId15"/>
+    <p:sldId id="267" r:id="rId16"/>
+    <p:sldId id="268" r:id="rId17"/>
+    <p:sldId id="269" r:id="rId18"/>
+    <p:sldId id="270" r:id="rId19"/>
+    <p:sldId id="271" r:id="rId20"/>
+    <p:sldId id="272" r:id="rId21"/>
+    <p:sldId id="273" r:id="rId22"/>
+    <p:sldId id="274" r:id="rId23"/>
+    <p:sldId id="275" r:id="rId24"/>
+    <p:sldId id="276" r:id="rId25"/>
   </p:sldIdLst>
   <p:sldSz cx="12192000" cy="6858000"/>
   <p:notesSz cx="6858000" cy="9144000"/>
@@ -144,8 +144,8 @@
 <pc:chgInfo xmlns:a="http://schemas.openxmlformats.org/drawingml/2006/main" xmlns:r="http://schemas.openxmlformats.org/officeDocument/2006/relationships" xmlns:ac="http://schemas.microsoft.com/office/drawing/2013/main/command" xmlns:pc="http://schemas.microsoft.com/office/powerpoint/2013/main/command">
   <pc:docChgLst>
     <pc:chgData name="Jana, Pramod" userId="9d7ae763-7cdf-4ef2-bc00-3679debba132" providerId="ADAL" clId="{782C6481-F9F7-4874-978A-EB51895349C2}"/>
-    <pc:docChg chg="addSld modSld">
-      <pc:chgData name="Jana, Pramod" userId="9d7ae763-7cdf-4ef2-bc00-3679debba132" providerId="ADAL" clId="{782C6481-F9F7-4874-978A-EB51895349C2}" dt="2022-12-20T13:58:43.900" v="27" actId="20577"/>
+    <pc:docChg chg="custSel addSld modSld">
+      <pc:chgData name="Jana, Pramod" userId="9d7ae763-7cdf-4ef2-bc00-3679debba132" providerId="ADAL" clId="{782C6481-F9F7-4874-978A-EB51895349C2}" dt="2022-12-22T13:18:56.942" v="122" actId="403"/>
       <pc:docMkLst>
         <pc:docMk/>
       </pc:docMkLst>
@@ -172,19 +172,51 @@
           </ac:spMkLst>
         </pc:spChg>
       </pc:sldChg>
-      <pc:sldChg chg="new">
-        <pc:chgData name="Jana, Pramod" userId="9d7ae763-7cdf-4ef2-bc00-3679debba132" providerId="ADAL" clId="{782C6481-F9F7-4874-978A-EB51895349C2}" dt="2022-12-20T13:58:33.906" v="2" actId="680"/>
+      <pc:sldChg chg="modSp new mod">
+        <pc:chgData name="Jana, Pramod" userId="9d7ae763-7cdf-4ef2-bc00-3679debba132" providerId="ADAL" clId="{782C6481-F9F7-4874-978A-EB51895349C2}" dt="2022-12-22T13:14:05.183" v="71" actId="27636"/>
         <pc:sldMkLst>
           <pc:docMk/>
           <pc:sldMk cId="1977701443" sldId="257"/>
         </pc:sldMkLst>
+        <pc:spChg chg="mod">
+          <ac:chgData name="Jana, Pramod" userId="9d7ae763-7cdf-4ef2-bc00-3679debba132" providerId="ADAL" clId="{782C6481-F9F7-4874-978A-EB51895349C2}" dt="2022-12-22T13:13:21.948" v="34" actId="27636"/>
+          <ac:spMkLst>
+            <pc:docMk/>
+            <pc:sldMk cId="1977701443" sldId="257"/>
+            <ac:spMk id="2" creationId="{93693592-AF09-4921-9DD3-ED22856193EA}"/>
+          </ac:spMkLst>
+        </pc:spChg>
+        <pc:spChg chg="mod">
+          <ac:chgData name="Jana, Pramod" userId="9d7ae763-7cdf-4ef2-bc00-3679debba132" providerId="ADAL" clId="{782C6481-F9F7-4874-978A-EB51895349C2}" dt="2022-12-22T13:14:05.183" v="71" actId="27636"/>
+          <ac:spMkLst>
+            <pc:docMk/>
+            <pc:sldMk cId="1977701443" sldId="257"/>
+            <ac:spMk id="3" creationId="{1C152B3B-9C9E-4061-8D07-C2C9AF49FCB0}"/>
+          </ac:spMkLst>
+        </pc:spChg>
       </pc:sldChg>
-      <pc:sldChg chg="new">
-        <pc:chgData name="Jana, Pramod" userId="9d7ae763-7cdf-4ef2-bc00-3679debba132" providerId="ADAL" clId="{782C6481-F9F7-4874-978A-EB51895349C2}" dt="2022-12-20T13:58:34.047" v="3" actId="680"/>
+      <pc:sldChg chg="modSp new mod">
+        <pc:chgData name="Jana, Pramod" userId="9d7ae763-7cdf-4ef2-bc00-3679debba132" providerId="ADAL" clId="{782C6481-F9F7-4874-978A-EB51895349C2}" dt="2022-12-22T13:18:56.942" v="122" actId="403"/>
         <pc:sldMkLst>
           <pc:docMk/>
           <pc:sldMk cId="3328545492" sldId="258"/>
         </pc:sldMkLst>
+        <pc:spChg chg="mod">
+          <ac:chgData name="Jana, Pramod" userId="9d7ae763-7cdf-4ef2-bc00-3679debba132" providerId="ADAL" clId="{782C6481-F9F7-4874-978A-EB51895349C2}" dt="2022-12-22T13:17:29.337" v="77" actId="14100"/>
+          <ac:spMkLst>
+            <pc:docMk/>
+            <pc:sldMk cId="3328545492" sldId="258"/>
+            <ac:spMk id="2" creationId="{BA36EBB0-37F6-4127-9A11-42548AA92E04}"/>
+          </ac:spMkLst>
+        </pc:spChg>
+        <pc:spChg chg="mod">
+          <ac:chgData name="Jana, Pramod" userId="9d7ae763-7cdf-4ef2-bc00-3679debba132" providerId="ADAL" clId="{782C6481-F9F7-4874-978A-EB51895349C2}" dt="2022-12-22T13:18:56.942" v="122" actId="403"/>
+          <ac:spMkLst>
+            <pc:docMk/>
+            <pc:sldMk cId="3328545492" sldId="258"/>
+            <ac:spMk id="3" creationId="{93DB5BD6-8C6F-4FF4-8BAA-D4A2B7AC9062}"/>
+          </ac:spMkLst>
+        </pc:spChg>
       </pc:sldChg>
       <pc:sldChg chg="new">
         <pc:chgData name="Jana, Pramod" userId="9d7ae763-7cdf-4ef2-bc00-3679debba132" providerId="ADAL" clId="{782C6481-F9F7-4874-978A-EB51895349C2}" dt="2022-12-20T13:58:34.235" v="4" actId="680"/>
@@ -464,7 +496,7 @@
           <a:p>
             <a:fld id="{73CA6D7C-52BC-45C0-B9D9-2A3E7443B367}" type="datetimeFigureOut">
               <a:rPr lang="en-US" smtClean="0"/>
-              <a:t>12/20/2022</a:t>
+              <a:t>12/22/2022</a:t>
             </a:fld>
             <a:endParaRPr lang="en-US"/>
           </a:p>
@@ -662,7 +694,7 @@
           <a:p>
             <a:fld id="{73CA6D7C-52BC-45C0-B9D9-2A3E7443B367}" type="datetimeFigureOut">
               <a:rPr lang="en-US" smtClean="0"/>
-              <a:t>12/20/2022</a:t>
+              <a:t>12/22/2022</a:t>
             </a:fld>
             <a:endParaRPr lang="en-US"/>
           </a:p>
@@ -870,7 +902,7 @@
           <a:p>
             <a:fld id="{73CA6D7C-52BC-45C0-B9D9-2A3E7443B367}" type="datetimeFigureOut">
               <a:rPr lang="en-US" smtClean="0"/>
-              <a:t>12/20/2022</a:t>
+              <a:t>12/22/2022</a:t>
             </a:fld>
             <a:endParaRPr lang="en-US"/>
           </a:p>
@@ -1068,7 +1100,7 @@
           <a:p>
             <a:fld id="{73CA6D7C-52BC-45C0-B9D9-2A3E7443B367}" type="datetimeFigureOut">
               <a:rPr lang="en-US" smtClean="0"/>
-              <a:t>12/20/2022</a:t>
+              <a:t>12/22/2022</a:t>
             </a:fld>
             <a:endParaRPr lang="en-US"/>
           </a:p>
@@ -1343,7 +1375,7 @@
           <a:p>
             <a:fld id="{73CA6D7C-52BC-45C0-B9D9-2A3E7443B367}" type="datetimeFigureOut">
               <a:rPr lang="en-US" smtClean="0"/>
-              <a:t>12/20/2022</a:t>
+              <a:t>12/22/2022</a:t>
             </a:fld>
             <a:endParaRPr lang="en-US"/>
           </a:p>
@@ -1608,7 +1640,7 @@
           <a:p>
             <a:fld id="{73CA6D7C-52BC-45C0-B9D9-2A3E7443B367}" type="datetimeFigureOut">
               <a:rPr lang="en-US" smtClean="0"/>
-              <a:t>12/20/2022</a:t>
+              <a:t>12/22/2022</a:t>
             </a:fld>
             <a:endParaRPr lang="en-US"/>
           </a:p>
@@ -2020,7 +2052,7 @@
           <a:p>
             <a:fld id="{73CA6D7C-52BC-45C0-B9D9-2A3E7443B367}" type="datetimeFigureOut">
               <a:rPr lang="en-US" smtClean="0"/>
-              <a:t>12/20/2022</a:t>
+              <a:t>12/22/2022</a:t>
             </a:fld>
             <a:endParaRPr lang="en-US"/>
           </a:p>
@@ -2161,7 +2193,7 @@
           <a:p>
             <a:fld id="{73CA6D7C-52BC-45C0-B9D9-2A3E7443B367}" type="datetimeFigureOut">
               <a:rPr lang="en-US" smtClean="0"/>
-              <a:t>12/20/2022</a:t>
+              <a:t>12/22/2022</a:t>
             </a:fld>
             <a:endParaRPr lang="en-US"/>
           </a:p>
@@ -2274,7 +2306,7 @@
           <a:p>
             <a:fld id="{73CA6D7C-52BC-45C0-B9D9-2A3E7443B367}" type="datetimeFigureOut">
               <a:rPr lang="en-US" smtClean="0"/>
-              <a:t>12/20/2022</a:t>
+              <a:t>12/22/2022</a:t>
             </a:fld>
             <a:endParaRPr lang="en-US"/>
           </a:p>
@@ -2585,7 +2617,7 @@
           <a:p>
             <a:fld id="{73CA6D7C-52BC-45C0-B9D9-2A3E7443B367}" type="datetimeFigureOut">
               <a:rPr lang="en-US" smtClean="0"/>
-              <a:t>12/20/2022</a:t>
+              <a:t>12/22/2022</a:t>
             </a:fld>
             <a:endParaRPr lang="en-US"/>
           </a:p>
@@ -2873,7 +2905,7 @@
           <a:p>
             <a:fld id="{73CA6D7C-52BC-45C0-B9D9-2A3E7443B367}" type="datetimeFigureOut">
               <a:rPr lang="en-US" smtClean="0"/>
-              <a:t>12/20/2022</a:t>
+              <a:t>12/22/2022</a:t>
             </a:fld>
             <a:endParaRPr lang="en-US"/>
           </a:p>
@@ -3114,7 +3146,7 @@
           <a:p>
             <a:fld id="{73CA6D7C-52BC-45C0-B9D9-2A3E7443B367}" type="datetimeFigureOut">
               <a:rPr lang="en-US" smtClean="0"/>
-              <a:t>12/20/2022</a:t>
+              <a:t>12/22/2022</a:t>
             </a:fld>
             <a:endParaRPr lang="en-US"/>
           </a:p>
@@ -4430,12 +4462,26 @@
             <p:ph type="title"/>
           </p:nvPr>
         </p:nvSpPr>
-        <p:spPr/>
-        <p:txBody>
-          <a:bodyPr/>
-          <a:lstStyle/>
-          <a:p>
-            <a:endParaRPr lang="en-US"/>
+        <p:spPr>
+          <a:xfrm>
+            <a:off x="838200" y="365126"/>
+            <a:ext cx="10515600" cy="577849"/>
+          </a:xfrm>
+        </p:spPr>
+        <p:txBody>
+          <a:bodyPr>
+            <a:normAutofit fontScale="90000"/>
+          </a:bodyPr>
+          <a:lstStyle/>
+          <a:p>
+            <a:r>
+              <a:rPr lang="en-US" sz="4000" b="0" i="0" dirty="0">
+                <a:effectLst/>
+                <a:latin typeface="sofia-pro"/>
+              </a:rPr>
+              <a:t>Basic Properties of Arrays and Iterating over Array</a:t>
+            </a:r>
+            <a:endParaRPr lang="en-US" sz="4000" dirty="0"/>
           </a:p>
         </p:txBody>
       </p:sp>
@@ -4455,12 +4501,157 @@
             <p:ph idx="1"/>
           </p:nvPr>
         </p:nvSpPr>
-        <p:spPr/>
-        <p:txBody>
-          <a:bodyPr/>
-          <a:lstStyle/>
-          <a:p>
-            <a:endParaRPr lang="en-US"/>
+        <p:spPr>
+          <a:xfrm>
+            <a:off x="838200" y="1038225"/>
+            <a:ext cx="10515600" cy="5138738"/>
+          </a:xfrm>
+        </p:spPr>
+        <p:txBody>
+          <a:bodyPr>
+            <a:normAutofit fontScale="55000" lnSpcReduction="20000"/>
+          </a:bodyPr>
+          <a:lstStyle/>
+          <a:p>
+            <a:r>
+              <a:rPr lang="en-US" dirty="0"/>
+              <a:t>In JavaScript, the array is a single variable that is used to store different elements. It is often used when we want to store a list of elements and access them by a single variable. Unlike most languages where the array is a reference to the multiple variables, in JavaScript array is a single variable that stores multiple elements.</a:t>
+            </a:r>
+          </a:p>
+          <a:p>
+            <a:r>
+              <a:rPr lang="en-US" dirty="0"/>
+              <a:t>Declaration of an Array: There are basically two ways to declare an array.</a:t>
+            </a:r>
+          </a:p>
+          <a:p>
+            <a:r>
+              <a:rPr lang="en-US" dirty="0"/>
+              <a:t>Example:</a:t>
+            </a:r>
+          </a:p>
+          <a:p>
+            <a:pPr marL="457200" lvl="1" indent="0">
+              <a:buNone/>
+            </a:pPr>
+            <a:r>
+              <a:rPr lang="en-US" dirty="0"/>
+              <a:t>var House = [ ]; // Method 1</a:t>
+            </a:r>
+          </a:p>
+          <a:p>
+            <a:pPr marL="457200" lvl="1" indent="0">
+              <a:buNone/>
+            </a:pPr>
+            <a:r>
+              <a:rPr lang="en-US" dirty="0"/>
+              <a:t>var House = new Array(); // Method 2</a:t>
+            </a:r>
+          </a:p>
+          <a:p>
+            <a:r>
+              <a:rPr lang="en-US" dirty="0"/>
+              <a:t>Note: But generally method 1 is preferred over method 2. Let us understand the reason for this.</a:t>
+            </a:r>
+          </a:p>
+          <a:p>
+            <a:r>
+              <a:rPr lang="en-US" dirty="0"/>
+              <a:t>Example: Initialization of an Array according to method 1.</a:t>
+            </a:r>
+          </a:p>
+          <a:p>
+            <a:pPr marL="457200" lvl="1" indent="0">
+              <a:buNone/>
+            </a:pPr>
+            <a:r>
+              <a:rPr lang="en-US" dirty="0"/>
+              <a:t>// Initializing while declaring</a:t>
+            </a:r>
+          </a:p>
+          <a:p>
+            <a:pPr marL="457200" lvl="1" indent="0">
+              <a:buNone/>
+            </a:pPr>
+            <a:r>
+              <a:rPr lang="en-US" dirty="0"/>
+              <a:t>var house = ["1BHK", "2BHK", "3BHK", "4BHK"];</a:t>
+            </a:r>
+          </a:p>
+          <a:p>
+            <a:r>
+              <a:rPr lang="en-US" dirty="0"/>
+              <a:t>Example: Initialization of an Array according to method 2.</a:t>
+            </a:r>
+          </a:p>
+          <a:p>
+            <a:pPr marL="457200" lvl="1" indent="0">
+              <a:buNone/>
+            </a:pPr>
+            <a:r>
+              <a:rPr lang="en-US" dirty="0"/>
+              <a:t>// Initializing while declaring</a:t>
+            </a:r>
+          </a:p>
+          <a:p>
+            <a:pPr marL="457200" lvl="1" indent="0">
+              <a:buNone/>
+            </a:pPr>
+            <a:r>
+              <a:rPr lang="en-US" dirty="0"/>
+              <a:t>// Creates an array having elements 10, 20, 30, 40, 50</a:t>
+            </a:r>
+          </a:p>
+          <a:p>
+            <a:pPr marL="457200" lvl="1" indent="0">
+              <a:buNone/>
+            </a:pPr>
+            <a:r>
+              <a:rPr lang="en-US" dirty="0"/>
+              <a:t>var house = new Array(10, 20, 30, 40, 50);</a:t>
+            </a:r>
+          </a:p>
+          <a:p>
+            <a:pPr marL="457200" lvl="1" indent="0">
+              <a:buNone/>
+            </a:pPr>
+            <a:r>
+              <a:rPr lang="en-US" dirty="0"/>
+              <a:t>// Creates an array of 5 undefined elements</a:t>
+            </a:r>
+          </a:p>
+          <a:p>
+            <a:pPr marL="457200" lvl="1" indent="0">
+              <a:buNone/>
+            </a:pPr>
+            <a:r>
+              <a:rPr lang="en-US" dirty="0"/>
+              <a:t>var house1 = new Array(5);</a:t>
+            </a:r>
+          </a:p>
+          <a:p>
+            <a:pPr marL="457200" lvl="1" indent="0">
+              <a:buNone/>
+            </a:pPr>
+            <a:r>
+              <a:rPr lang="en-US" dirty="0"/>
+              <a:t>// Creates an array with element 1BHK</a:t>
+            </a:r>
+          </a:p>
+          <a:p>
+            <a:pPr marL="457200" lvl="1" indent="0">
+              <a:buNone/>
+            </a:pPr>
+            <a:r>
+              <a:rPr lang="en-US" dirty="0"/>
+              <a:t>var home = new Array("1BHK");</a:t>
+            </a:r>
+          </a:p>
+          <a:p>
+            <a:r>
+              <a:rPr lang="en-US" dirty="0"/>
+              <a:t>As shown in above example the house contains 5 elements i.e. (10 , 20, 30, 40, 50) while house1 contains 5 undefined elements instead of having a single element 5. Hence, while working with numbers this method is generally not preferred but it works fine with Strings and Boolean as shown in the example above home contains a single element 1BHK.</a:t>
+            </a:r>
           </a:p>
         </p:txBody>
       </p:sp>
@@ -4670,12 +4861,26 @@
             <p:ph type="title"/>
           </p:nvPr>
         </p:nvSpPr>
-        <p:spPr/>
-        <p:txBody>
-          <a:bodyPr/>
-          <a:lstStyle/>
-          <a:p>
-            <a:endParaRPr lang="en-US"/>
+        <p:spPr>
+          <a:xfrm>
+            <a:off x="838200" y="365126"/>
+            <a:ext cx="10515600" cy="315912"/>
+          </a:xfrm>
+        </p:spPr>
+        <p:txBody>
+          <a:bodyPr>
+            <a:normAutofit fontScale="90000"/>
+          </a:bodyPr>
+          <a:lstStyle/>
+          <a:p>
+            <a:r>
+              <a:rPr lang="en-US" sz="4400" b="0" i="0" dirty="0">
+                <a:effectLst/>
+                <a:latin typeface="sofia-pro"/>
+              </a:rPr>
+              <a:t>Basic Properties of Arrays and Iterating over Array</a:t>
+            </a:r>
+            <a:endParaRPr lang="en-US" dirty="0"/>
           </a:p>
         </p:txBody>
       </p:sp>
@@ -4695,12 +4900,345 @@
             <p:ph idx="1"/>
           </p:nvPr>
         </p:nvSpPr>
-        <p:spPr/>
-        <p:txBody>
-          <a:bodyPr/>
-          <a:lstStyle/>
-          <a:p>
-            <a:endParaRPr lang="en-US"/>
+        <p:spPr>
+          <a:xfrm>
+            <a:off x="838200" y="981075"/>
+            <a:ext cx="10515600" cy="5195888"/>
+          </a:xfrm>
+        </p:spPr>
+        <p:txBody>
+          <a:bodyPr>
+            <a:normAutofit fontScale="92500" lnSpcReduction="10000"/>
+          </a:bodyPr>
+          <a:lstStyle/>
+          <a:p>
+            <a:r>
+              <a:rPr lang="en-US" sz="800" dirty="0"/>
+              <a:t>Ways of iterating over a array in JavaScript.</a:t>
+            </a:r>
+          </a:p>
+          <a:p>
+            <a:r>
+              <a:rPr lang="en-US" sz="800" dirty="0"/>
+              <a:t>Arrays in </a:t>
+            </a:r>
+            <a:r>
+              <a:rPr lang="en-US" sz="800" dirty="0" err="1"/>
+              <a:t>Javascripts</a:t>
+            </a:r>
+            <a:r>
+              <a:rPr lang="en-US" sz="800" dirty="0"/>
+              <a:t>, are single variables used to store different kind of elements.</a:t>
+            </a:r>
+          </a:p>
+          <a:p>
+            <a:r>
+              <a:rPr lang="en-US" sz="800" dirty="0"/>
+              <a:t>For example, a simple array accesses may look something like this: </a:t>
+            </a:r>
+          </a:p>
+          <a:p>
+            <a:pPr marL="457200" lvl="1" indent="0">
+              <a:buNone/>
+            </a:pPr>
+            <a:r>
+              <a:rPr lang="en-US" sz="700" dirty="0"/>
+              <a:t>array = [ 'geeks', '4', 'geeks' ];</a:t>
+            </a:r>
+          </a:p>
+          <a:p>
+            <a:pPr marL="457200" lvl="1" indent="0">
+              <a:buNone/>
+            </a:pPr>
+            <a:r>
+              <a:rPr lang="en-US" sz="700" dirty="0"/>
+              <a:t>// Accessing array elements one by one</a:t>
+            </a:r>
+          </a:p>
+          <a:p>
+            <a:pPr marL="457200" lvl="1" indent="0">
+              <a:buNone/>
+            </a:pPr>
+            <a:r>
+              <a:rPr lang="en-US" sz="700" dirty="0"/>
+              <a:t>console.log(array[0]);	//geeks</a:t>
+            </a:r>
+          </a:p>
+          <a:p>
+            <a:pPr marL="457200" lvl="1" indent="0">
+              <a:buNone/>
+            </a:pPr>
+            <a:r>
+              <a:rPr lang="en-US" sz="700" dirty="0"/>
+              <a:t>console.log(array[1]);	//4</a:t>
+            </a:r>
+          </a:p>
+          <a:p>
+            <a:pPr marL="457200" lvl="1" indent="0">
+              <a:buNone/>
+            </a:pPr>
+            <a:r>
+              <a:rPr lang="en-US" sz="700" dirty="0"/>
+              <a:t>console.log(array[2]);	//geeks</a:t>
+            </a:r>
+          </a:p>
+          <a:p>
+            <a:r>
+              <a:rPr lang="en-US" sz="800" dirty="0"/>
+              <a:t>There are multiple ways one can iterate over an array in JavaScript. The most useful ones are mentioned below.</a:t>
+            </a:r>
+          </a:p>
+          <a:p>
+            <a:r>
+              <a:rPr lang="en-US" sz="800" dirty="0"/>
+              <a:t>Using for loop. </a:t>
+            </a:r>
+          </a:p>
+          <a:p>
+            <a:pPr marL="457200" lvl="1" indent="0">
+              <a:buNone/>
+            </a:pPr>
+            <a:r>
+              <a:rPr lang="en-US" sz="700" dirty="0"/>
+              <a:t>This is similar to for loops in other languages like C/C++, Java, </a:t>
+            </a:r>
+            <a:r>
+              <a:rPr lang="en-US" sz="700" dirty="0" err="1"/>
+              <a:t>etc</a:t>
+            </a:r>
+            <a:r>
+              <a:rPr lang="en-US" sz="700" dirty="0"/>
+              <a:t> </a:t>
+            </a:r>
+          </a:p>
+          <a:p>
+            <a:pPr marL="457200" lvl="1" indent="0">
+              <a:buNone/>
+            </a:pPr>
+            <a:r>
+              <a:rPr lang="en-US" sz="700" dirty="0"/>
+              <a:t>array = [ 1, 2, 3, 4, 5, 6 ];</a:t>
+            </a:r>
+          </a:p>
+          <a:p>
+            <a:pPr marL="457200" lvl="1" indent="0">
+              <a:buNone/>
+            </a:pPr>
+            <a:r>
+              <a:rPr lang="en-US" sz="700" dirty="0"/>
+              <a:t>for (index = 0; index &lt; </a:t>
+            </a:r>
+            <a:r>
+              <a:rPr lang="en-US" sz="700" dirty="0" err="1"/>
+              <a:t>array.length</a:t>
+            </a:r>
+            <a:r>
+              <a:rPr lang="en-US" sz="700" dirty="0"/>
+              <a:t>; index++) {</a:t>
+            </a:r>
+          </a:p>
+          <a:p>
+            <a:pPr marL="457200" lvl="1" indent="0">
+              <a:buNone/>
+            </a:pPr>
+            <a:r>
+              <a:rPr lang="en-US" sz="700" dirty="0"/>
+              <a:t>    console.log(array[index]);</a:t>
+            </a:r>
+          </a:p>
+          <a:p>
+            <a:pPr marL="457200" lvl="1" indent="0">
+              <a:buNone/>
+            </a:pPr>
+            <a:r>
+              <a:rPr lang="en-US" sz="700" dirty="0"/>
+              <a:t>}</a:t>
+            </a:r>
+          </a:p>
+          <a:p>
+            <a:r>
+              <a:rPr lang="en-US" sz="800" dirty="0"/>
+              <a:t>Using while loop. </a:t>
+            </a:r>
+          </a:p>
+          <a:p>
+            <a:r>
+              <a:rPr lang="en-US" sz="800" dirty="0"/>
+              <a:t>This is again similar to other languages. </a:t>
+            </a:r>
+          </a:p>
+          <a:p>
+            <a:pPr marL="457200" lvl="1" indent="0">
+              <a:buNone/>
+            </a:pPr>
+            <a:r>
+              <a:rPr lang="en-US" sz="700" dirty="0"/>
+              <a:t>index = 0;</a:t>
+            </a:r>
+          </a:p>
+          <a:p>
+            <a:pPr marL="457200" lvl="1" indent="0">
+              <a:buNone/>
+            </a:pPr>
+            <a:r>
+              <a:rPr lang="en-US" sz="700" dirty="0"/>
+              <a:t>array = [ 1, 2, 3, 4, 5, 6 ];</a:t>
+            </a:r>
+          </a:p>
+          <a:p>
+            <a:pPr marL="457200" lvl="1" indent="0">
+              <a:buNone/>
+            </a:pPr>
+            <a:r>
+              <a:rPr lang="en-US" sz="700" dirty="0"/>
+              <a:t>while (index &lt; </a:t>
+            </a:r>
+            <a:r>
+              <a:rPr lang="en-US" sz="700" dirty="0" err="1"/>
+              <a:t>array.length</a:t>
+            </a:r>
+            <a:r>
+              <a:rPr lang="en-US" sz="700" dirty="0"/>
+              <a:t>) {</a:t>
+            </a:r>
+          </a:p>
+          <a:p>
+            <a:pPr marL="457200" lvl="1" indent="0">
+              <a:buNone/>
+            </a:pPr>
+            <a:r>
+              <a:rPr lang="en-US" sz="700" dirty="0"/>
+              <a:t>    console.log(array[index]);</a:t>
+            </a:r>
+          </a:p>
+          <a:p>
+            <a:pPr marL="457200" lvl="1" indent="0">
+              <a:buNone/>
+            </a:pPr>
+            <a:r>
+              <a:rPr lang="en-US" sz="700" dirty="0"/>
+              <a:t>    index++;</a:t>
+            </a:r>
+          </a:p>
+          <a:p>
+            <a:pPr marL="457200" lvl="1" indent="0">
+              <a:buNone/>
+            </a:pPr>
+            <a:r>
+              <a:rPr lang="en-US" sz="700" dirty="0"/>
+              <a:t>}</a:t>
+            </a:r>
+          </a:p>
+          <a:p>
+            <a:r>
+              <a:rPr lang="en-US" sz="800" dirty="0"/>
+              <a:t>using </a:t>
+            </a:r>
+            <a:r>
+              <a:rPr lang="en-US" sz="800" dirty="0" err="1"/>
+              <a:t>forEach</a:t>
+            </a:r>
+            <a:r>
+              <a:rPr lang="en-US" sz="800" dirty="0"/>
+              <a:t> method. </a:t>
+            </a:r>
+          </a:p>
+          <a:p>
+            <a:r>
+              <a:rPr lang="en-US" sz="800" dirty="0"/>
+              <a:t>The </a:t>
+            </a:r>
+            <a:r>
+              <a:rPr lang="en-US" sz="800" dirty="0" err="1"/>
+              <a:t>forEach</a:t>
+            </a:r>
+            <a:r>
+              <a:rPr lang="en-US" sz="800" dirty="0"/>
+              <a:t> method calls the provided function once for every array element in the order. </a:t>
+            </a:r>
+          </a:p>
+          <a:p>
+            <a:pPr marL="457200" lvl="1" indent="0">
+              <a:buNone/>
+            </a:pPr>
+            <a:r>
+              <a:rPr lang="en-US" sz="700" dirty="0"/>
+              <a:t>index = 0;</a:t>
+            </a:r>
+          </a:p>
+          <a:p>
+            <a:pPr marL="457200" lvl="1" indent="0">
+              <a:buNone/>
+            </a:pPr>
+            <a:r>
+              <a:rPr lang="en-US" sz="700" dirty="0"/>
+              <a:t>array = [ 1, 2, 3, 4, 5, 6 ];</a:t>
+            </a:r>
+          </a:p>
+          <a:p>
+            <a:pPr marL="457200" lvl="1" indent="0">
+              <a:buNone/>
+            </a:pPr>
+            <a:r>
+              <a:rPr lang="en-US" sz="700" dirty="0" err="1"/>
+              <a:t>array.forEach</a:t>
+            </a:r>
+            <a:r>
+              <a:rPr lang="en-US" sz="700" dirty="0"/>
+              <a:t>(</a:t>
+            </a:r>
+            <a:r>
+              <a:rPr lang="en-US" sz="700" dirty="0" err="1"/>
+              <a:t>myFunction</a:t>
+            </a:r>
+            <a:r>
+              <a:rPr lang="en-US" sz="700" dirty="0"/>
+              <a:t>);</a:t>
+            </a:r>
+          </a:p>
+          <a:p>
+            <a:pPr marL="457200" lvl="1" indent="0">
+              <a:buNone/>
+            </a:pPr>
+            <a:r>
+              <a:rPr lang="en-US" sz="700" dirty="0"/>
+              <a:t>function </a:t>
+            </a:r>
+            <a:r>
+              <a:rPr lang="en-US" sz="700" dirty="0" err="1"/>
+              <a:t>myFunction</a:t>
+            </a:r>
+            <a:r>
+              <a:rPr lang="en-US" sz="700" dirty="0"/>
+              <a:t>(item, index)</a:t>
+            </a:r>
+          </a:p>
+          <a:p>
+            <a:pPr marL="457200" lvl="1" indent="0">
+              <a:buNone/>
+            </a:pPr>
+            <a:r>
+              <a:rPr lang="en-US" sz="700" dirty="0"/>
+              <a:t>{</a:t>
+            </a:r>
+          </a:p>
+          <a:p>
+            <a:pPr marL="457200" lvl="1" indent="0">
+              <a:buNone/>
+            </a:pPr>
+            <a:r>
+              <a:rPr lang="en-US" sz="700" dirty="0"/>
+              <a:t>    console.log(item);</a:t>
+            </a:r>
+          </a:p>
+          <a:p>
+            <a:pPr marL="457200" lvl="1" indent="0">
+              <a:buNone/>
+            </a:pPr>
+            <a:r>
+              <a:rPr lang="en-US" sz="700" dirty="0"/>
+              <a:t>}</a:t>
+            </a:r>
           </a:p>
         </p:txBody>
       </p:sp>
@@ -5710,15 +6248,6 @@
 </file>
 
 <file path=customXml/item2.xml><?xml version="1.0" encoding="utf-8"?>
-<?mso-contentType ?>
-<FormTemplates xmlns="http://schemas.microsoft.com/sharepoint/v3/contenttype/forms">
-  <Display>DocumentLibraryForm</Display>
-  <Edit>DocumentLibraryForm</Edit>
-  <New>DocumentLibraryForm</New>
-</FormTemplates>
-</file>
-
-<file path=customXml/item3.xml><?xml version="1.0" encoding="utf-8"?>
 <p:properties xmlns:p="http://schemas.microsoft.com/office/2006/metadata/properties" xmlns:xsi="http://www.w3.org/2001/XMLSchema-instance" xmlns:pc="http://schemas.microsoft.com/office/infopath/2007/PartnerControls">
   <documentManagement>
     <TaxCatchAll xmlns="202a9836-ee93-41fb-ba3c-167105785a0d" xsi:nil="true"/>
@@ -5729,16 +6258,51 @@
 </p:properties>
 </file>
 
+<file path=customXml/item3.xml><?xml version="1.0" encoding="utf-8"?>
+<?mso-contentType ?>
+<FormTemplates xmlns="http://schemas.microsoft.com/sharepoint/v3/contenttype/forms">
+  <Display>DocumentLibraryForm</Display>
+  <Edit>DocumentLibraryForm</Edit>
+  <New>DocumentLibraryForm</New>
+</FormTemplates>
+</file>
+
 <file path=customXml/itemProps1.xml><?xml version="1.0" encoding="utf-8"?>
-<ds:datastoreItem xmlns:ds="http://schemas.openxmlformats.org/officeDocument/2006/customXml" ds:itemID="{47688F41-88E6-45FF-A630-FDE70FD265C8}"/>
+<ds:datastoreItem xmlns:ds="http://schemas.openxmlformats.org/officeDocument/2006/customXml" ds:itemID="{47688F41-88E6-45FF-A630-FDE70FD265C8}">
+  <ds:schemaRefs>
+    <ds:schemaRef ds:uri="http://schemas.microsoft.com/office/2006/metadata/contentType"/>
+    <ds:schemaRef ds:uri="http://schemas.microsoft.com/office/2006/metadata/properties/metaAttributes"/>
+    <ds:schemaRef ds:uri="http://www.w3.org/2001/XMLSchema"/>
+    <ds:schemaRef ds:uri="http://schemas.microsoft.com/office/2006/metadata/properties"/>
+    <ds:schemaRef ds:uri="11dab2fc-a00f-488b-a519-3911044eea4e"/>
+    <ds:schemaRef ds:uri="202a9836-ee93-41fb-ba3c-167105785a0d"/>
+    <ds:schemaRef ds:uri="http://schemas.microsoft.com/office/2006/documentManagement/types"/>
+    <ds:schemaRef ds:uri="http://schemas.microsoft.com/office/infopath/2007/PartnerControls"/>
+    <ds:schemaRef ds:uri="http://schemas.openxmlformats.org/package/2006/metadata/core-properties"/>
+    <ds:schemaRef ds:uri="http://purl.org/dc/elements/1.1/"/>
+    <ds:schemaRef ds:uri="http://purl.org/dc/terms/"/>
+    <ds:schemaRef ds:uri="http://schemas.microsoft.com/internal/obd"/>
+  </ds:schemaRefs>
+</ds:datastoreItem>
 </file>
 
 <file path=customXml/itemProps2.xml><?xml version="1.0" encoding="utf-8"?>
-<ds:datastoreItem xmlns:ds="http://schemas.openxmlformats.org/officeDocument/2006/customXml" ds:itemID="{C5AE8672-8A93-4089-8E0E-C76F5BD32158}"/>
+<ds:datastoreItem xmlns:ds="http://schemas.openxmlformats.org/officeDocument/2006/customXml" ds:itemID="{1F9610DE-DD69-4939-B776-1156982AC05D}">
+  <ds:schemaRefs>
+    <ds:schemaRef ds:uri="http://schemas.microsoft.com/office/2006/metadata/properties"/>
+    <ds:schemaRef ds:uri="http://schemas.microsoft.com/office/infopath/2007/PartnerControls"/>
+    <ds:schemaRef ds:uri="202a9836-ee93-41fb-ba3c-167105785a0d"/>
+    <ds:schemaRef ds:uri="11dab2fc-a00f-488b-a519-3911044eea4e"/>
+  </ds:schemaRefs>
+</ds:datastoreItem>
 </file>
 
 <file path=customXml/itemProps3.xml><?xml version="1.0" encoding="utf-8"?>
-<ds:datastoreItem xmlns:ds="http://schemas.openxmlformats.org/officeDocument/2006/customXml" ds:itemID="{1F9610DE-DD69-4939-B776-1156982AC05D}"/>
+<ds:datastoreItem xmlns:ds="http://schemas.openxmlformats.org/officeDocument/2006/customXml" ds:itemID="{C5AE8672-8A93-4089-8E0E-C76F5BD32158}">
+  <ds:schemaRefs>
+    <ds:schemaRef ds:uri="http://schemas.microsoft.com/sharepoint/v3/contenttype/forms"/>
+  </ds:schemaRefs>
+</ds:datastoreItem>
 </file>
 
 <file path=docMetadata/LabelInfo.xml><?xml version="1.0" encoding="utf-8"?>

--- a/GFG JS Course Curriculam/Articles/005 Arrays.pptx
+++ b/GFG JS Course Curriculam/Articles/005 Arrays.pptx
@@ -2,7 +2,7 @@
 <file path=ppt/presentation.xml><?xml version="1.0" encoding="utf-8"?>
 <p:presentation xmlns:a="http://schemas.openxmlformats.org/drawingml/2006/main" xmlns:r="http://schemas.openxmlformats.org/officeDocument/2006/relationships" xmlns:p="http://schemas.openxmlformats.org/presentationml/2006/main" saveSubsetFonts="1">
   <p:sldMasterIdLst>
-    <p:sldMasterId id="2147483648" r:id="rId4"/>
+    <p:sldMasterId id="2147483762" r:id="rId4"/>
   </p:sldMasterIdLst>
   <p:sldIdLst>
     <p:sldId id="256" r:id="rId5"/>
@@ -33,7 +33,7 @@
     <a:defPPr>
       <a:defRPr lang="en-US"/>
     </a:defPPr>
-    <a:lvl1pPr marL="0" algn="l" defTabSz="914400" rtl="0" eaLnBrk="1" latinLnBrk="0" hangingPunct="1">
+    <a:lvl1pPr marL="0" algn="l" defTabSz="457200" rtl="0" eaLnBrk="1" latinLnBrk="0" hangingPunct="1">
       <a:defRPr sz="1800" kern="1200">
         <a:solidFill>
           <a:schemeClr val="tx1"/>
@@ -43,7 +43,7 @@
         <a:cs typeface="+mn-cs"/>
       </a:defRPr>
     </a:lvl1pPr>
-    <a:lvl2pPr marL="457200" algn="l" defTabSz="914400" rtl="0" eaLnBrk="1" latinLnBrk="0" hangingPunct="1">
+    <a:lvl2pPr marL="457200" algn="l" defTabSz="457200" rtl="0" eaLnBrk="1" latinLnBrk="0" hangingPunct="1">
       <a:defRPr sz="1800" kern="1200">
         <a:solidFill>
           <a:schemeClr val="tx1"/>
@@ -53,7 +53,7 @@
         <a:cs typeface="+mn-cs"/>
       </a:defRPr>
     </a:lvl2pPr>
-    <a:lvl3pPr marL="914400" algn="l" defTabSz="914400" rtl="0" eaLnBrk="1" latinLnBrk="0" hangingPunct="1">
+    <a:lvl3pPr marL="914400" algn="l" defTabSz="457200" rtl="0" eaLnBrk="1" latinLnBrk="0" hangingPunct="1">
       <a:defRPr sz="1800" kern="1200">
         <a:solidFill>
           <a:schemeClr val="tx1"/>
@@ -63,7 +63,7 @@
         <a:cs typeface="+mn-cs"/>
       </a:defRPr>
     </a:lvl3pPr>
-    <a:lvl4pPr marL="1371600" algn="l" defTabSz="914400" rtl="0" eaLnBrk="1" latinLnBrk="0" hangingPunct="1">
+    <a:lvl4pPr marL="1371600" algn="l" defTabSz="457200" rtl="0" eaLnBrk="1" latinLnBrk="0" hangingPunct="1">
       <a:defRPr sz="1800" kern="1200">
         <a:solidFill>
           <a:schemeClr val="tx1"/>
@@ -73,7 +73,7 @@
         <a:cs typeface="+mn-cs"/>
       </a:defRPr>
     </a:lvl4pPr>
-    <a:lvl5pPr marL="1828800" algn="l" defTabSz="914400" rtl="0" eaLnBrk="1" latinLnBrk="0" hangingPunct="1">
+    <a:lvl5pPr marL="1828800" algn="l" defTabSz="457200" rtl="0" eaLnBrk="1" latinLnBrk="0" hangingPunct="1">
       <a:defRPr sz="1800" kern="1200">
         <a:solidFill>
           <a:schemeClr val="tx1"/>
@@ -83,7 +83,7 @@
         <a:cs typeface="+mn-cs"/>
       </a:defRPr>
     </a:lvl5pPr>
-    <a:lvl6pPr marL="2286000" algn="l" defTabSz="914400" rtl="0" eaLnBrk="1" latinLnBrk="0" hangingPunct="1">
+    <a:lvl6pPr marL="2286000" algn="l" defTabSz="457200" rtl="0" eaLnBrk="1" latinLnBrk="0" hangingPunct="1">
       <a:defRPr sz="1800" kern="1200">
         <a:solidFill>
           <a:schemeClr val="tx1"/>
@@ -93,7 +93,7 @@
         <a:cs typeface="+mn-cs"/>
       </a:defRPr>
     </a:lvl6pPr>
-    <a:lvl7pPr marL="2743200" algn="l" defTabSz="914400" rtl="0" eaLnBrk="1" latinLnBrk="0" hangingPunct="1">
+    <a:lvl7pPr marL="2743200" algn="l" defTabSz="457200" rtl="0" eaLnBrk="1" latinLnBrk="0" hangingPunct="1">
       <a:defRPr sz="1800" kern="1200">
         <a:solidFill>
           <a:schemeClr val="tx1"/>
@@ -103,7 +103,7 @@
         <a:cs typeface="+mn-cs"/>
       </a:defRPr>
     </a:lvl7pPr>
-    <a:lvl8pPr marL="3200400" algn="l" defTabSz="914400" rtl="0" eaLnBrk="1" latinLnBrk="0" hangingPunct="1">
+    <a:lvl8pPr marL="3200400" algn="l" defTabSz="457200" rtl="0" eaLnBrk="1" latinLnBrk="0" hangingPunct="1">
       <a:defRPr sz="1800" kern="1200">
         <a:solidFill>
           <a:schemeClr val="tx1"/>
@@ -113,7 +113,7 @@
         <a:cs typeface="+mn-cs"/>
       </a:defRPr>
     </a:lvl8pPr>
-    <a:lvl9pPr marL="3657600" algn="l" defTabSz="914400" rtl="0" eaLnBrk="1" latinLnBrk="0" hangingPunct="1">
+    <a:lvl9pPr marL="3657600" algn="l" defTabSz="457200" rtl="0" eaLnBrk="1" latinLnBrk="0" hangingPunct="1">
       <a:defRPr sz="1800" kern="1200">
         <a:solidFill>
           <a:schemeClr val="tx1"/>
@@ -368,31 +368,76 @@
       </p:grpSpPr>
       <p:sp>
         <p:nvSpPr>
-          <p:cNvPr id="2" name="Title 1">
-            <a:extLst>
-              <a:ext uri="{FF2B5EF4-FFF2-40B4-BE49-F238E27FC236}">
-                <a16:creationId xmlns:a16="http://schemas.microsoft.com/office/drawing/2014/main" id="{7F133007-22D2-412B-95E4-CBA990D9B618}"/>
-              </a:ext>
-            </a:extLst>
-          </p:cNvPr>
-          <p:cNvSpPr>
-            <a:spLocks noGrp="1"/>
-          </p:cNvSpPr>
-          <p:nvPr>
-            <p:ph type="ctrTitle"/>
-          </p:nvPr>
+          <p:cNvPr id="7" name="Rectangle 6"/>
+          <p:cNvSpPr>
+            <a:spLocks noChangeAspect="1"/>
+          </p:cNvSpPr>
+          <p:nvPr/>
         </p:nvSpPr>
         <p:spPr>
           <a:xfrm>
-            <a:off x="1524000" y="1122363"/>
-            <a:ext cx="9144000" cy="2387600"/>
+            <a:off x="231140" y="243840"/>
+            <a:ext cx="11724640" cy="6377939"/>
+          </a:xfrm>
+          <a:prstGeom prst="rect">
+            <a:avLst/>
+          </a:prstGeom>
+          <a:solidFill>
+            <a:schemeClr val="accent1"/>
+          </a:solidFill>
+          <a:ln w="12700">
+            <a:solidFill>
+              <a:srgbClr val="FFFFFF"/>
+            </a:solidFill>
+          </a:ln>
+        </p:spPr>
+        <p:style>
+          <a:lnRef idx="2">
+            <a:schemeClr val="accent1">
+              <a:shade val="50000"/>
+            </a:schemeClr>
+          </a:lnRef>
+          <a:fillRef idx="1">
+            <a:schemeClr val="accent1"/>
+          </a:fillRef>
+          <a:effectRef idx="0">
+            <a:schemeClr val="accent1"/>
+          </a:effectRef>
+          <a:fontRef idx="minor">
+            <a:schemeClr val="lt1"/>
+          </a:fontRef>
+        </p:style>
+      </p:sp>
+      <p:sp>
+        <p:nvSpPr>
+          <p:cNvPr id="2" name="Title 1"/>
+          <p:cNvSpPr>
+            <a:spLocks noGrp="1"/>
+          </p:cNvSpPr>
+          <p:nvPr>
+            <p:ph type="ctrTitle"/>
+          </p:nvPr>
+        </p:nvSpPr>
+        <p:spPr>
+          <a:xfrm>
+            <a:off x="1109980" y="882376"/>
+            <a:ext cx="9966960" cy="2926080"/>
           </a:xfrm>
         </p:spPr>
         <p:txBody>
-          <a:bodyPr anchor="b"/>
+          <a:bodyPr anchor="b">
+            <a:normAutofit/>
+          </a:bodyPr>
           <a:lstStyle>
             <a:lvl1pPr algn="ctr">
-              <a:defRPr sz="6000"/>
+              <a:lnSpc>
+                <a:spcPct val="85000"/>
+              </a:lnSpc>
+              <a:defRPr sz="7200" b="1" cap="all" baseline="0">
+                <a:solidFill>
+                  <a:srgbClr val="FFFFFF"/>
+                </a:solidFill>
+              </a:defRPr>
             </a:lvl1pPr>
           </a:lstStyle>
           <a:p>
@@ -400,18 +445,13 @@
               <a:rPr lang="en-US"/>
               <a:t>Click to edit Master title style</a:t>
             </a:r>
-          </a:p>
-        </p:txBody>
-      </p:sp>
-      <p:sp>
-        <p:nvSpPr>
-          <p:cNvPr id="3" name="Subtitle 2">
-            <a:extLst>
-              <a:ext uri="{FF2B5EF4-FFF2-40B4-BE49-F238E27FC236}">
-                <a16:creationId xmlns:a16="http://schemas.microsoft.com/office/drawing/2014/main" id="{7610C74E-B68A-4108-B264-A6A1242E807F}"/>
-              </a:ext>
-            </a:extLst>
-          </p:cNvPr>
+            <a:endParaRPr lang="en-US" dirty="0"/>
+          </a:p>
+        </p:txBody>
+      </p:sp>
+      <p:sp>
+        <p:nvSpPr>
+          <p:cNvPr id="3" name="Subtitle 2"/>
           <p:cNvSpPr>
             <a:spLocks noGrp="1"/>
           </p:cNvSpPr>
@@ -421,48 +461,54 @@
         </p:nvSpPr>
         <p:spPr>
           <a:xfrm>
-            <a:off x="1524000" y="3602038"/>
-            <a:ext cx="9144000" cy="1655762"/>
+            <a:off x="1709530" y="3869634"/>
+            <a:ext cx="8767860" cy="1388165"/>
           </a:xfrm>
         </p:spPr>
         <p:txBody>
-          <a:bodyPr/>
+          <a:bodyPr>
+            <a:normAutofit/>
+          </a:bodyPr>
           <a:lstStyle>
             <a:lvl1pPr marL="0" indent="0" algn="ctr">
               <a:buNone/>
-              <a:defRPr sz="2400"/>
+              <a:defRPr sz="2200">
+                <a:solidFill>
+                  <a:srgbClr val="FFFFFF"/>
+                </a:solidFill>
+              </a:defRPr>
             </a:lvl1pPr>
             <a:lvl2pPr marL="457200" indent="0" algn="ctr">
               <a:buNone/>
-              <a:defRPr sz="2000"/>
+              <a:defRPr sz="2200"/>
             </a:lvl2pPr>
             <a:lvl3pPr marL="914400" indent="0" algn="ctr">
               <a:buNone/>
-              <a:defRPr sz="1800"/>
+              <a:defRPr sz="2200"/>
             </a:lvl3pPr>
             <a:lvl4pPr marL="1371600" indent="0" algn="ctr">
               <a:buNone/>
-              <a:defRPr sz="1600"/>
+              <a:defRPr sz="2000"/>
             </a:lvl4pPr>
             <a:lvl5pPr marL="1828800" indent="0" algn="ctr">
               <a:buNone/>
-              <a:defRPr sz="1600"/>
+              <a:defRPr sz="2000"/>
             </a:lvl5pPr>
             <a:lvl6pPr marL="2286000" indent="0" algn="ctr">
               <a:buNone/>
-              <a:defRPr sz="1600"/>
+              <a:defRPr sz="2000"/>
             </a:lvl6pPr>
             <a:lvl7pPr marL="2743200" indent="0" algn="ctr">
               <a:buNone/>
-              <a:defRPr sz="1600"/>
+              <a:defRPr sz="2000"/>
             </a:lvl7pPr>
             <a:lvl8pPr marL="3200400" indent="0" algn="ctr">
               <a:buNone/>
-              <a:defRPr sz="1600"/>
+              <a:defRPr sz="2000"/>
             </a:lvl8pPr>
             <a:lvl9pPr marL="3657600" indent="0" algn="ctr">
               <a:buNone/>
-              <a:defRPr sz="1600"/>
+              <a:defRPr sz="2000"/>
             </a:lvl9pPr>
           </a:lstStyle>
           <a:p>
@@ -470,18 +516,13 @@
               <a:rPr lang="en-US"/>
               <a:t>Click to edit Master subtitle style</a:t>
             </a:r>
-          </a:p>
-        </p:txBody>
-      </p:sp>
-      <p:sp>
-        <p:nvSpPr>
-          <p:cNvPr id="4" name="Date Placeholder 3">
-            <a:extLst>
-              <a:ext uri="{FF2B5EF4-FFF2-40B4-BE49-F238E27FC236}">
-                <a16:creationId xmlns:a16="http://schemas.microsoft.com/office/drawing/2014/main" id="{2AA8DC33-4E48-4438-BD86-89A0DF1A7311}"/>
-              </a:ext>
-            </a:extLst>
-          </p:cNvPr>
+            <a:endParaRPr lang="en-US" dirty="0"/>
+          </a:p>
+        </p:txBody>
+      </p:sp>
+      <p:sp>
+        <p:nvSpPr>
+          <p:cNvPr id="4" name="Date Placeholder 3"/>
           <p:cNvSpPr>
             <a:spLocks noGrp="1"/>
           </p:cNvSpPr>
@@ -492,11 +533,19 @@
         <p:spPr/>
         <p:txBody>
           <a:bodyPr/>
-          <a:lstStyle/>
+          <a:lstStyle>
+            <a:lvl1pPr>
+              <a:defRPr>
+                <a:solidFill>
+                  <a:srgbClr val="FFFFFF"/>
+                </a:solidFill>
+              </a:defRPr>
+            </a:lvl1pPr>
+          </a:lstStyle>
           <a:p>
             <a:fld id="{73CA6D7C-52BC-45C0-B9D9-2A3E7443B367}" type="datetimeFigureOut">
               <a:rPr lang="en-US" smtClean="0"/>
-              <a:t>12/22/2022</a:t>
+              <a:t>12/24/2022</a:t>
             </a:fld>
             <a:endParaRPr lang="en-US"/>
           </a:p>
@@ -504,13 +553,7 @@
       </p:sp>
       <p:sp>
         <p:nvSpPr>
-          <p:cNvPr id="5" name="Footer Placeholder 4">
-            <a:extLst>
-              <a:ext uri="{FF2B5EF4-FFF2-40B4-BE49-F238E27FC236}">
-                <a16:creationId xmlns:a16="http://schemas.microsoft.com/office/drawing/2014/main" id="{40DC075E-565F-4157-8603-709A08D23701}"/>
-              </a:ext>
-            </a:extLst>
-          </p:cNvPr>
+          <p:cNvPr id="5" name="Footer Placeholder 4"/>
           <p:cNvSpPr>
             <a:spLocks noGrp="1"/>
           </p:cNvSpPr>
@@ -521,21 +564,23 @@
         <p:spPr/>
         <p:txBody>
           <a:bodyPr/>
-          <a:lstStyle/>
-          <a:p>
-            <a:endParaRPr lang="en-US"/>
-          </a:p>
-        </p:txBody>
-      </p:sp>
-      <p:sp>
-        <p:nvSpPr>
-          <p:cNvPr id="6" name="Slide Number Placeholder 5">
-            <a:extLst>
-              <a:ext uri="{FF2B5EF4-FFF2-40B4-BE49-F238E27FC236}">
-                <a16:creationId xmlns:a16="http://schemas.microsoft.com/office/drawing/2014/main" id="{CD4F67CF-A799-481B-B43C-5B5C06C7A4FD}"/>
-              </a:ext>
-            </a:extLst>
-          </p:cNvPr>
+          <a:lstStyle>
+            <a:lvl1pPr>
+              <a:defRPr>
+                <a:solidFill>
+                  <a:srgbClr val="FFFFFF"/>
+                </a:solidFill>
+              </a:defRPr>
+            </a:lvl1pPr>
+          </a:lstStyle>
+          <a:p>
+            <a:endParaRPr lang="en-US"/>
+          </a:p>
+        </p:txBody>
+      </p:sp>
+      <p:sp>
+        <p:nvSpPr>
+          <p:cNvPr id="6" name="Slide Number Placeholder 5"/>
           <p:cNvSpPr>
             <a:spLocks noGrp="1"/>
           </p:cNvSpPr>
@@ -546,7 +591,15 @@
         <p:spPr/>
         <p:txBody>
           <a:bodyPr/>
-          <a:lstStyle/>
+          <a:lstStyle>
+            <a:lvl1pPr>
+              <a:defRPr>
+                <a:solidFill>
+                  <a:srgbClr val="FFFFFF"/>
+                </a:solidFill>
+              </a:defRPr>
+            </a:lvl1pPr>
+          </a:lstStyle>
           <a:p>
             <a:fld id="{0FBE3ECC-132E-4F08-AA6D-102893F799B5}" type="slidenum">
               <a:rPr lang="en-US" smtClean="0"/>
@@ -556,10 +609,45 @@
           </a:p>
         </p:txBody>
       </p:sp>
+      <p:cxnSp>
+        <p:nvCxnSpPr>
+          <p:cNvPr id="8" name="Straight Connector 7"/>
+          <p:cNvCxnSpPr/>
+          <p:nvPr/>
+        </p:nvCxnSpPr>
+        <p:spPr>
+          <a:xfrm>
+            <a:off x="1978660" y="3733800"/>
+            <a:ext cx="8229601" cy="0"/>
+          </a:xfrm>
+          <a:prstGeom prst="line">
+            <a:avLst/>
+          </a:prstGeom>
+          <a:ln>
+            <a:solidFill>
+              <a:srgbClr val="FFFFFF"/>
+            </a:solidFill>
+          </a:ln>
+        </p:spPr>
+        <p:style>
+          <a:lnRef idx="1">
+            <a:schemeClr val="accent1"/>
+          </a:lnRef>
+          <a:fillRef idx="0">
+            <a:schemeClr val="accent1"/>
+          </a:fillRef>
+          <a:effectRef idx="0">
+            <a:schemeClr val="accent1"/>
+          </a:effectRef>
+          <a:fontRef idx="minor">
+            <a:schemeClr val="tx1"/>
+          </a:fontRef>
+        </p:style>
+      </p:cxnSp>
     </p:spTree>
     <p:extLst>
       <p:ext uri="{BB962C8B-B14F-4D97-AF65-F5344CB8AC3E}">
-        <p14:creationId xmlns:p14="http://schemas.microsoft.com/office/powerpoint/2010/main" val="3958577221"/>
+        <p14:creationId xmlns:p14="http://schemas.microsoft.com/office/powerpoint/2010/main" val="4013297967"/>
       </p:ext>
     </p:extLst>
   </p:cSld>
@@ -588,13 +676,7 @@
       </p:grpSpPr>
       <p:sp>
         <p:nvSpPr>
-          <p:cNvPr id="2" name="Title 1">
-            <a:extLst>
-              <a:ext uri="{FF2B5EF4-FFF2-40B4-BE49-F238E27FC236}">
-                <a16:creationId xmlns:a16="http://schemas.microsoft.com/office/drawing/2014/main" id="{2CF44DBC-F56F-459C-9279-5F79AC3E6D59}"/>
-              </a:ext>
-            </a:extLst>
-          </p:cNvPr>
+          <p:cNvPr id="2" name="Title 1"/>
           <p:cNvSpPr>
             <a:spLocks noGrp="1"/>
           </p:cNvSpPr>
@@ -611,18 +693,13 @@
               <a:rPr lang="en-US"/>
               <a:t>Click to edit Master title style</a:t>
             </a:r>
-          </a:p>
-        </p:txBody>
-      </p:sp>
-      <p:sp>
-        <p:nvSpPr>
-          <p:cNvPr id="3" name="Vertical Text Placeholder 2">
-            <a:extLst>
-              <a:ext uri="{FF2B5EF4-FFF2-40B4-BE49-F238E27FC236}">
-                <a16:creationId xmlns:a16="http://schemas.microsoft.com/office/drawing/2014/main" id="{FD838972-14F9-40E5-AB59-3BD400209519}"/>
-              </a:ext>
-            </a:extLst>
-          </p:cNvPr>
+            <a:endParaRPr lang="en-US" dirty="0"/>
+          </a:p>
+        </p:txBody>
+      </p:sp>
+      <p:sp>
+        <p:nvSpPr>
+          <p:cNvPr id="3" name="Vertical Text Placeholder 2"/>
           <p:cNvSpPr>
             <a:spLocks noGrp="1"/>
           </p:cNvSpPr>
@@ -668,18 +745,13 @@
               <a:rPr lang="en-US"/>
               <a:t>Fifth level</a:t>
             </a:r>
-          </a:p>
-        </p:txBody>
-      </p:sp>
-      <p:sp>
-        <p:nvSpPr>
-          <p:cNvPr id="4" name="Date Placeholder 3">
-            <a:extLst>
-              <a:ext uri="{FF2B5EF4-FFF2-40B4-BE49-F238E27FC236}">
-                <a16:creationId xmlns:a16="http://schemas.microsoft.com/office/drawing/2014/main" id="{359A134D-526F-4612-A637-B2F66AF53E42}"/>
-              </a:ext>
-            </a:extLst>
-          </p:cNvPr>
+            <a:endParaRPr lang="en-US" dirty="0"/>
+          </a:p>
+        </p:txBody>
+      </p:sp>
+      <p:sp>
+        <p:nvSpPr>
+          <p:cNvPr id="4" name="Date Placeholder 3"/>
           <p:cNvSpPr>
             <a:spLocks noGrp="1"/>
           </p:cNvSpPr>
@@ -694,7 +766,7 @@
           <a:p>
             <a:fld id="{73CA6D7C-52BC-45C0-B9D9-2A3E7443B367}" type="datetimeFigureOut">
               <a:rPr lang="en-US" smtClean="0"/>
-              <a:t>12/22/2022</a:t>
+              <a:t>12/24/2022</a:t>
             </a:fld>
             <a:endParaRPr lang="en-US"/>
           </a:p>
@@ -702,13 +774,7 @@
       </p:sp>
       <p:sp>
         <p:nvSpPr>
-          <p:cNvPr id="5" name="Footer Placeholder 4">
-            <a:extLst>
-              <a:ext uri="{FF2B5EF4-FFF2-40B4-BE49-F238E27FC236}">
-                <a16:creationId xmlns:a16="http://schemas.microsoft.com/office/drawing/2014/main" id="{285ABD76-EFD2-4F63-8D14-F2221007D851}"/>
-              </a:ext>
-            </a:extLst>
-          </p:cNvPr>
+          <p:cNvPr id="5" name="Footer Placeholder 4"/>
           <p:cNvSpPr>
             <a:spLocks noGrp="1"/>
           </p:cNvSpPr>
@@ -727,13 +793,7 @@
       </p:sp>
       <p:sp>
         <p:nvSpPr>
-          <p:cNvPr id="6" name="Slide Number Placeholder 5">
-            <a:extLst>
-              <a:ext uri="{FF2B5EF4-FFF2-40B4-BE49-F238E27FC236}">
-                <a16:creationId xmlns:a16="http://schemas.microsoft.com/office/drawing/2014/main" id="{BE2C60E4-EC09-4FE4-89D2-FBB3D304D7D0}"/>
-              </a:ext>
-            </a:extLst>
-          </p:cNvPr>
+          <p:cNvPr id="6" name="Slide Number Placeholder 5"/>
           <p:cNvSpPr>
             <a:spLocks noGrp="1"/>
           </p:cNvSpPr>
@@ -757,7 +817,7 @@
     </p:spTree>
     <p:extLst>
       <p:ext uri="{BB962C8B-B14F-4D97-AF65-F5344CB8AC3E}">
-        <p14:creationId xmlns:p14="http://schemas.microsoft.com/office/powerpoint/2010/main" val="3024884839"/>
+        <p14:creationId xmlns:p14="http://schemas.microsoft.com/office/powerpoint/2010/main" val="4094942494"/>
       </p:ext>
     </p:extLst>
   </p:cSld>
@@ -786,13 +846,7 @@
       </p:grpSpPr>
       <p:sp>
         <p:nvSpPr>
-          <p:cNvPr id="2" name="Vertical Title 1">
-            <a:extLst>
-              <a:ext uri="{FF2B5EF4-FFF2-40B4-BE49-F238E27FC236}">
-                <a16:creationId xmlns:a16="http://schemas.microsoft.com/office/drawing/2014/main" id="{9EE6A92F-C0C7-4074-A69C-6F240DAE880E}"/>
-              </a:ext>
-            </a:extLst>
-          </p:cNvPr>
+          <p:cNvPr id="2" name="Vertical Title 1"/>
           <p:cNvSpPr>
             <a:spLocks noGrp="1"/>
           </p:cNvSpPr>
@@ -802,8 +856,8 @@
         </p:nvSpPr>
         <p:spPr>
           <a:xfrm>
-            <a:off x="8724900" y="365125"/>
-            <a:ext cx="2628900" cy="5811838"/>
+            <a:off x="8724900" y="762000"/>
+            <a:ext cx="2324100" cy="5410200"/>
           </a:xfrm>
         </p:spPr>
         <p:txBody>
@@ -814,18 +868,13 @@
               <a:rPr lang="en-US"/>
               <a:t>Click to edit Master title style</a:t>
             </a:r>
-          </a:p>
-        </p:txBody>
-      </p:sp>
-      <p:sp>
-        <p:nvSpPr>
-          <p:cNvPr id="3" name="Vertical Text Placeholder 2">
-            <a:extLst>
-              <a:ext uri="{FF2B5EF4-FFF2-40B4-BE49-F238E27FC236}">
-                <a16:creationId xmlns:a16="http://schemas.microsoft.com/office/drawing/2014/main" id="{87CAA691-5575-47B6-A255-7C24B8F95DF9}"/>
-              </a:ext>
-            </a:extLst>
-          </p:cNvPr>
+            <a:endParaRPr lang="en-US" dirty="0"/>
+          </a:p>
+        </p:txBody>
+      </p:sp>
+      <p:sp>
+        <p:nvSpPr>
+          <p:cNvPr id="3" name="Vertical Text Placeholder 2"/>
           <p:cNvSpPr>
             <a:spLocks noGrp="1"/>
           </p:cNvSpPr>
@@ -835,8 +884,8 @@
         </p:nvSpPr>
         <p:spPr>
           <a:xfrm>
-            <a:off x="838200" y="365125"/>
-            <a:ext cx="7734300" cy="5811838"/>
+            <a:off x="1143000" y="762000"/>
+            <a:ext cx="7429500" cy="5410200"/>
           </a:xfrm>
         </p:spPr>
         <p:txBody>
@@ -876,18 +925,13 @@
               <a:rPr lang="en-US"/>
               <a:t>Fifth level</a:t>
             </a:r>
-          </a:p>
-        </p:txBody>
-      </p:sp>
-      <p:sp>
-        <p:nvSpPr>
-          <p:cNvPr id="4" name="Date Placeholder 3">
-            <a:extLst>
-              <a:ext uri="{FF2B5EF4-FFF2-40B4-BE49-F238E27FC236}">
-                <a16:creationId xmlns:a16="http://schemas.microsoft.com/office/drawing/2014/main" id="{78B21C5F-63B4-4381-91AE-26FFC6FE3359}"/>
-              </a:ext>
-            </a:extLst>
-          </p:cNvPr>
+            <a:endParaRPr lang="en-US" dirty="0"/>
+          </a:p>
+        </p:txBody>
+      </p:sp>
+      <p:sp>
+        <p:nvSpPr>
+          <p:cNvPr id="4" name="Date Placeholder 3"/>
           <p:cNvSpPr>
             <a:spLocks noGrp="1"/>
           </p:cNvSpPr>
@@ -902,7 +946,7 @@
           <a:p>
             <a:fld id="{73CA6D7C-52BC-45C0-B9D9-2A3E7443B367}" type="datetimeFigureOut">
               <a:rPr lang="en-US" smtClean="0"/>
-              <a:t>12/22/2022</a:t>
+              <a:t>12/24/2022</a:t>
             </a:fld>
             <a:endParaRPr lang="en-US"/>
           </a:p>
@@ -910,13 +954,7 @@
       </p:sp>
       <p:sp>
         <p:nvSpPr>
-          <p:cNvPr id="5" name="Footer Placeholder 4">
-            <a:extLst>
-              <a:ext uri="{FF2B5EF4-FFF2-40B4-BE49-F238E27FC236}">
-                <a16:creationId xmlns:a16="http://schemas.microsoft.com/office/drawing/2014/main" id="{406DED64-8B81-40B5-A56A-9F068435F35E}"/>
-              </a:ext>
-            </a:extLst>
-          </p:cNvPr>
+          <p:cNvPr id="5" name="Footer Placeholder 4"/>
           <p:cNvSpPr>
             <a:spLocks noGrp="1"/>
           </p:cNvSpPr>
@@ -935,13 +973,7 @@
       </p:sp>
       <p:sp>
         <p:nvSpPr>
-          <p:cNvPr id="6" name="Slide Number Placeholder 5">
-            <a:extLst>
-              <a:ext uri="{FF2B5EF4-FFF2-40B4-BE49-F238E27FC236}">
-                <a16:creationId xmlns:a16="http://schemas.microsoft.com/office/drawing/2014/main" id="{F61E4767-4497-43DF-A417-CC1215CDB1CA}"/>
-              </a:ext>
-            </a:extLst>
-          </p:cNvPr>
+          <p:cNvPr id="6" name="Slide Number Placeholder 5"/>
           <p:cNvSpPr>
             <a:spLocks noGrp="1"/>
           </p:cNvSpPr>
@@ -965,7 +997,7 @@
     </p:spTree>
     <p:extLst>
       <p:ext uri="{BB962C8B-B14F-4D97-AF65-F5344CB8AC3E}">
-        <p14:creationId xmlns:p14="http://schemas.microsoft.com/office/powerpoint/2010/main" val="19552170"/>
+        <p14:creationId xmlns:p14="http://schemas.microsoft.com/office/powerpoint/2010/main" val="2347069160"/>
       </p:ext>
     </p:extLst>
   </p:cSld>
@@ -994,13 +1026,7 @@
       </p:grpSpPr>
       <p:sp>
         <p:nvSpPr>
-          <p:cNvPr id="2" name="Title 1">
-            <a:extLst>
-              <a:ext uri="{FF2B5EF4-FFF2-40B4-BE49-F238E27FC236}">
-                <a16:creationId xmlns:a16="http://schemas.microsoft.com/office/drawing/2014/main" id="{F95F74B1-7103-43E2-87F1-52D405680FD6}"/>
-              </a:ext>
-            </a:extLst>
-          </p:cNvPr>
+          <p:cNvPr id="2" name="Title 1"/>
           <p:cNvSpPr>
             <a:spLocks noGrp="1"/>
           </p:cNvSpPr>
@@ -1017,18 +1043,13 @@
               <a:rPr lang="en-US"/>
               <a:t>Click to edit Master title style</a:t>
             </a:r>
-          </a:p>
-        </p:txBody>
-      </p:sp>
-      <p:sp>
-        <p:nvSpPr>
-          <p:cNvPr id="3" name="Content Placeholder 2">
-            <a:extLst>
-              <a:ext uri="{FF2B5EF4-FFF2-40B4-BE49-F238E27FC236}">
-                <a16:creationId xmlns:a16="http://schemas.microsoft.com/office/drawing/2014/main" id="{20DDA4E3-BC49-4E3B-BF89-FCDC1A860767}"/>
-              </a:ext>
-            </a:extLst>
-          </p:cNvPr>
+            <a:endParaRPr lang="en-US" dirty="0"/>
+          </a:p>
+        </p:txBody>
+      </p:sp>
+      <p:sp>
+        <p:nvSpPr>
+          <p:cNvPr id="3" name="Content Placeholder 2"/>
           <p:cNvSpPr>
             <a:spLocks noGrp="1"/>
           </p:cNvSpPr>
@@ -1074,18 +1095,13 @@
               <a:rPr lang="en-US"/>
               <a:t>Fifth level</a:t>
             </a:r>
-          </a:p>
-        </p:txBody>
-      </p:sp>
-      <p:sp>
-        <p:nvSpPr>
-          <p:cNvPr id="4" name="Date Placeholder 3">
-            <a:extLst>
-              <a:ext uri="{FF2B5EF4-FFF2-40B4-BE49-F238E27FC236}">
-                <a16:creationId xmlns:a16="http://schemas.microsoft.com/office/drawing/2014/main" id="{8C9BB7B0-06CB-43DD-9E6B-C1EC36AF4CAC}"/>
-              </a:ext>
-            </a:extLst>
-          </p:cNvPr>
+            <a:endParaRPr lang="en-US" dirty="0"/>
+          </a:p>
+        </p:txBody>
+      </p:sp>
+      <p:sp>
+        <p:nvSpPr>
+          <p:cNvPr id="4" name="Date Placeholder 3"/>
           <p:cNvSpPr>
             <a:spLocks noGrp="1"/>
           </p:cNvSpPr>
@@ -1100,7 +1116,7 @@
           <a:p>
             <a:fld id="{73CA6D7C-52BC-45C0-B9D9-2A3E7443B367}" type="datetimeFigureOut">
               <a:rPr lang="en-US" smtClean="0"/>
-              <a:t>12/22/2022</a:t>
+              <a:t>12/24/2022</a:t>
             </a:fld>
             <a:endParaRPr lang="en-US"/>
           </a:p>
@@ -1108,13 +1124,7 @@
       </p:sp>
       <p:sp>
         <p:nvSpPr>
-          <p:cNvPr id="5" name="Footer Placeholder 4">
-            <a:extLst>
-              <a:ext uri="{FF2B5EF4-FFF2-40B4-BE49-F238E27FC236}">
-                <a16:creationId xmlns:a16="http://schemas.microsoft.com/office/drawing/2014/main" id="{9F87FC45-0119-4D2C-B48B-DE4AF98F7A33}"/>
-              </a:ext>
-            </a:extLst>
-          </p:cNvPr>
+          <p:cNvPr id="5" name="Footer Placeholder 4"/>
           <p:cNvSpPr>
             <a:spLocks noGrp="1"/>
           </p:cNvSpPr>
@@ -1133,13 +1143,7 @@
       </p:sp>
       <p:sp>
         <p:nvSpPr>
-          <p:cNvPr id="6" name="Slide Number Placeholder 5">
-            <a:extLst>
-              <a:ext uri="{FF2B5EF4-FFF2-40B4-BE49-F238E27FC236}">
-                <a16:creationId xmlns:a16="http://schemas.microsoft.com/office/drawing/2014/main" id="{6EFF8256-7E80-4488-9BD4-D567F17AC316}"/>
-              </a:ext>
-            </a:extLst>
-          </p:cNvPr>
+          <p:cNvPr id="6" name="Slide Number Placeholder 5"/>
           <p:cNvSpPr>
             <a:spLocks noGrp="1"/>
           </p:cNvSpPr>
@@ -1163,7 +1167,7 @@
     </p:spTree>
     <p:extLst>
       <p:ext uri="{BB962C8B-B14F-4D97-AF65-F5344CB8AC3E}">
-        <p14:creationId xmlns:p14="http://schemas.microsoft.com/office/powerpoint/2010/main" val="488540965"/>
+        <p14:creationId xmlns:p14="http://schemas.microsoft.com/office/powerpoint/2010/main" val="3090323769"/>
       </p:ext>
     </p:extLst>
   </p:cSld>
@@ -1192,13 +1196,7 @@
       </p:grpSpPr>
       <p:sp>
         <p:nvSpPr>
-          <p:cNvPr id="2" name="Title 1">
-            <a:extLst>
-              <a:ext uri="{FF2B5EF4-FFF2-40B4-BE49-F238E27FC236}">
-                <a16:creationId xmlns:a16="http://schemas.microsoft.com/office/drawing/2014/main" id="{E9D88E47-8518-4398-B4AC-8AA03146166A}"/>
-              </a:ext>
-            </a:extLst>
-          </p:cNvPr>
+          <p:cNvPr id="2" name="Title 1"/>
           <p:cNvSpPr>
             <a:spLocks noGrp="1"/>
           </p:cNvSpPr>
@@ -1208,15 +1206,20 @@
         </p:nvSpPr>
         <p:spPr>
           <a:xfrm>
-            <a:off x="831850" y="1709738"/>
-            <a:ext cx="10515600" cy="2852737"/>
+            <a:off x="1106424" y="1173575"/>
+            <a:ext cx="9966960" cy="2926080"/>
           </a:xfrm>
         </p:spPr>
         <p:txBody>
-          <a:bodyPr anchor="b"/>
+          <a:bodyPr anchor="b">
+            <a:noAutofit/>
+          </a:bodyPr>
           <a:lstStyle>
-            <a:lvl1pPr>
-              <a:defRPr sz="6000"/>
+            <a:lvl1pPr algn="ctr">
+              <a:lnSpc>
+                <a:spcPct val="85000"/>
+              </a:lnSpc>
+              <a:defRPr sz="7200" b="0" cap="all" baseline="0"/>
             </a:lvl1pPr>
           </a:lstStyle>
           <a:p>
@@ -1224,18 +1227,13 @@
               <a:rPr lang="en-US"/>
               <a:t>Click to edit Master title style</a:t>
             </a:r>
-          </a:p>
-        </p:txBody>
-      </p:sp>
-      <p:sp>
-        <p:nvSpPr>
-          <p:cNvPr id="3" name="Text Placeholder 2">
-            <a:extLst>
-              <a:ext uri="{FF2B5EF4-FFF2-40B4-BE49-F238E27FC236}">
-                <a16:creationId xmlns:a16="http://schemas.microsoft.com/office/drawing/2014/main" id="{5D9A393B-26A5-48C7-B68E-BE265F61E46B}"/>
-              </a:ext>
-            </a:extLst>
-          </p:cNvPr>
+            <a:endParaRPr lang="en-US" dirty="0"/>
+          </a:p>
+        </p:txBody>
+      </p:sp>
+      <p:sp>
+        <p:nvSpPr>
+          <p:cNvPr id="3" name="Text Placeholder 2"/>
           <p:cNvSpPr>
             <a:spLocks noGrp="1"/>
           </p:cNvSpPr>
@@ -1245,26 +1243,26 @@
         </p:nvSpPr>
         <p:spPr>
           <a:xfrm>
-            <a:off x="831850" y="4589463"/>
-            <a:ext cx="10515600" cy="1500187"/>
+            <a:off x="1709928" y="4154520"/>
+            <a:ext cx="8769096" cy="1363806"/>
           </a:xfrm>
         </p:spPr>
         <p:txBody>
-          <a:bodyPr/>
+          <a:bodyPr anchor="t">
+            <a:normAutofit/>
+          </a:bodyPr>
           <a:lstStyle>
-            <a:lvl1pPr marL="0" indent="0">
-              <a:buNone/>
-              <a:defRPr sz="2400">
+            <a:lvl1pPr marL="0" indent="0" algn="ctr">
+              <a:buNone/>
+              <a:defRPr sz="2200">
                 <a:solidFill>
-                  <a:schemeClr val="tx1">
-                    <a:tint val="75000"/>
-                  </a:schemeClr>
+                  <a:schemeClr val="accent1"/>
                 </a:solidFill>
               </a:defRPr>
             </a:lvl1pPr>
             <a:lvl2pPr marL="457200" indent="0">
               <a:buNone/>
-              <a:defRPr sz="2000">
+              <a:defRPr sz="1800">
                 <a:solidFill>
                   <a:schemeClr val="tx1">
                     <a:tint val="75000"/>
@@ -1274,7 +1272,7 @@
             </a:lvl2pPr>
             <a:lvl3pPr marL="914400" indent="0">
               <a:buNone/>
-              <a:defRPr sz="1800">
+              <a:defRPr sz="1600">
                 <a:solidFill>
                   <a:schemeClr val="tx1">
                     <a:tint val="75000"/>
@@ -1284,7 +1282,7 @@
             </a:lvl3pPr>
             <a:lvl4pPr marL="1371600" indent="0">
               <a:buNone/>
-              <a:defRPr sz="1600">
+              <a:defRPr sz="1400">
                 <a:solidFill>
                   <a:schemeClr val="tx1">
                     <a:tint val="75000"/>
@@ -1294,7 +1292,7 @@
             </a:lvl4pPr>
             <a:lvl5pPr marL="1828800" indent="0">
               <a:buNone/>
-              <a:defRPr sz="1600">
+              <a:defRPr sz="1400">
                 <a:solidFill>
                   <a:schemeClr val="tx1">
                     <a:tint val="75000"/>
@@ -1304,7 +1302,7 @@
             </a:lvl5pPr>
             <a:lvl6pPr marL="2286000" indent="0">
               <a:buNone/>
-              <a:defRPr sz="1600">
+              <a:defRPr sz="1400">
                 <a:solidFill>
                   <a:schemeClr val="tx1">
                     <a:tint val="75000"/>
@@ -1314,7 +1312,7 @@
             </a:lvl6pPr>
             <a:lvl7pPr marL="2743200" indent="0">
               <a:buNone/>
-              <a:defRPr sz="1600">
+              <a:defRPr sz="1400">
                 <a:solidFill>
                   <a:schemeClr val="tx1">
                     <a:tint val="75000"/>
@@ -1324,7 +1322,7 @@
             </a:lvl7pPr>
             <a:lvl8pPr marL="3200400" indent="0">
               <a:buNone/>
-              <a:defRPr sz="1600">
+              <a:defRPr sz="1400">
                 <a:solidFill>
                   <a:schemeClr val="tx1">
                     <a:tint val="75000"/>
@@ -1334,7 +1332,7 @@
             </a:lvl8pPr>
             <a:lvl9pPr marL="3657600" indent="0">
               <a:buNone/>
-              <a:defRPr sz="1600">
+              <a:defRPr sz="1400">
                 <a:solidFill>
                   <a:schemeClr val="tx1">
                     <a:tint val="75000"/>
@@ -1354,13 +1352,7 @@
       </p:sp>
       <p:sp>
         <p:nvSpPr>
-          <p:cNvPr id="4" name="Date Placeholder 3">
-            <a:extLst>
-              <a:ext uri="{FF2B5EF4-FFF2-40B4-BE49-F238E27FC236}">
-                <a16:creationId xmlns:a16="http://schemas.microsoft.com/office/drawing/2014/main" id="{38697941-50DA-46CC-B802-41E912346E0F}"/>
-              </a:ext>
-            </a:extLst>
-          </p:cNvPr>
+          <p:cNvPr id="4" name="Date Placeholder 3"/>
           <p:cNvSpPr>
             <a:spLocks noGrp="1"/>
           </p:cNvSpPr>
@@ -1375,7 +1367,7 @@
           <a:p>
             <a:fld id="{73CA6D7C-52BC-45C0-B9D9-2A3E7443B367}" type="datetimeFigureOut">
               <a:rPr lang="en-US" smtClean="0"/>
-              <a:t>12/22/2022</a:t>
+              <a:t>12/24/2022</a:t>
             </a:fld>
             <a:endParaRPr lang="en-US"/>
           </a:p>
@@ -1383,13 +1375,7 @@
       </p:sp>
       <p:sp>
         <p:nvSpPr>
-          <p:cNvPr id="5" name="Footer Placeholder 4">
-            <a:extLst>
-              <a:ext uri="{FF2B5EF4-FFF2-40B4-BE49-F238E27FC236}">
-                <a16:creationId xmlns:a16="http://schemas.microsoft.com/office/drawing/2014/main" id="{4F86AFFF-FABC-43DB-B72F-517C76C3FCBE}"/>
-              </a:ext>
-            </a:extLst>
-          </p:cNvPr>
+          <p:cNvPr id="5" name="Footer Placeholder 4"/>
           <p:cNvSpPr>
             <a:spLocks noGrp="1"/>
           </p:cNvSpPr>
@@ -1408,13 +1394,7 @@
       </p:sp>
       <p:sp>
         <p:nvSpPr>
-          <p:cNvPr id="6" name="Slide Number Placeholder 5">
-            <a:extLst>
-              <a:ext uri="{FF2B5EF4-FFF2-40B4-BE49-F238E27FC236}">
-                <a16:creationId xmlns:a16="http://schemas.microsoft.com/office/drawing/2014/main" id="{081DF9CA-CFE5-4438-B7AE-D1F28AC15DA6}"/>
-              </a:ext>
-            </a:extLst>
-          </p:cNvPr>
+          <p:cNvPr id="6" name="Slide Number Placeholder 5"/>
           <p:cNvSpPr>
             <a:spLocks noGrp="1"/>
           </p:cNvSpPr>
@@ -1435,10 +1415,45 @@
           </a:p>
         </p:txBody>
       </p:sp>
+      <p:cxnSp>
+        <p:nvCxnSpPr>
+          <p:cNvPr id="7" name="Straight Connector 6"/>
+          <p:cNvCxnSpPr/>
+          <p:nvPr/>
+        </p:nvCxnSpPr>
+        <p:spPr>
+          <a:xfrm>
+            <a:off x="1981200" y="4020408"/>
+            <a:ext cx="8229601" cy="0"/>
+          </a:xfrm>
+          <a:prstGeom prst="line">
+            <a:avLst/>
+          </a:prstGeom>
+          <a:ln>
+            <a:solidFill>
+              <a:schemeClr val="accent1"/>
+            </a:solidFill>
+          </a:ln>
+        </p:spPr>
+        <p:style>
+          <a:lnRef idx="1">
+            <a:schemeClr val="accent1"/>
+          </a:lnRef>
+          <a:fillRef idx="0">
+            <a:schemeClr val="accent1"/>
+          </a:fillRef>
+          <a:effectRef idx="0">
+            <a:schemeClr val="accent1"/>
+          </a:effectRef>
+          <a:fontRef idx="minor">
+            <a:schemeClr val="tx1"/>
+          </a:fontRef>
+        </p:style>
+      </p:cxnSp>
     </p:spTree>
     <p:extLst>
       <p:ext uri="{BB962C8B-B14F-4D97-AF65-F5344CB8AC3E}">
-        <p14:creationId xmlns:p14="http://schemas.microsoft.com/office/powerpoint/2010/main" val="25368691"/>
+        <p14:creationId xmlns:p14="http://schemas.microsoft.com/office/powerpoint/2010/main" val="3411617716"/>
       </p:ext>
     </p:extLst>
   </p:cSld>
@@ -1467,13 +1482,7 @@
       </p:grpSpPr>
       <p:sp>
         <p:nvSpPr>
-          <p:cNvPr id="2" name="Title 1">
-            <a:extLst>
-              <a:ext uri="{FF2B5EF4-FFF2-40B4-BE49-F238E27FC236}">
-                <a16:creationId xmlns:a16="http://schemas.microsoft.com/office/drawing/2014/main" id="{46ADBA12-D28A-4F31-B241-6DC263D5A1C7}"/>
-              </a:ext>
-            </a:extLst>
-          </p:cNvPr>
+          <p:cNvPr id="8" name="Title 7"/>
           <p:cNvSpPr>
             <a:spLocks noGrp="1"/>
           </p:cNvSpPr>
@@ -1490,18 +1499,13 @@
               <a:rPr lang="en-US"/>
               <a:t>Click to edit Master title style</a:t>
             </a:r>
-          </a:p>
-        </p:txBody>
-      </p:sp>
-      <p:sp>
-        <p:nvSpPr>
-          <p:cNvPr id="3" name="Content Placeholder 2">
-            <a:extLst>
-              <a:ext uri="{FF2B5EF4-FFF2-40B4-BE49-F238E27FC236}">
-                <a16:creationId xmlns:a16="http://schemas.microsoft.com/office/drawing/2014/main" id="{08BC20CC-FB7F-4025-824C-B5CDECDD0735}"/>
-              </a:ext>
-            </a:extLst>
-          </p:cNvPr>
+            <a:endParaRPr lang="en-US" dirty="0"/>
+          </a:p>
+        </p:txBody>
+      </p:sp>
+      <p:sp>
+        <p:nvSpPr>
+          <p:cNvPr id="3" name="Content Placeholder 2"/>
           <p:cNvSpPr>
             <a:spLocks noGrp="1"/>
           </p:cNvSpPr>
@@ -1511,13 +1515,41 @@
         </p:nvSpPr>
         <p:spPr>
           <a:xfrm>
-            <a:off x="838200" y="1825625"/>
-            <a:ext cx="5181600" cy="4351338"/>
+            <a:off x="1143000" y="2057399"/>
+            <a:ext cx="4754880" cy="4023360"/>
           </a:xfrm>
         </p:spPr>
         <p:txBody>
           <a:bodyPr/>
-          <a:lstStyle/>
+          <a:lstStyle>
+            <a:lvl1pPr>
+              <a:defRPr sz="2200"/>
+            </a:lvl1pPr>
+            <a:lvl2pPr>
+              <a:defRPr sz="2000"/>
+            </a:lvl2pPr>
+            <a:lvl3pPr>
+              <a:defRPr sz="1800"/>
+            </a:lvl3pPr>
+            <a:lvl4pPr>
+              <a:defRPr sz="1600"/>
+            </a:lvl4pPr>
+            <a:lvl5pPr>
+              <a:defRPr sz="1600"/>
+            </a:lvl5pPr>
+            <a:lvl6pPr>
+              <a:defRPr sz="1600"/>
+            </a:lvl6pPr>
+            <a:lvl7pPr>
+              <a:defRPr sz="1600"/>
+            </a:lvl7pPr>
+            <a:lvl8pPr>
+              <a:defRPr sz="1600"/>
+            </a:lvl8pPr>
+            <a:lvl9pPr>
+              <a:defRPr sz="1600"/>
+            </a:lvl9pPr>
+          </a:lstStyle>
           <a:p>
             <a:pPr lvl="0"/>
             <a:r>
@@ -1552,18 +1584,13 @@
               <a:rPr lang="en-US"/>
               <a:t>Fifth level</a:t>
             </a:r>
-          </a:p>
-        </p:txBody>
-      </p:sp>
-      <p:sp>
-        <p:nvSpPr>
-          <p:cNvPr id="4" name="Content Placeholder 3">
-            <a:extLst>
-              <a:ext uri="{FF2B5EF4-FFF2-40B4-BE49-F238E27FC236}">
-                <a16:creationId xmlns:a16="http://schemas.microsoft.com/office/drawing/2014/main" id="{D61D9B20-F1A0-4EA0-B337-BC4FCEFDD010}"/>
-              </a:ext>
-            </a:extLst>
-          </p:cNvPr>
+            <a:endParaRPr lang="en-US" dirty="0"/>
+          </a:p>
+        </p:txBody>
+      </p:sp>
+      <p:sp>
+        <p:nvSpPr>
+          <p:cNvPr id="4" name="Content Placeholder 3"/>
           <p:cNvSpPr>
             <a:spLocks noGrp="1"/>
           </p:cNvSpPr>
@@ -1573,13 +1600,41 @@
         </p:nvSpPr>
         <p:spPr>
           <a:xfrm>
-            <a:off x="6172200" y="1825625"/>
-            <a:ext cx="5181600" cy="4351338"/>
+            <a:off x="6267612" y="2057400"/>
+            <a:ext cx="4754880" cy="4023360"/>
           </a:xfrm>
         </p:spPr>
         <p:txBody>
           <a:bodyPr/>
-          <a:lstStyle/>
+          <a:lstStyle>
+            <a:lvl1pPr>
+              <a:defRPr sz="2200"/>
+            </a:lvl1pPr>
+            <a:lvl2pPr>
+              <a:defRPr sz="2000"/>
+            </a:lvl2pPr>
+            <a:lvl3pPr>
+              <a:defRPr sz="1800"/>
+            </a:lvl3pPr>
+            <a:lvl4pPr>
+              <a:defRPr sz="1600"/>
+            </a:lvl4pPr>
+            <a:lvl5pPr>
+              <a:defRPr sz="1600"/>
+            </a:lvl5pPr>
+            <a:lvl6pPr>
+              <a:defRPr sz="1600"/>
+            </a:lvl6pPr>
+            <a:lvl7pPr>
+              <a:defRPr sz="1600"/>
+            </a:lvl7pPr>
+            <a:lvl8pPr>
+              <a:defRPr sz="1600"/>
+            </a:lvl8pPr>
+            <a:lvl9pPr>
+              <a:defRPr sz="1600"/>
+            </a:lvl9pPr>
+          </a:lstStyle>
           <a:p>
             <a:pPr lvl="0"/>
             <a:r>
@@ -1614,18 +1669,13 @@
               <a:rPr lang="en-US"/>
               <a:t>Fifth level</a:t>
             </a:r>
-          </a:p>
-        </p:txBody>
-      </p:sp>
-      <p:sp>
-        <p:nvSpPr>
-          <p:cNvPr id="5" name="Date Placeholder 4">
-            <a:extLst>
-              <a:ext uri="{FF2B5EF4-FFF2-40B4-BE49-F238E27FC236}">
-                <a16:creationId xmlns:a16="http://schemas.microsoft.com/office/drawing/2014/main" id="{D125E210-4DFE-4145-807E-526EE836A833}"/>
-              </a:ext>
-            </a:extLst>
-          </p:cNvPr>
+            <a:endParaRPr lang="en-US" dirty="0"/>
+          </a:p>
+        </p:txBody>
+      </p:sp>
+      <p:sp>
+        <p:nvSpPr>
+          <p:cNvPr id="5" name="Date Placeholder 4"/>
           <p:cNvSpPr>
             <a:spLocks noGrp="1"/>
           </p:cNvSpPr>
@@ -1640,7 +1690,7 @@
           <a:p>
             <a:fld id="{73CA6D7C-52BC-45C0-B9D9-2A3E7443B367}" type="datetimeFigureOut">
               <a:rPr lang="en-US" smtClean="0"/>
-              <a:t>12/22/2022</a:t>
+              <a:t>12/24/2022</a:t>
             </a:fld>
             <a:endParaRPr lang="en-US"/>
           </a:p>
@@ -1648,13 +1698,7 @@
       </p:sp>
       <p:sp>
         <p:nvSpPr>
-          <p:cNvPr id="6" name="Footer Placeholder 5">
-            <a:extLst>
-              <a:ext uri="{FF2B5EF4-FFF2-40B4-BE49-F238E27FC236}">
-                <a16:creationId xmlns:a16="http://schemas.microsoft.com/office/drawing/2014/main" id="{E1E15C60-915A-4955-997D-DDC7D31F1711}"/>
-              </a:ext>
-            </a:extLst>
-          </p:cNvPr>
+          <p:cNvPr id="6" name="Footer Placeholder 5"/>
           <p:cNvSpPr>
             <a:spLocks noGrp="1"/>
           </p:cNvSpPr>
@@ -1673,13 +1717,7 @@
       </p:sp>
       <p:sp>
         <p:nvSpPr>
-          <p:cNvPr id="7" name="Slide Number Placeholder 6">
-            <a:extLst>
-              <a:ext uri="{FF2B5EF4-FFF2-40B4-BE49-F238E27FC236}">
-                <a16:creationId xmlns:a16="http://schemas.microsoft.com/office/drawing/2014/main" id="{80856E44-A7C3-46E6-97F0-A229F45D6149}"/>
-              </a:ext>
-            </a:extLst>
-          </p:cNvPr>
+          <p:cNvPr id="7" name="Slide Number Placeholder 6"/>
           <p:cNvSpPr>
             <a:spLocks noGrp="1"/>
           </p:cNvSpPr>
@@ -1703,7 +1741,7 @@
     </p:spTree>
     <p:extLst>
       <p:ext uri="{BB962C8B-B14F-4D97-AF65-F5344CB8AC3E}">
-        <p14:creationId xmlns:p14="http://schemas.microsoft.com/office/powerpoint/2010/main" val="3583212549"/>
+        <p14:creationId xmlns:p14="http://schemas.microsoft.com/office/powerpoint/2010/main" val="3757531996"/>
       </p:ext>
     </p:extLst>
   </p:cSld>
@@ -1732,63 +1770,50 @@
       </p:grpSpPr>
       <p:sp>
         <p:nvSpPr>
-          <p:cNvPr id="2" name="Title 1">
-            <a:extLst>
-              <a:ext uri="{FF2B5EF4-FFF2-40B4-BE49-F238E27FC236}">
-                <a16:creationId xmlns:a16="http://schemas.microsoft.com/office/drawing/2014/main" id="{005E616D-42BF-47DF-9B21-18D131DC3794}"/>
-              </a:ext>
-            </a:extLst>
-          </p:cNvPr>
+          <p:cNvPr id="10" name="Title 9"/>
           <p:cNvSpPr>
             <a:spLocks noGrp="1"/>
           </p:cNvSpPr>
           <p:nvPr>
             <p:ph type="title"/>
+          </p:nvPr>
+        </p:nvSpPr>
+        <p:spPr/>
+        <p:txBody>
+          <a:bodyPr/>
+          <a:lstStyle/>
+          <a:p>
+            <a:r>
+              <a:rPr lang="en-US"/>
+              <a:t>Click to edit Master title style</a:t>
+            </a:r>
+            <a:endParaRPr lang="en-US" dirty="0"/>
+          </a:p>
+        </p:txBody>
+      </p:sp>
+      <p:sp>
+        <p:nvSpPr>
+          <p:cNvPr id="3" name="Text Placeholder 2"/>
+          <p:cNvSpPr>
+            <a:spLocks noGrp="1"/>
+          </p:cNvSpPr>
+          <p:nvPr>
+            <p:ph type="body" idx="1"/>
           </p:nvPr>
         </p:nvSpPr>
         <p:spPr>
           <a:xfrm>
-            <a:off x="839788" y="365125"/>
-            <a:ext cx="10515600" cy="1325563"/>
+            <a:off x="1143000" y="2001511"/>
+            <a:ext cx="4754880" cy="777240"/>
           </a:xfrm>
         </p:spPr>
         <p:txBody>
-          <a:bodyPr/>
-          <a:lstStyle/>
-          <a:p>
-            <a:r>
-              <a:rPr lang="en-US"/>
-              <a:t>Click to edit Master title style</a:t>
-            </a:r>
-          </a:p>
-        </p:txBody>
-      </p:sp>
-      <p:sp>
-        <p:nvSpPr>
-          <p:cNvPr id="3" name="Text Placeholder 2">
-            <a:extLst>
-              <a:ext uri="{FF2B5EF4-FFF2-40B4-BE49-F238E27FC236}">
-                <a16:creationId xmlns:a16="http://schemas.microsoft.com/office/drawing/2014/main" id="{5989880A-0C8E-4268-9A86-2720811E3223}"/>
-              </a:ext>
-            </a:extLst>
-          </p:cNvPr>
-          <p:cNvSpPr>
-            <a:spLocks noGrp="1"/>
-          </p:cNvSpPr>
-          <p:nvPr>
-            <p:ph type="body" idx="1"/>
-          </p:nvPr>
-        </p:nvSpPr>
-        <p:spPr>
-          <a:xfrm>
-            <a:off x="839788" y="1681163"/>
-            <a:ext cx="5157787" cy="823912"/>
-          </a:xfrm>
-        </p:spPr>
-        <p:txBody>
-          <a:bodyPr anchor="b"/>
+          <a:bodyPr anchor="ctr"/>
           <a:lstStyle>
             <a:lvl1pPr marL="0" indent="0">
+              <a:spcBef>
+                <a:spcPts val="0"/>
+              </a:spcBef>
               <a:buNone/>
               <a:defRPr sz="2400" b="1"/>
             </a:lvl1pPr>
@@ -1836,13 +1861,7 @@
       </p:sp>
       <p:sp>
         <p:nvSpPr>
-          <p:cNvPr id="4" name="Content Placeholder 3">
-            <a:extLst>
-              <a:ext uri="{FF2B5EF4-FFF2-40B4-BE49-F238E27FC236}">
-                <a16:creationId xmlns:a16="http://schemas.microsoft.com/office/drawing/2014/main" id="{E4641B22-6989-44E7-A452-423633930F60}"/>
-              </a:ext>
-            </a:extLst>
-          </p:cNvPr>
+          <p:cNvPr id="4" name="Content Placeholder 3"/>
           <p:cNvSpPr>
             <a:spLocks noGrp="1"/>
           </p:cNvSpPr>
@@ -1852,13 +1871,41 @@
         </p:nvSpPr>
         <p:spPr>
           <a:xfrm>
-            <a:off x="839788" y="2505075"/>
-            <a:ext cx="5157787" cy="3684588"/>
+            <a:off x="1143000" y="2721483"/>
+            <a:ext cx="4754880" cy="3383280"/>
           </a:xfrm>
         </p:spPr>
         <p:txBody>
           <a:bodyPr/>
-          <a:lstStyle/>
+          <a:lstStyle>
+            <a:lvl1pPr>
+              <a:defRPr sz="2200"/>
+            </a:lvl1pPr>
+            <a:lvl2pPr>
+              <a:defRPr sz="2000"/>
+            </a:lvl2pPr>
+            <a:lvl3pPr>
+              <a:defRPr sz="1800"/>
+            </a:lvl3pPr>
+            <a:lvl4pPr>
+              <a:defRPr sz="1600"/>
+            </a:lvl4pPr>
+            <a:lvl5pPr>
+              <a:defRPr sz="1600"/>
+            </a:lvl5pPr>
+            <a:lvl6pPr>
+              <a:defRPr sz="1600"/>
+            </a:lvl6pPr>
+            <a:lvl7pPr>
+              <a:defRPr sz="1600"/>
+            </a:lvl7pPr>
+            <a:lvl8pPr>
+              <a:defRPr sz="1600"/>
+            </a:lvl8pPr>
+            <a:lvl9pPr>
+              <a:defRPr sz="1600"/>
+            </a:lvl9pPr>
+          </a:lstStyle>
           <a:p>
             <a:pPr lvl="0"/>
             <a:r>
@@ -1893,18 +1940,13 @@
               <a:rPr lang="en-US"/>
               <a:t>Fifth level</a:t>
             </a:r>
-          </a:p>
-        </p:txBody>
-      </p:sp>
-      <p:sp>
-        <p:nvSpPr>
-          <p:cNvPr id="5" name="Text Placeholder 4">
-            <a:extLst>
-              <a:ext uri="{FF2B5EF4-FFF2-40B4-BE49-F238E27FC236}">
-                <a16:creationId xmlns:a16="http://schemas.microsoft.com/office/drawing/2014/main" id="{33CC237E-263C-49C5-8A39-4F95A30F6C1A}"/>
-              </a:ext>
-            </a:extLst>
-          </p:cNvPr>
+            <a:endParaRPr lang="en-US" dirty="0"/>
+          </a:p>
+        </p:txBody>
+      </p:sp>
+      <p:sp>
+        <p:nvSpPr>
+          <p:cNvPr id="5" name="Text Placeholder 4"/>
           <p:cNvSpPr>
             <a:spLocks noGrp="1"/>
           </p:cNvSpPr>
@@ -1914,14 +1956,17 @@
         </p:nvSpPr>
         <p:spPr>
           <a:xfrm>
-            <a:off x="6172200" y="1681163"/>
-            <a:ext cx="5183188" cy="823912"/>
+            <a:off x="6269173" y="1999032"/>
+            <a:ext cx="4754880" cy="777240"/>
           </a:xfrm>
         </p:spPr>
         <p:txBody>
-          <a:bodyPr anchor="b"/>
+          <a:bodyPr anchor="ctr"/>
           <a:lstStyle>
             <a:lvl1pPr marL="0" indent="0">
+              <a:spcBef>
+                <a:spcPts val="0"/>
+              </a:spcBef>
               <a:buNone/>
               <a:defRPr sz="2400" b="1"/>
             </a:lvl1pPr>
@@ -1969,13 +2014,7 @@
       </p:sp>
       <p:sp>
         <p:nvSpPr>
-          <p:cNvPr id="6" name="Content Placeholder 5">
-            <a:extLst>
-              <a:ext uri="{FF2B5EF4-FFF2-40B4-BE49-F238E27FC236}">
-                <a16:creationId xmlns:a16="http://schemas.microsoft.com/office/drawing/2014/main" id="{9F268CE0-8FF9-44C0-8452-579F947C6E5A}"/>
-              </a:ext>
-            </a:extLst>
-          </p:cNvPr>
+          <p:cNvPr id="6" name="Content Placeholder 5"/>
           <p:cNvSpPr>
             <a:spLocks noGrp="1"/>
           </p:cNvSpPr>
@@ -1985,13 +2024,41 @@
         </p:nvSpPr>
         <p:spPr>
           <a:xfrm>
-            <a:off x="6172200" y="2505075"/>
-            <a:ext cx="5183188" cy="3684588"/>
+            <a:off x="6269173" y="2719322"/>
+            <a:ext cx="4754880" cy="3383280"/>
           </a:xfrm>
         </p:spPr>
         <p:txBody>
           <a:bodyPr/>
-          <a:lstStyle/>
+          <a:lstStyle>
+            <a:lvl1pPr>
+              <a:defRPr sz="2200"/>
+            </a:lvl1pPr>
+            <a:lvl2pPr>
+              <a:defRPr sz="2000"/>
+            </a:lvl2pPr>
+            <a:lvl3pPr>
+              <a:defRPr sz="1800"/>
+            </a:lvl3pPr>
+            <a:lvl4pPr>
+              <a:defRPr sz="1600"/>
+            </a:lvl4pPr>
+            <a:lvl5pPr>
+              <a:defRPr sz="1600"/>
+            </a:lvl5pPr>
+            <a:lvl6pPr>
+              <a:defRPr sz="1600"/>
+            </a:lvl6pPr>
+            <a:lvl7pPr>
+              <a:defRPr sz="1600"/>
+            </a:lvl7pPr>
+            <a:lvl8pPr>
+              <a:defRPr sz="1600"/>
+            </a:lvl8pPr>
+            <a:lvl9pPr>
+              <a:defRPr sz="1600"/>
+            </a:lvl9pPr>
+          </a:lstStyle>
           <a:p>
             <a:pPr lvl="0"/>
             <a:r>
@@ -2026,18 +2093,13 @@
               <a:rPr lang="en-US"/>
               <a:t>Fifth level</a:t>
             </a:r>
-          </a:p>
-        </p:txBody>
-      </p:sp>
-      <p:sp>
-        <p:nvSpPr>
-          <p:cNvPr id="7" name="Date Placeholder 6">
-            <a:extLst>
-              <a:ext uri="{FF2B5EF4-FFF2-40B4-BE49-F238E27FC236}">
-                <a16:creationId xmlns:a16="http://schemas.microsoft.com/office/drawing/2014/main" id="{EAD6FFE9-E98F-4485-AC7C-8B3DC0CA8C0F}"/>
-              </a:ext>
-            </a:extLst>
-          </p:cNvPr>
+            <a:endParaRPr lang="en-US" dirty="0"/>
+          </a:p>
+        </p:txBody>
+      </p:sp>
+      <p:sp>
+        <p:nvSpPr>
+          <p:cNvPr id="7" name="Date Placeholder 6"/>
           <p:cNvSpPr>
             <a:spLocks noGrp="1"/>
           </p:cNvSpPr>
@@ -2052,7 +2114,7 @@
           <a:p>
             <a:fld id="{73CA6D7C-52BC-45C0-B9D9-2A3E7443B367}" type="datetimeFigureOut">
               <a:rPr lang="en-US" smtClean="0"/>
-              <a:t>12/22/2022</a:t>
+              <a:t>12/24/2022</a:t>
             </a:fld>
             <a:endParaRPr lang="en-US"/>
           </a:p>
@@ -2060,13 +2122,7 @@
       </p:sp>
       <p:sp>
         <p:nvSpPr>
-          <p:cNvPr id="8" name="Footer Placeholder 7">
-            <a:extLst>
-              <a:ext uri="{FF2B5EF4-FFF2-40B4-BE49-F238E27FC236}">
-                <a16:creationId xmlns:a16="http://schemas.microsoft.com/office/drawing/2014/main" id="{6590E605-93B0-4566-948E-265C9C7C97D5}"/>
-              </a:ext>
-            </a:extLst>
-          </p:cNvPr>
+          <p:cNvPr id="8" name="Footer Placeholder 7"/>
           <p:cNvSpPr>
             <a:spLocks noGrp="1"/>
           </p:cNvSpPr>
@@ -2085,13 +2141,7 @@
       </p:sp>
       <p:sp>
         <p:nvSpPr>
-          <p:cNvPr id="9" name="Slide Number Placeholder 8">
-            <a:extLst>
-              <a:ext uri="{FF2B5EF4-FFF2-40B4-BE49-F238E27FC236}">
-                <a16:creationId xmlns:a16="http://schemas.microsoft.com/office/drawing/2014/main" id="{A5E8079D-4D12-4523-9B46-306E71CC9059}"/>
-              </a:ext>
-            </a:extLst>
-          </p:cNvPr>
+          <p:cNvPr id="9" name="Slide Number Placeholder 8"/>
           <p:cNvSpPr>
             <a:spLocks noGrp="1"/>
           </p:cNvSpPr>
@@ -2115,7 +2165,7 @@
     </p:spTree>
     <p:extLst>
       <p:ext uri="{BB962C8B-B14F-4D97-AF65-F5344CB8AC3E}">
-        <p14:creationId xmlns:p14="http://schemas.microsoft.com/office/powerpoint/2010/main" val="3412101363"/>
+        <p14:creationId xmlns:p14="http://schemas.microsoft.com/office/powerpoint/2010/main" val="4099911946"/>
       </p:ext>
     </p:extLst>
   </p:cSld>
@@ -2144,13 +2194,7 @@
       </p:grpSpPr>
       <p:sp>
         <p:nvSpPr>
-          <p:cNvPr id="2" name="Title 1">
-            <a:extLst>
-              <a:ext uri="{FF2B5EF4-FFF2-40B4-BE49-F238E27FC236}">
-                <a16:creationId xmlns:a16="http://schemas.microsoft.com/office/drawing/2014/main" id="{8F0D6E6D-9C09-4E2D-9864-4BD473B94A0B}"/>
-              </a:ext>
-            </a:extLst>
-          </p:cNvPr>
+          <p:cNvPr id="2" name="Title 1"/>
           <p:cNvSpPr>
             <a:spLocks noGrp="1"/>
           </p:cNvSpPr>
@@ -2167,18 +2211,13 @@
               <a:rPr lang="en-US"/>
               <a:t>Click to edit Master title style</a:t>
             </a:r>
-          </a:p>
-        </p:txBody>
-      </p:sp>
-      <p:sp>
-        <p:nvSpPr>
-          <p:cNvPr id="3" name="Date Placeholder 2">
-            <a:extLst>
-              <a:ext uri="{FF2B5EF4-FFF2-40B4-BE49-F238E27FC236}">
-                <a16:creationId xmlns:a16="http://schemas.microsoft.com/office/drawing/2014/main" id="{83DBFABD-E33A-47EA-B110-9523CD5F431D}"/>
-              </a:ext>
-            </a:extLst>
-          </p:cNvPr>
+            <a:endParaRPr lang="en-US" dirty="0"/>
+          </a:p>
+        </p:txBody>
+      </p:sp>
+      <p:sp>
+        <p:nvSpPr>
+          <p:cNvPr id="3" name="Date Placeholder 2"/>
           <p:cNvSpPr>
             <a:spLocks noGrp="1"/>
           </p:cNvSpPr>
@@ -2193,7 +2232,7 @@
           <a:p>
             <a:fld id="{73CA6D7C-52BC-45C0-B9D9-2A3E7443B367}" type="datetimeFigureOut">
               <a:rPr lang="en-US" smtClean="0"/>
-              <a:t>12/22/2022</a:t>
+              <a:t>12/24/2022</a:t>
             </a:fld>
             <a:endParaRPr lang="en-US"/>
           </a:p>
@@ -2201,13 +2240,7 @@
       </p:sp>
       <p:sp>
         <p:nvSpPr>
-          <p:cNvPr id="4" name="Footer Placeholder 3">
-            <a:extLst>
-              <a:ext uri="{FF2B5EF4-FFF2-40B4-BE49-F238E27FC236}">
-                <a16:creationId xmlns:a16="http://schemas.microsoft.com/office/drawing/2014/main" id="{4DAEC6A9-7C90-43D6-86E9-A851534686F9}"/>
-              </a:ext>
-            </a:extLst>
-          </p:cNvPr>
+          <p:cNvPr id="4" name="Footer Placeholder 3"/>
           <p:cNvSpPr>
             <a:spLocks noGrp="1"/>
           </p:cNvSpPr>
@@ -2226,13 +2259,7 @@
       </p:sp>
       <p:sp>
         <p:nvSpPr>
-          <p:cNvPr id="5" name="Slide Number Placeholder 4">
-            <a:extLst>
-              <a:ext uri="{FF2B5EF4-FFF2-40B4-BE49-F238E27FC236}">
-                <a16:creationId xmlns:a16="http://schemas.microsoft.com/office/drawing/2014/main" id="{E60159B8-9C8A-42DA-BD6A-380C74CFF10B}"/>
-              </a:ext>
-            </a:extLst>
-          </p:cNvPr>
+          <p:cNvPr id="5" name="Slide Number Placeholder 4"/>
           <p:cNvSpPr>
             <a:spLocks noGrp="1"/>
           </p:cNvSpPr>
@@ -2256,7 +2283,7 @@
     </p:spTree>
     <p:extLst>
       <p:ext uri="{BB962C8B-B14F-4D97-AF65-F5344CB8AC3E}">
-        <p14:creationId xmlns:p14="http://schemas.microsoft.com/office/powerpoint/2010/main" val="1571768014"/>
+        <p14:creationId xmlns:p14="http://schemas.microsoft.com/office/powerpoint/2010/main" val="4010527584"/>
       </p:ext>
     </p:extLst>
   </p:cSld>
@@ -2285,13 +2312,7 @@
       </p:grpSpPr>
       <p:sp>
         <p:nvSpPr>
-          <p:cNvPr id="2" name="Date Placeholder 1">
-            <a:extLst>
-              <a:ext uri="{FF2B5EF4-FFF2-40B4-BE49-F238E27FC236}">
-                <a16:creationId xmlns:a16="http://schemas.microsoft.com/office/drawing/2014/main" id="{0DAD42A7-B2BE-4764-9440-DE24BC21A3AC}"/>
-              </a:ext>
-            </a:extLst>
-          </p:cNvPr>
+          <p:cNvPr id="2" name="Date Placeholder 1"/>
           <p:cNvSpPr>
             <a:spLocks noGrp="1"/>
           </p:cNvSpPr>
@@ -2306,7 +2327,7 @@
           <a:p>
             <a:fld id="{73CA6D7C-52BC-45C0-B9D9-2A3E7443B367}" type="datetimeFigureOut">
               <a:rPr lang="en-US" smtClean="0"/>
-              <a:t>12/22/2022</a:t>
+              <a:t>12/24/2022</a:t>
             </a:fld>
             <a:endParaRPr lang="en-US"/>
           </a:p>
@@ -2314,13 +2335,7 @@
       </p:sp>
       <p:sp>
         <p:nvSpPr>
-          <p:cNvPr id="3" name="Footer Placeholder 2">
-            <a:extLst>
-              <a:ext uri="{FF2B5EF4-FFF2-40B4-BE49-F238E27FC236}">
-                <a16:creationId xmlns:a16="http://schemas.microsoft.com/office/drawing/2014/main" id="{97CE4D14-3D28-4BDC-8390-A79214F7C8CD}"/>
-              </a:ext>
-            </a:extLst>
-          </p:cNvPr>
+          <p:cNvPr id="3" name="Footer Placeholder 2"/>
           <p:cNvSpPr>
             <a:spLocks noGrp="1"/>
           </p:cNvSpPr>
@@ -2339,13 +2354,7 @@
       </p:sp>
       <p:sp>
         <p:nvSpPr>
-          <p:cNvPr id="4" name="Slide Number Placeholder 3">
-            <a:extLst>
-              <a:ext uri="{FF2B5EF4-FFF2-40B4-BE49-F238E27FC236}">
-                <a16:creationId xmlns:a16="http://schemas.microsoft.com/office/drawing/2014/main" id="{8FC4FDD2-0BC8-415F-8828-4C715038C5E3}"/>
-              </a:ext>
-            </a:extLst>
-          </p:cNvPr>
+          <p:cNvPr id="4" name="Slide Number Placeholder 3"/>
           <p:cNvSpPr>
             <a:spLocks noGrp="1"/>
           </p:cNvSpPr>
@@ -2369,7 +2378,7 @@
     </p:spTree>
     <p:extLst>
       <p:ext uri="{BB962C8B-B14F-4D97-AF65-F5344CB8AC3E}">
-        <p14:creationId xmlns:p14="http://schemas.microsoft.com/office/powerpoint/2010/main" val="2008812667"/>
+        <p14:creationId xmlns:p14="http://schemas.microsoft.com/office/powerpoint/2010/main" val="1105863960"/>
       </p:ext>
     </p:extLst>
   </p:cSld>
@@ -2398,13 +2407,7 @@
       </p:grpSpPr>
       <p:sp>
         <p:nvSpPr>
-          <p:cNvPr id="2" name="Title 1">
-            <a:extLst>
-              <a:ext uri="{FF2B5EF4-FFF2-40B4-BE49-F238E27FC236}">
-                <a16:creationId xmlns:a16="http://schemas.microsoft.com/office/drawing/2014/main" id="{5A15BA46-66D4-4104-B1C9-FEB3F785A73C}"/>
-              </a:ext>
-            </a:extLst>
-          </p:cNvPr>
+          <p:cNvPr id="2" name="Title 1"/>
           <p:cNvSpPr>
             <a:spLocks noGrp="1"/>
           </p:cNvSpPr>
@@ -2414,15 +2417,20 @@
         </p:nvSpPr>
         <p:spPr>
           <a:xfrm>
-            <a:off x="839788" y="457200"/>
-            <a:ext cx="3932237" cy="1600200"/>
+            <a:off x="1143000" y="1097280"/>
+            <a:ext cx="3931920" cy="1737360"/>
           </a:xfrm>
         </p:spPr>
         <p:txBody>
-          <a:bodyPr anchor="b"/>
+          <a:bodyPr anchor="b">
+            <a:noAutofit/>
+          </a:bodyPr>
           <a:lstStyle>
             <a:lvl1pPr>
-              <a:defRPr sz="3200"/>
+              <a:lnSpc>
+                <a:spcPct val="90000"/>
+              </a:lnSpc>
+              <a:defRPr sz="4000" b="0"/>
             </a:lvl1pPr>
           </a:lstStyle>
           <a:p>
@@ -2430,18 +2438,13 @@
               <a:rPr lang="en-US"/>
               <a:t>Click to edit Master title style</a:t>
             </a:r>
-          </a:p>
-        </p:txBody>
-      </p:sp>
-      <p:sp>
-        <p:nvSpPr>
-          <p:cNvPr id="3" name="Content Placeholder 2">
-            <a:extLst>
-              <a:ext uri="{FF2B5EF4-FFF2-40B4-BE49-F238E27FC236}">
-                <a16:creationId xmlns:a16="http://schemas.microsoft.com/office/drawing/2014/main" id="{7D6618D1-6728-4835-857A-3A730249AB05}"/>
-              </a:ext>
-            </a:extLst>
-          </p:cNvPr>
+            <a:endParaRPr lang="en-US" dirty="0"/>
+          </a:p>
+        </p:txBody>
+      </p:sp>
+      <p:sp>
+        <p:nvSpPr>
+          <p:cNvPr id="3" name="Content Placeholder 2"/>
           <p:cNvSpPr>
             <a:spLocks noGrp="1"/>
           </p:cNvSpPr>
@@ -2451,8 +2454,8 @@
         </p:nvSpPr>
         <p:spPr>
           <a:xfrm>
-            <a:off x="5183188" y="987425"/>
-            <a:ext cx="6172200" cy="4873625"/>
+            <a:off x="5852159" y="1097280"/>
+            <a:ext cx="5212080" cy="4663440"/>
           </a:xfrm>
         </p:spPr>
         <p:txBody>
@@ -2520,18 +2523,13 @@
               <a:rPr lang="en-US"/>
               <a:t>Fifth level</a:t>
             </a:r>
-          </a:p>
-        </p:txBody>
-      </p:sp>
-      <p:sp>
-        <p:nvSpPr>
-          <p:cNvPr id="4" name="Text Placeholder 3">
-            <a:extLst>
-              <a:ext uri="{FF2B5EF4-FFF2-40B4-BE49-F238E27FC236}">
-                <a16:creationId xmlns:a16="http://schemas.microsoft.com/office/drawing/2014/main" id="{6019DB9A-DBB7-4362-8DFC-9197413C6722}"/>
-              </a:ext>
-            </a:extLst>
-          </p:cNvPr>
+            <a:endParaRPr lang="en-US" dirty="0"/>
+          </a:p>
+        </p:txBody>
+      </p:sp>
+      <p:sp>
+        <p:nvSpPr>
+          <p:cNvPr id="4" name="Text Placeholder 3"/>
           <p:cNvSpPr>
             <a:spLocks noGrp="1"/>
           </p:cNvSpPr>
@@ -2541,48 +2539,56 @@
         </p:nvSpPr>
         <p:spPr>
           <a:xfrm>
-            <a:off x="839788" y="2057400"/>
-            <a:ext cx="3932237" cy="3811588"/>
+            <a:off x="1143000" y="2834640"/>
+            <a:ext cx="3931920" cy="3017520"/>
           </a:xfrm>
         </p:spPr>
         <p:txBody>
-          <a:bodyPr/>
+          <a:bodyPr>
+            <a:normAutofit/>
+          </a:bodyPr>
           <a:lstStyle>
             <a:lvl1pPr marL="0" indent="0">
-              <a:buNone/>
-              <a:defRPr sz="1600"/>
+              <a:lnSpc>
+                <a:spcPct val="100000"/>
+              </a:lnSpc>
+              <a:spcBef>
+                <a:spcPts val="1000"/>
+              </a:spcBef>
+              <a:buNone/>
+              <a:defRPr sz="1700"/>
             </a:lvl1pPr>
             <a:lvl2pPr marL="457200" indent="0">
               <a:buNone/>
-              <a:defRPr sz="1400"/>
+              <a:defRPr sz="1200"/>
             </a:lvl2pPr>
             <a:lvl3pPr marL="914400" indent="0">
               <a:buNone/>
-              <a:defRPr sz="1200"/>
+              <a:defRPr sz="1000"/>
             </a:lvl3pPr>
             <a:lvl4pPr marL="1371600" indent="0">
               <a:buNone/>
-              <a:defRPr sz="1000"/>
+              <a:defRPr sz="900"/>
             </a:lvl4pPr>
             <a:lvl5pPr marL="1828800" indent="0">
               <a:buNone/>
-              <a:defRPr sz="1000"/>
+              <a:defRPr sz="900"/>
             </a:lvl5pPr>
             <a:lvl6pPr marL="2286000" indent="0">
               <a:buNone/>
-              <a:defRPr sz="1000"/>
+              <a:defRPr sz="900"/>
             </a:lvl6pPr>
             <a:lvl7pPr marL="2743200" indent="0">
               <a:buNone/>
-              <a:defRPr sz="1000"/>
+              <a:defRPr sz="900"/>
             </a:lvl7pPr>
             <a:lvl8pPr marL="3200400" indent="0">
               <a:buNone/>
-              <a:defRPr sz="1000"/>
+              <a:defRPr sz="900"/>
             </a:lvl8pPr>
             <a:lvl9pPr marL="3657600" indent="0">
               <a:buNone/>
-              <a:defRPr sz="1000"/>
+              <a:defRPr sz="900"/>
             </a:lvl9pPr>
           </a:lstStyle>
           <a:p>
@@ -2596,13 +2602,7 @@
       </p:sp>
       <p:sp>
         <p:nvSpPr>
-          <p:cNvPr id="5" name="Date Placeholder 4">
-            <a:extLst>
-              <a:ext uri="{FF2B5EF4-FFF2-40B4-BE49-F238E27FC236}">
-                <a16:creationId xmlns:a16="http://schemas.microsoft.com/office/drawing/2014/main" id="{455FB9C5-E6B7-430A-9227-2D77CCE5F381}"/>
-              </a:ext>
-            </a:extLst>
-          </p:cNvPr>
+          <p:cNvPr id="5" name="Date Placeholder 4"/>
           <p:cNvSpPr>
             <a:spLocks noGrp="1"/>
           </p:cNvSpPr>
@@ -2617,7 +2617,7 @@
           <a:p>
             <a:fld id="{73CA6D7C-52BC-45C0-B9D9-2A3E7443B367}" type="datetimeFigureOut">
               <a:rPr lang="en-US" smtClean="0"/>
-              <a:t>12/22/2022</a:t>
+              <a:t>12/24/2022</a:t>
             </a:fld>
             <a:endParaRPr lang="en-US"/>
           </a:p>
@@ -2625,13 +2625,7 @@
       </p:sp>
       <p:sp>
         <p:nvSpPr>
-          <p:cNvPr id="6" name="Footer Placeholder 5">
-            <a:extLst>
-              <a:ext uri="{FF2B5EF4-FFF2-40B4-BE49-F238E27FC236}">
-                <a16:creationId xmlns:a16="http://schemas.microsoft.com/office/drawing/2014/main" id="{6CA6662B-777A-4828-B5CF-CDC4AC0992A3}"/>
-              </a:ext>
-            </a:extLst>
-          </p:cNvPr>
+          <p:cNvPr id="6" name="Footer Placeholder 5"/>
           <p:cNvSpPr>
             <a:spLocks noGrp="1"/>
           </p:cNvSpPr>
@@ -2650,13 +2644,7 @@
       </p:sp>
       <p:sp>
         <p:nvSpPr>
-          <p:cNvPr id="7" name="Slide Number Placeholder 6">
-            <a:extLst>
-              <a:ext uri="{FF2B5EF4-FFF2-40B4-BE49-F238E27FC236}">
-                <a16:creationId xmlns:a16="http://schemas.microsoft.com/office/drawing/2014/main" id="{5E75092B-4E48-4F0D-9B32-687D3D46B67F}"/>
-              </a:ext>
-            </a:extLst>
-          </p:cNvPr>
+          <p:cNvPr id="7" name="Slide Number Placeholder 6"/>
           <p:cNvSpPr>
             <a:spLocks noGrp="1"/>
           </p:cNvSpPr>
@@ -2680,7 +2668,7 @@
     </p:spTree>
     <p:extLst>
       <p:ext uri="{BB962C8B-B14F-4D97-AF65-F5344CB8AC3E}">
-        <p14:creationId xmlns:p14="http://schemas.microsoft.com/office/powerpoint/2010/main" val="2242872142"/>
+        <p14:creationId xmlns:p14="http://schemas.microsoft.com/office/powerpoint/2010/main" val="3851869709"/>
       </p:ext>
     </p:extLst>
   </p:cSld>
@@ -2709,13 +2697,7 @@
       </p:grpSpPr>
       <p:sp>
         <p:nvSpPr>
-          <p:cNvPr id="2" name="Title 1">
-            <a:extLst>
-              <a:ext uri="{FF2B5EF4-FFF2-40B4-BE49-F238E27FC236}">
-                <a16:creationId xmlns:a16="http://schemas.microsoft.com/office/drawing/2014/main" id="{7A86E9E1-50FA-4467-9038-6CDF09CE1E82}"/>
-              </a:ext>
-            </a:extLst>
-          </p:cNvPr>
+          <p:cNvPr id="2" name="Title 1"/>
           <p:cNvSpPr>
             <a:spLocks noGrp="1"/>
           </p:cNvSpPr>
@@ -2725,15 +2707,20 @@
         </p:nvSpPr>
         <p:spPr>
           <a:xfrm>
-            <a:off x="839788" y="457200"/>
-            <a:ext cx="3932237" cy="1600200"/>
+            <a:off x="1143000" y="1097280"/>
+            <a:ext cx="3931920" cy="1737360"/>
           </a:xfrm>
         </p:spPr>
         <p:txBody>
-          <a:bodyPr anchor="b"/>
+          <a:bodyPr anchor="b">
+            <a:noAutofit/>
+          </a:bodyPr>
           <a:lstStyle>
             <a:lvl1pPr>
-              <a:defRPr sz="3200"/>
+              <a:lnSpc>
+                <a:spcPct val="90000"/>
+              </a:lnSpc>
+              <a:defRPr sz="4000" b="0"/>
             </a:lvl1pPr>
           </a:lstStyle>
           <a:p>
@@ -2741,20 +2728,15 @@
               <a:rPr lang="en-US"/>
               <a:t>Click to edit Master title style</a:t>
             </a:r>
-          </a:p>
-        </p:txBody>
-      </p:sp>
-      <p:sp>
-        <p:nvSpPr>
-          <p:cNvPr id="3" name="Picture Placeholder 2">
-            <a:extLst>
-              <a:ext uri="{FF2B5EF4-FFF2-40B4-BE49-F238E27FC236}">
-                <a16:creationId xmlns:a16="http://schemas.microsoft.com/office/drawing/2014/main" id="{83EDDD02-17AB-4918-9D48-123373446881}"/>
-              </a:ext>
-            </a:extLst>
-          </p:cNvPr>
-          <p:cNvSpPr>
-            <a:spLocks noGrp="1"/>
+            <a:endParaRPr lang="en-US" dirty="0"/>
+          </a:p>
+        </p:txBody>
+      </p:sp>
+      <p:sp>
+        <p:nvSpPr>
+          <p:cNvPr id="3" name="Picture Placeholder 2"/>
+          <p:cNvSpPr>
+            <a:spLocks noGrp="1" noChangeAspect="1"/>
           </p:cNvSpPr>
           <p:nvPr>
             <p:ph type="pic" idx="1"/>
@@ -2762,16 +2744,18 @@
         </p:nvSpPr>
         <p:spPr>
           <a:xfrm>
-            <a:off x="5183188" y="987425"/>
-            <a:ext cx="6172200" cy="4873625"/>
+            <a:off x="5413248" y="1069847"/>
+            <a:ext cx="6099048" cy="4800600"/>
           </a:xfrm>
         </p:spPr>
         <p:txBody>
-          <a:bodyPr/>
+          <a:bodyPr lIns="274320" tIns="182880" anchor="t">
+            <a:normAutofit/>
+          </a:bodyPr>
           <a:lstStyle>
             <a:lvl1pPr marL="0" indent="0">
               <a:buNone/>
-              <a:defRPr sz="3200"/>
+              <a:defRPr sz="2800"/>
             </a:lvl1pPr>
             <a:lvl2pPr marL="457200" indent="0">
               <a:buNone/>
@@ -2807,19 +2791,17 @@
             </a:lvl9pPr>
           </a:lstStyle>
           <a:p>
-            <a:endParaRPr lang="en-US"/>
-          </a:p>
-        </p:txBody>
-      </p:sp>
-      <p:sp>
-        <p:nvSpPr>
-          <p:cNvPr id="4" name="Text Placeholder 3">
-            <a:extLst>
-              <a:ext uri="{FF2B5EF4-FFF2-40B4-BE49-F238E27FC236}">
-                <a16:creationId xmlns:a16="http://schemas.microsoft.com/office/drawing/2014/main" id="{DB7186C3-3ED1-4118-A724-B1AC4B26DF63}"/>
-              </a:ext>
-            </a:extLst>
-          </p:cNvPr>
+            <a:r>
+              <a:rPr lang="en-US"/>
+              <a:t>Click icon to add picture</a:t>
+            </a:r>
+            <a:endParaRPr lang="en-US" dirty="0"/>
+          </a:p>
+        </p:txBody>
+      </p:sp>
+      <p:sp>
+        <p:nvSpPr>
+          <p:cNvPr id="4" name="Text Placeholder 3"/>
           <p:cNvSpPr>
             <a:spLocks noGrp="1"/>
           </p:cNvSpPr>
@@ -2829,48 +2811,56 @@
         </p:nvSpPr>
         <p:spPr>
           <a:xfrm>
-            <a:off x="839788" y="2057400"/>
-            <a:ext cx="3932237" cy="3811588"/>
+            <a:off x="1143000" y="2834640"/>
+            <a:ext cx="3931920" cy="2880360"/>
           </a:xfrm>
         </p:spPr>
         <p:txBody>
-          <a:bodyPr/>
+          <a:bodyPr>
+            <a:normAutofit/>
+          </a:bodyPr>
           <a:lstStyle>
             <a:lvl1pPr marL="0" indent="0">
-              <a:buNone/>
-              <a:defRPr sz="1600"/>
+              <a:lnSpc>
+                <a:spcPct val="100000"/>
+              </a:lnSpc>
+              <a:spcBef>
+                <a:spcPts val="1000"/>
+              </a:spcBef>
+              <a:buNone/>
+              <a:defRPr sz="1700"/>
             </a:lvl1pPr>
             <a:lvl2pPr marL="457200" indent="0">
               <a:buNone/>
-              <a:defRPr sz="1400"/>
+              <a:defRPr sz="1200"/>
             </a:lvl2pPr>
             <a:lvl3pPr marL="914400" indent="0">
               <a:buNone/>
-              <a:defRPr sz="1200"/>
+              <a:defRPr sz="1000"/>
             </a:lvl3pPr>
             <a:lvl4pPr marL="1371600" indent="0">
               <a:buNone/>
-              <a:defRPr sz="1000"/>
+              <a:defRPr sz="900"/>
             </a:lvl4pPr>
             <a:lvl5pPr marL="1828800" indent="0">
               <a:buNone/>
-              <a:defRPr sz="1000"/>
+              <a:defRPr sz="900"/>
             </a:lvl5pPr>
             <a:lvl6pPr marL="2286000" indent="0">
               <a:buNone/>
-              <a:defRPr sz="1000"/>
+              <a:defRPr sz="900"/>
             </a:lvl6pPr>
             <a:lvl7pPr marL="2743200" indent="0">
               <a:buNone/>
-              <a:defRPr sz="1000"/>
+              <a:defRPr sz="900"/>
             </a:lvl7pPr>
             <a:lvl8pPr marL="3200400" indent="0">
               <a:buNone/>
-              <a:defRPr sz="1000"/>
+              <a:defRPr sz="900"/>
             </a:lvl8pPr>
             <a:lvl9pPr marL="3657600" indent="0">
               <a:buNone/>
-              <a:defRPr sz="1000"/>
+              <a:defRPr sz="900"/>
             </a:lvl9pPr>
           </a:lstStyle>
           <a:p>
@@ -2884,13 +2874,7 @@
       </p:sp>
       <p:sp>
         <p:nvSpPr>
-          <p:cNvPr id="5" name="Date Placeholder 4">
-            <a:extLst>
-              <a:ext uri="{FF2B5EF4-FFF2-40B4-BE49-F238E27FC236}">
-                <a16:creationId xmlns:a16="http://schemas.microsoft.com/office/drawing/2014/main" id="{7991761D-CC0E-4226-823D-BF9610940BB0}"/>
-              </a:ext>
-            </a:extLst>
-          </p:cNvPr>
+          <p:cNvPr id="5" name="Date Placeholder 4"/>
           <p:cNvSpPr>
             <a:spLocks noGrp="1"/>
           </p:cNvSpPr>
@@ -2905,7 +2889,7 @@
           <a:p>
             <a:fld id="{73CA6D7C-52BC-45C0-B9D9-2A3E7443B367}" type="datetimeFigureOut">
               <a:rPr lang="en-US" smtClean="0"/>
-              <a:t>12/22/2022</a:t>
+              <a:t>12/24/2022</a:t>
             </a:fld>
             <a:endParaRPr lang="en-US"/>
           </a:p>
@@ -2913,13 +2897,7 @@
       </p:sp>
       <p:sp>
         <p:nvSpPr>
-          <p:cNvPr id="6" name="Footer Placeholder 5">
-            <a:extLst>
-              <a:ext uri="{FF2B5EF4-FFF2-40B4-BE49-F238E27FC236}">
-                <a16:creationId xmlns:a16="http://schemas.microsoft.com/office/drawing/2014/main" id="{6B078E90-6DCB-402E-93EE-ECCC687C299B}"/>
-              </a:ext>
-            </a:extLst>
-          </p:cNvPr>
+          <p:cNvPr id="6" name="Footer Placeholder 5"/>
           <p:cNvSpPr>
             <a:spLocks noGrp="1"/>
           </p:cNvSpPr>
@@ -2938,13 +2916,7 @@
       </p:sp>
       <p:sp>
         <p:nvSpPr>
-          <p:cNvPr id="7" name="Slide Number Placeholder 6">
-            <a:extLst>
-              <a:ext uri="{FF2B5EF4-FFF2-40B4-BE49-F238E27FC236}">
-                <a16:creationId xmlns:a16="http://schemas.microsoft.com/office/drawing/2014/main" id="{D4703C7F-BD76-4C60-9605-75C71A043245}"/>
-              </a:ext>
-            </a:extLst>
-          </p:cNvPr>
+          <p:cNvPr id="7" name="Slide Number Placeholder 6"/>
           <p:cNvSpPr>
             <a:spLocks noGrp="1"/>
           </p:cNvSpPr>
@@ -2968,7 +2940,7 @@
     </p:spTree>
     <p:extLst>
       <p:ext uri="{BB962C8B-B14F-4D97-AF65-F5344CB8AC3E}">
-        <p14:creationId xmlns:p14="http://schemas.microsoft.com/office/powerpoint/2010/main" val="2133120964"/>
+        <p14:creationId xmlns:p14="http://schemas.microsoft.com/office/powerpoint/2010/main" val="2888392837"/>
       </p:ext>
     </p:extLst>
   </p:cSld>
@@ -2982,9 +2954,12 @@
 <p:sldMaster xmlns:a="http://schemas.openxmlformats.org/drawingml/2006/main" xmlns:r="http://schemas.openxmlformats.org/officeDocument/2006/relationships" xmlns:p="http://schemas.openxmlformats.org/presentationml/2006/main">
   <p:cSld>
     <p:bg>
-      <p:bgRef idx="1001">
-        <a:schemeClr val="bg1"/>
-      </p:bgRef>
+      <p:bgPr>
+        <a:solidFill>
+          <a:schemeClr val="accent1"/>
+        </a:solidFill>
+        <a:effectLst/>
+      </p:bgPr>
     </p:bg>
     <p:spTree>
       <p:nvGrpSpPr>
@@ -3002,24 +2977,58 @@
       </p:grpSpPr>
       <p:sp>
         <p:nvSpPr>
-          <p:cNvPr id="2" name="Title Placeholder 1">
-            <a:extLst>
-              <a:ext uri="{FF2B5EF4-FFF2-40B4-BE49-F238E27FC236}">
-                <a16:creationId xmlns:a16="http://schemas.microsoft.com/office/drawing/2014/main" id="{1D259129-0DE4-404A-85EF-6B6FC15AA1C0}"/>
-              </a:ext>
-            </a:extLst>
-          </p:cNvPr>
-          <p:cNvSpPr>
-            <a:spLocks noGrp="1"/>
-          </p:cNvSpPr>
-          <p:nvPr>
-            <p:ph type="title"/>
-          </p:nvPr>
+          <p:cNvPr id="7" name="Rectangle 6"/>
+          <p:cNvSpPr>
+            <a:spLocks noChangeAspect="1"/>
+          </p:cNvSpPr>
+          <p:nvPr/>
         </p:nvSpPr>
         <p:spPr>
           <a:xfrm>
-            <a:off x="838200" y="365125"/>
-            <a:ext cx="10515600" cy="1325563"/>
+            <a:off x="231140" y="243840"/>
+            <a:ext cx="11724640" cy="6377939"/>
+          </a:xfrm>
+          <a:prstGeom prst="rect">
+            <a:avLst/>
+          </a:prstGeom>
+          <a:solidFill>
+            <a:schemeClr val="bg1"/>
+          </a:solidFill>
+          <a:ln w="12700">
+            <a:noFill/>
+          </a:ln>
+        </p:spPr>
+        <p:style>
+          <a:lnRef idx="2">
+            <a:schemeClr val="accent1">
+              <a:shade val="50000"/>
+            </a:schemeClr>
+          </a:lnRef>
+          <a:fillRef idx="1">
+            <a:schemeClr val="accent1"/>
+          </a:fillRef>
+          <a:effectRef idx="0">
+            <a:schemeClr val="accent1"/>
+          </a:effectRef>
+          <a:fontRef idx="minor">
+            <a:schemeClr val="lt1"/>
+          </a:fontRef>
+        </p:style>
+      </p:sp>
+      <p:sp>
+        <p:nvSpPr>
+          <p:cNvPr id="2" name="Title Placeholder 1"/>
+          <p:cNvSpPr>
+            <a:spLocks noGrp="1"/>
+          </p:cNvSpPr>
+          <p:nvPr>
+            <p:ph type="title"/>
+          </p:nvPr>
+        </p:nvSpPr>
+        <p:spPr>
+          <a:xfrm>
+            <a:off x="1143000" y="609600"/>
+            <a:ext cx="9875520" cy="1356360"/>
           </a:xfrm>
           <a:prstGeom prst="rect">
             <a:avLst/>
@@ -3035,18 +3044,13 @@
               <a:rPr lang="en-US"/>
               <a:t>Click to edit Master title style</a:t>
             </a:r>
-          </a:p>
-        </p:txBody>
-      </p:sp>
-      <p:sp>
-        <p:nvSpPr>
-          <p:cNvPr id="3" name="Text Placeholder 2">
-            <a:extLst>
-              <a:ext uri="{FF2B5EF4-FFF2-40B4-BE49-F238E27FC236}">
-                <a16:creationId xmlns:a16="http://schemas.microsoft.com/office/drawing/2014/main" id="{0959220E-03F9-41F2-AE39-A7166C9079BD}"/>
-              </a:ext>
-            </a:extLst>
-          </p:cNvPr>
+            <a:endParaRPr lang="en-US" dirty="0"/>
+          </a:p>
+        </p:txBody>
+      </p:sp>
+      <p:sp>
+        <p:nvSpPr>
+          <p:cNvPr id="3" name="Text Placeholder 2"/>
           <p:cNvSpPr>
             <a:spLocks noGrp="1"/>
           </p:cNvSpPr>
@@ -3056,8 +3060,8 @@
         </p:nvSpPr>
         <p:spPr>
           <a:xfrm>
-            <a:off x="838200" y="1825625"/>
-            <a:ext cx="10515600" cy="4351338"/>
+            <a:off x="1143000" y="2057400"/>
+            <a:ext cx="9872871" cy="4038600"/>
           </a:xfrm>
           <a:prstGeom prst="rect">
             <a:avLst/>
@@ -3102,18 +3106,13 @@
               <a:rPr lang="en-US"/>
               <a:t>Fifth level</a:t>
             </a:r>
-          </a:p>
-        </p:txBody>
-      </p:sp>
-      <p:sp>
-        <p:nvSpPr>
-          <p:cNvPr id="4" name="Date Placeholder 3">
-            <a:extLst>
-              <a:ext uri="{FF2B5EF4-FFF2-40B4-BE49-F238E27FC236}">
-                <a16:creationId xmlns:a16="http://schemas.microsoft.com/office/drawing/2014/main" id="{4A278A89-BB9C-4F52-9B11-1E90A3062CB1}"/>
-              </a:ext>
-            </a:extLst>
-          </p:cNvPr>
+            <a:endParaRPr lang="en-US" dirty="0"/>
+          </a:p>
+        </p:txBody>
+      </p:sp>
+      <p:sp>
+        <p:nvSpPr>
+          <p:cNvPr id="4" name="Date Placeholder 3"/>
           <p:cNvSpPr>
             <a:spLocks noGrp="1"/>
           </p:cNvSpPr>
@@ -3123,8 +3122,8 @@
         </p:nvSpPr>
         <p:spPr>
           <a:xfrm>
-            <a:off x="838200" y="6356350"/>
-            <a:ext cx="2743200" cy="365125"/>
+            <a:off x="1142996" y="6223828"/>
+            <a:ext cx="2329074" cy="365125"/>
           </a:xfrm>
           <a:prstGeom prst="rect">
             <a:avLst/>
@@ -3136,9 +3135,7 @@
             <a:lvl1pPr algn="l">
               <a:defRPr sz="1200">
                 <a:solidFill>
-                  <a:schemeClr val="tx1">
-                    <a:tint val="75000"/>
-                  </a:schemeClr>
+                  <a:schemeClr val="accent1"/>
                 </a:solidFill>
               </a:defRPr>
             </a:lvl1pPr>
@@ -3146,7 +3143,7 @@
           <a:p>
             <a:fld id="{73CA6D7C-52BC-45C0-B9D9-2A3E7443B367}" type="datetimeFigureOut">
               <a:rPr lang="en-US" smtClean="0"/>
-              <a:t>12/22/2022</a:t>
+              <a:t>12/24/2022</a:t>
             </a:fld>
             <a:endParaRPr lang="en-US"/>
           </a:p>
@@ -3154,13 +3151,7 @@
       </p:sp>
       <p:sp>
         <p:nvSpPr>
-          <p:cNvPr id="5" name="Footer Placeholder 4">
-            <a:extLst>
-              <a:ext uri="{FF2B5EF4-FFF2-40B4-BE49-F238E27FC236}">
-                <a16:creationId xmlns:a16="http://schemas.microsoft.com/office/drawing/2014/main" id="{165E1DBA-4F16-42F0-AEB5-3F08F1BFC498}"/>
-              </a:ext>
-            </a:extLst>
-          </p:cNvPr>
+          <p:cNvPr id="5" name="Footer Placeholder 4"/>
           <p:cNvSpPr>
             <a:spLocks noGrp="1"/>
           </p:cNvSpPr>
@@ -3170,8 +3161,8 @@
         </p:nvSpPr>
         <p:spPr>
           <a:xfrm>
-            <a:off x="4038600" y="6356350"/>
-            <a:ext cx="4114800" cy="365125"/>
+            <a:off x="3949148" y="6223828"/>
+            <a:ext cx="4717774" cy="365125"/>
           </a:xfrm>
           <a:prstGeom prst="rect">
             <a:avLst/>
@@ -3183,9 +3174,7 @@
             <a:lvl1pPr algn="ctr">
               <a:defRPr sz="1200">
                 <a:solidFill>
-                  <a:schemeClr val="tx1">
-                    <a:tint val="75000"/>
-                  </a:schemeClr>
+                  <a:schemeClr val="accent1"/>
                 </a:solidFill>
               </a:defRPr>
             </a:lvl1pPr>
@@ -3197,13 +3186,7 @@
       </p:sp>
       <p:sp>
         <p:nvSpPr>
-          <p:cNvPr id="6" name="Slide Number Placeholder 5">
-            <a:extLst>
-              <a:ext uri="{FF2B5EF4-FFF2-40B4-BE49-F238E27FC236}">
-                <a16:creationId xmlns:a16="http://schemas.microsoft.com/office/drawing/2014/main" id="{F216777A-CF87-45D3-AA3D-040D22AAFBAD}"/>
-              </a:ext>
-            </a:extLst>
-          </p:cNvPr>
+          <p:cNvPr id="6" name="Slide Number Placeholder 5"/>
           <p:cNvSpPr>
             <a:spLocks noGrp="1"/>
           </p:cNvSpPr>
@@ -3213,8 +3196,8 @@
         </p:nvSpPr>
         <p:spPr>
           <a:xfrm>
-            <a:off x="8610600" y="6356350"/>
-            <a:ext cx="2743200" cy="365125"/>
+            <a:off x="9329530" y="6223828"/>
+            <a:ext cx="1706217" cy="365125"/>
           </a:xfrm>
           <a:prstGeom prst="rect">
             <a:avLst/>
@@ -3226,9 +3209,7 @@
             <a:lvl1pPr algn="r">
               <a:defRPr sz="1200">
                 <a:solidFill>
-                  <a:schemeClr val="tx1">
-                    <a:tint val="75000"/>
-                  </a:schemeClr>
+                  <a:schemeClr val="accent1"/>
                 </a:solidFill>
               </a:defRPr>
             </a:lvl1pPr>
@@ -3245,23 +3226,23 @@
     </p:spTree>
     <p:extLst>
       <p:ext uri="{BB962C8B-B14F-4D97-AF65-F5344CB8AC3E}">
-        <p14:creationId xmlns:p14="http://schemas.microsoft.com/office/powerpoint/2010/main" val="1402143136"/>
+        <p14:creationId xmlns:p14="http://schemas.microsoft.com/office/powerpoint/2010/main" val="2128104171"/>
       </p:ext>
     </p:extLst>
   </p:cSld>
   <p:clrMap bg1="lt1" tx1="dk1" bg2="lt2" tx2="dk2" accent1="accent1" accent2="accent2" accent3="accent3" accent4="accent4" accent5="accent5" accent6="accent6" hlink="hlink" folHlink="folHlink"/>
   <p:sldLayoutIdLst>
-    <p:sldLayoutId id="2147483649" r:id="rId1"/>
-    <p:sldLayoutId id="2147483650" r:id="rId2"/>
-    <p:sldLayoutId id="2147483651" r:id="rId3"/>
-    <p:sldLayoutId id="2147483652" r:id="rId4"/>
-    <p:sldLayoutId id="2147483653" r:id="rId5"/>
-    <p:sldLayoutId id="2147483654" r:id="rId6"/>
-    <p:sldLayoutId id="2147483655" r:id="rId7"/>
-    <p:sldLayoutId id="2147483656" r:id="rId8"/>
-    <p:sldLayoutId id="2147483657" r:id="rId9"/>
-    <p:sldLayoutId id="2147483658" r:id="rId10"/>
-    <p:sldLayoutId id="2147483659" r:id="rId11"/>
+    <p:sldLayoutId id="2147483763" r:id="rId1"/>
+    <p:sldLayoutId id="2147483764" r:id="rId2"/>
+    <p:sldLayoutId id="2147483765" r:id="rId3"/>
+    <p:sldLayoutId id="2147483766" r:id="rId4"/>
+    <p:sldLayoutId id="2147483767" r:id="rId5"/>
+    <p:sldLayoutId id="2147483768" r:id="rId6"/>
+    <p:sldLayoutId id="2147483769" r:id="rId7"/>
+    <p:sldLayoutId id="2147483770" r:id="rId8"/>
+    <p:sldLayoutId id="2147483771" r:id="rId9"/>
+    <p:sldLayoutId id="2147483772" r:id="rId10"/>
+    <p:sldLayoutId id="2147483773" r:id="rId11"/>
   </p:sldLayoutIdLst>
   <p:txStyles>
     <p:titleStyle>
@@ -3275,7 +3256,7 @@
         <a:buNone/>
         <a:defRPr sz="4400" kern="1200">
           <a:solidFill>
-            <a:schemeClr val="tx1"/>
+            <a:schemeClr val="accent1"/>
           </a:solidFill>
           <a:latin typeface="+mj-lt"/>
           <a:ea typeface="+mj-ea"/>
@@ -3284,162 +3265,222 @@
       </a:lvl1pPr>
     </p:titleStyle>
     <p:bodyStyle>
-      <a:lvl1pPr marL="228600" indent="-228600" algn="l" defTabSz="914400" rtl="0" eaLnBrk="1" latinLnBrk="0" hangingPunct="1">
+      <a:lvl1pPr marL="228600" indent="-182880" algn="l" defTabSz="914400" rtl="0" eaLnBrk="1" latinLnBrk="0" hangingPunct="1">
         <a:lnSpc>
           <a:spcPct val="90000"/>
         </a:lnSpc>
         <a:spcBef>
-          <a:spcPts val="1000"/>
+          <a:spcPts val="1400"/>
         </a:spcBef>
-        <a:buFont typeface="Arial" panose="020B0604020202020204" pitchFamily="34" charset="0"/>
+        <a:buClr>
+          <a:schemeClr val="accent1"/>
+        </a:buClr>
+        <a:buSzPct val="80000"/>
+        <a:buFont typeface="Corbel" pitchFamily="34" charset="0"/>
         <a:buChar char="•"/>
-        <a:defRPr sz="2800" kern="1200">
+        <a:defRPr sz="2200" kern="1200">
           <a:solidFill>
-            <a:schemeClr val="tx1"/>
+            <a:schemeClr val="accent1"/>
           </a:solidFill>
           <a:latin typeface="+mn-lt"/>
           <a:ea typeface="+mn-ea"/>
           <a:cs typeface="+mn-cs"/>
         </a:defRPr>
       </a:lvl1pPr>
-      <a:lvl2pPr marL="685800" indent="-228600" algn="l" defTabSz="914400" rtl="0" eaLnBrk="1" latinLnBrk="0" hangingPunct="1">
+      <a:lvl2pPr marL="457200" indent="-182880" algn="l" defTabSz="914400" rtl="0" eaLnBrk="1" latinLnBrk="0" hangingPunct="1">
         <a:lnSpc>
           <a:spcPct val="90000"/>
         </a:lnSpc>
         <a:spcBef>
-          <a:spcPts val="500"/>
+          <a:spcPts val="200"/>
         </a:spcBef>
-        <a:buFont typeface="Arial" panose="020B0604020202020204" pitchFamily="34" charset="0"/>
+        <a:spcAft>
+          <a:spcPts val="400"/>
+        </a:spcAft>
+        <a:buClr>
+          <a:schemeClr val="accent1"/>
+        </a:buClr>
+        <a:buSzPct val="80000"/>
+        <a:buFont typeface="Corbel" pitchFamily="34" charset="0"/>
         <a:buChar char="•"/>
-        <a:defRPr sz="2400" kern="1200">
+        <a:defRPr sz="2000" kern="1200">
           <a:solidFill>
-            <a:schemeClr val="tx1"/>
+            <a:schemeClr val="accent1"/>
           </a:solidFill>
           <a:latin typeface="+mn-lt"/>
           <a:ea typeface="+mn-ea"/>
           <a:cs typeface="+mn-cs"/>
         </a:defRPr>
       </a:lvl2pPr>
-      <a:lvl3pPr marL="1143000" indent="-228600" algn="l" defTabSz="914400" rtl="0" eaLnBrk="1" latinLnBrk="0" hangingPunct="1">
+      <a:lvl3pPr marL="731520" indent="-182880" algn="l" defTabSz="914400" rtl="0" eaLnBrk="1" latinLnBrk="0" hangingPunct="1">
         <a:lnSpc>
           <a:spcPct val="90000"/>
         </a:lnSpc>
         <a:spcBef>
-          <a:spcPts val="500"/>
+          <a:spcPts val="200"/>
         </a:spcBef>
-        <a:buFont typeface="Arial" panose="020B0604020202020204" pitchFamily="34" charset="0"/>
+        <a:spcAft>
+          <a:spcPts val="400"/>
+        </a:spcAft>
+        <a:buClr>
+          <a:schemeClr val="accent1"/>
+        </a:buClr>
+        <a:buSzPct val="80000"/>
+        <a:buFont typeface="Corbel" pitchFamily="34" charset="0"/>
         <a:buChar char="•"/>
-        <a:defRPr sz="2000" kern="1200">
+        <a:defRPr sz="1800" kern="1200">
           <a:solidFill>
-            <a:schemeClr val="tx1"/>
+            <a:schemeClr val="accent1"/>
           </a:solidFill>
           <a:latin typeface="+mn-lt"/>
           <a:ea typeface="+mn-ea"/>
           <a:cs typeface="+mn-cs"/>
         </a:defRPr>
       </a:lvl3pPr>
-      <a:lvl4pPr marL="1600200" indent="-228600" algn="l" defTabSz="914400" rtl="0" eaLnBrk="1" latinLnBrk="0" hangingPunct="1">
+      <a:lvl4pPr marL="1005840" indent="-182880" algn="l" defTabSz="914400" rtl="0" eaLnBrk="1" latinLnBrk="0" hangingPunct="1">
         <a:lnSpc>
           <a:spcPct val="90000"/>
         </a:lnSpc>
         <a:spcBef>
-          <a:spcPts val="500"/>
+          <a:spcPts val="200"/>
         </a:spcBef>
-        <a:buFont typeface="Arial" panose="020B0604020202020204" pitchFamily="34" charset="0"/>
+        <a:spcAft>
+          <a:spcPts val="400"/>
+        </a:spcAft>
+        <a:buClr>
+          <a:schemeClr val="accent1"/>
+        </a:buClr>
+        <a:buSzPct val="80000"/>
+        <a:buFont typeface="Corbel" pitchFamily="34" charset="0"/>
         <a:buChar char="•"/>
-        <a:defRPr sz="1800" kern="1200">
+        <a:defRPr sz="1600" kern="1200">
           <a:solidFill>
-            <a:schemeClr val="tx1"/>
+            <a:schemeClr val="accent1"/>
           </a:solidFill>
           <a:latin typeface="+mn-lt"/>
           <a:ea typeface="+mn-ea"/>
           <a:cs typeface="+mn-cs"/>
         </a:defRPr>
       </a:lvl4pPr>
-      <a:lvl5pPr marL="2057400" indent="-228600" algn="l" defTabSz="914400" rtl="0" eaLnBrk="1" latinLnBrk="0" hangingPunct="1">
+      <a:lvl5pPr marL="1280160" indent="-182880" algn="l" defTabSz="914400" rtl="0" eaLnBrk="1" latinLnBrk="0" hangingPunct="1">
         <a:lnSpc>
           <a:spcPct val="90000"/>
         </a:lnSpc>
         <a:spcBef>
-          <a:spcPts val="500"/>
+          <a:spcPts val="200"/>
         </a:spcBef>
-        <a:buFont typeface="Arial" panose="020B0604020202020204" pitchFamily="34" charset="0"/>
+        <a:spcAft>
+          <a:spcPts val="400"/>
+        </a:spcAft>
+        <a:buClr>
+          <a:schemeClr val="accent1"/>
+        </a:buClr>
+        <a:buSzPct val="80000"/>
+        <a:buFont typeface="Corbel" pitchFamily="34" charset="0"/>
         <a:buChar char="•"/>
-        <a:defRPr sz="1800" kern="1200">
+        <a:defRPr sz="1600" kern="1200">
           <a:solidFill>
-            <a:schemeClr val="tx1"/>
+            <a:schemeClr val="accent1"/>
           </a:solidFill>
           <a:latin typeface="+mn-lt"/>
           <a:ea typeface="+mn-ea"/>
           <a:cs typeface="+mn-cs"/>
         </a:defRPr>
       </a:lvl5pPr>
-      <a:lvl6pPr marL="2514600" indent="-228600" algn="l" defTabSz="914400" rtl="0" eaLnBrk="1" latinLnBrk="0" hangingPunct="1">
+      <a:lvl6pPr marL="1600000" indent="-228600" algn="l" defTabSz="914400" rtl="0" eaLnBrk="1" latinLnBrk="0" hangingPunct="1">
         <a:lnSpc>
           <a:spcPct val="90000"/>
         </a:lnSpc>
         <a:spcBef>
-          <a:spcPts val="500"/>
+          <a:spcPts val="200"/>
         </a:spcBef>
-        <a:buFont typeface="Arial" panose="020B0604020202020204" pitchFamily="34" charset="0"/>
+        <a:spcAft>
+          <a:spcPts val="400"/>
+        </a:spcAft>
+        <a:buClr>
+          <a:schemeClr val="accent1"/>
+        </a:buClr>
+        <a:buSzPct val="80000"/>
+        <a:buFont typeface="Corbel" pitchFamily="34" charset="0"/>
         <a:buChar char="•"/>
-        <a:defRPr sz="1800" kern="1200">
+        <a:defRPr sz="1600" kern="1200">
           <a:solidFill>
-            <a:schemeClr val="tx1"/>
+            <a:schemeClr val="accent1"/>
           </a:solidFill>
           <a:latin typeface="+mn-lt"/>
           <a:ea typeface="+mn-ea"/>
           <a:cs typeface="+mn-cs"/>
         </a:defRPr>
       </a:lvl6pPr>
-      <a:lvl7pPr marL="2971800" indent="-228600" algn="l" defTabSz="914400" rtl="0" eaLnBrk="1" latinLnBrk="0" hangingPunct="1">
+      <a:lvl7pPr marL="1900000" indent="-228600" algn="l" defTabSz="914400" rtl="0" eaLnBrk="1" latinLnBrk="0" hangingPunct="1">
         <a:lnSpc>
           <a:spcPct val="90000"/>
         </a:lnSpc>
         <a:spcBef>
-          <a:spcPts val="500"/>
+          <a:spcPts val="200"/>
         </a:spcBef>
-        <a:buFont typeface="Arial" panose="020B0604020202020204" pitchFamily="34" charset="0"/>
+        <a:spcAft>
+          <a:spcPts val="400"/>
+        </a:spcAft>
+        <a:buClr>
+          <a:schemeClr val="accent1"/>
+        </a:buClr>
+        <a:buSzPct val="80000"/>
+        <a:buFont typeface="Corbel" pitchFamily="34" charset="0"/>
         <a:buChar char="•"/>
-        <a:defRPr sz="1800" kern="1200">
+        <a:defRPr sz="1600" kern="1200">
           <a:solidFill>
-            <a:schemeClr val="tx1"/>
+            <a:schemeClr val="accent1"/>
           </a:solidFill>
           <a:latin typeface="+mn-lt"/>
           <a:ea typeface="+mn-ea"/>
           <a:cs typeface="+mn-cs"/>
         </a:defRPr>
       </a:lvl7pPr>
-      <a:lvl8pPr marL="3429000" indent="-228600" algn="l" defTabSz="914400" rtl="0" eaLnBrk="1" latinLnBrk="0" hangingPunct="1">
+      <a:lvl8pPr marL="2200000" indent="-228600" algn="l" defTabSz="914400" rtl="0" eaLnBrk="1" latinLnBrk="0" hangingPunct="1">
         <a:lnSpc>
           <a:spcPct val="90000"/>
         </a:lnSpc>
         <a:spcBef>
-          <a:spcPts val="500"/>
+          <a:spcPts val="200"/>
         </a:spcBef>
-        <a:buFont typeface="Arial" panose="020B0604020202020204" pitchFamily="34" charset="0"/>
+        <a:spcAft>
+          <a:spcPts val="400"/>
+        </a:spcAft>
+        <a:buClr>
+          <a:schemeClr val="accent1"/>
+        </a:buClr>
+        <a:buSzPct val="80000"/>
+        <a:buFont typeface="Corbel" pitchFamily="34" charset="0"/>
         <a:buChar char="•"/>
-        <a:defRPr sz="1800" kern="1200">
+        <a:defRPr sz="1600" kern="1200">
           <a:solidFill>
-            <a:schemeClr val="tx1"/>
+            <a:schemeClr val="accent1"/>
           </a:solidFill>
           <a:latin typeface="+mn-lt"/>
           <a:ea typeface="+mn-ea"/>
           <a:cs typeface="+mn-cs"/>
         </a:defRPr>
       </a:lvl8pPr>
-      <a:lvl9pPr marL="3886200" indent="-228600" algn="l" defTabSz="914400" rtl="0" eaLnBrk="1" latinLnBrk="0" hangingPunct="1">
+      <a:lvl9pPr marL="2500000" indent="-228600" algn="l" defTabSz="914400" rtl="0" eaLnBrk="1" latinLnBrk="0" hangingPunct="1">
         <a:lnSpc>
           <a:spcPct val="90000"/>
         </a:lnSpc>
         <a:spcBef>
-          <a:spcPts val="500"/>
+          <a:spcPts val="200"/>
         </a:spcBef>
-        <a:buFont typeface="Arial" panose="020B0604020202020204" pitchFamily="34" charset="0"/>
+        <a:spcAft>
+          <a:spcPts val="400"/>
+        </a:spcAft>
+        <a:buClr>
+          <a:schemeClr val="accent1"/>
+        </a:buClr>
+        <a:buSzPct val="80000"/>
+        <a:buFont typeface="Corbel" pitchFamily="34" charset="0"/>
         <a:buChar char="•"/>
-        <a:defRPr sz="1800" kern="1200">
+        <a:defRPr sz="1600" kern="1200">
           <a:solidFill>
-            <a:schemeClr val="tx1"/>
+            <a:schemeClr val="accent1"/>
           </a:solidFill>
           <a:latin typeface="+mn-lt"/>
           <a:ea typeface="+mn-ea"/>
@@ -4503,30 +4544,30 @@
         </p:nvSpPr>
         <p:spPr>
           <a:xfrm>
-            <a:off x="838200" y="1038225"/>
-            <a:ext cx="10515600" cy="5138738"/>
+            <a:off x="838200" y="1121790"/>
+            <a:ext cx="10515600" cy="5055173"/>
           </a:xfrm>
         </p:spPr>
         <p:txBody>
           <a:bodyPr>
-            <a:normAutofit fontScale="55000" lnSpcReduction="20000"/>
+            <a:normAutofit fontScale="92500" lnSpcReduction="20000"/>
           </a:bodyPr>
           <a:lstStyle/>
           <a:p>
             <a:r>
-              <a:rPr lang="en-US" dirty="0"/>
+              <a:rPr lang="en-US" sz="1400" dirty="0"/>
               <a:t>In JavaScript, the array is a single variable that is used to store different elements. It is often used when we want to store a list of elements and access them by a single variable. Unlike most languages where the array is a reference to the multiple variables, in JavaScript array is a single variable that stores multiple elements.</a:t>
             </a:r>
           </a:p>
           <a:p>
             <a:r>
-              <a:rPr lang="en-US" dirty="0"/>
+              <a:rPr lang="en-US" sz="1400" dirty="0"/>
               <a:t>Declaration of an Array: There are basically two ways to declare an array.</a:t>
             </a:r>
           </a:p>
           <a:p>
             <a:r>
-              <a:rPr lang="en-US" dirty="0"/>
+              <a:rPr lang="en-US" sz="1400" dirty="0"/>
               <a:t>Example:</a:t>
             </a:r>
           </a:p>
@@ -4535,7 +4576,7 @@
               <a:buNone/>
             </a:pPr>
             <a:r>
-              <a:rPr lang="en-US" dirty="0"/>
+              <a:rPr lang="en-US" sz="1200" dirty="0"/>
               <a:t>var House = [ ]; // Method 1</a:t>
             </a:r>
           </a:p>
@@ -4544,19 +4585,19 @@
               <a:buNone/>
             </a:pPr>
             <a:r>
-              <a:rPr lang="en-US" dirty="0"/>
+              <a:rPr lang="en-US" sz="1200" dirty="0"/>
               <a:t>var House = new Array(); // Method 2</a:t>
             </a:r>
           </a:p>
           <a:p>
             <a:r>
-              <a:rPr lang="en-US" dirty="0"/>
+              <a:rPr lang="en-US" sz="1400" dirty="0"/>
               <a:t>Note: But generally method 1 is preferred over method 2. Let us understand the reason for this.</a:t>
             </a:r>
           </a:p>
           <a:p>
             <a:r>
-              <a:rPr lang="en-US" dirty="0"/>
+              <a:rPr lang="en-US" sz="1400" dirty="0"/>
               <a:t>Example: Initialization of an Array according to method 1.</a:t>
             </a:r>
           </a:p>
@@ -4565,7 +4606,7 @@
               <a:buNone/>
             </a:pPr>
             <a:r>
-              <a:rPr lang="en-US" dirty="0"/>
+              <a:rPr lang="en-US" sz="1200" dirty="0"/>
               <a:t>// Initializing while declaring</a:t>
             </a:r>
           </a:p>
@@ -4574,13 +4615,13 @@
               <a:buNone/>
             </a:pPr>
             <a:r>
-              <a:rPr lang="en-US" dirty="0"/>
+              <a:rPr lang="en-US" sz="1200" dirty="0"/>
               <a:t>var house = ["1BHK", "2BHK", "3BHK", "4BHK"];</a:t>
             </a:r>
           </a:p>
           <a:p>
             <a:r>
-              <a:rPr lang="en-US" dirty="0"/>
+              <a:rPr lang="en-US" sz="1400" dirty="0"/>
               <a:t>Example: Initialization of an Array according to method 2.</a:t>
             </a:r>
           </a:p>
@@ -4589,7 +4630,7 @@
               <a:buNone/>
             </a:pPr>
             <a:r>
-              <a:rPr lang="en-US" dirty="0"/>
+              <a:rPr lang="en-US" sz="1200" dirty="0"/>
               <a:t>// Initializing while declaring</a:t>
             </a:r>
           </a:p>
@@ -4598,7 +4639,7 @@
               <a:buNone/>
             </a:pPr>
             <a:r>
-              <a:rPr lang="en-US" dirty="0"/>
+              <a:rPr lang="en-US" sz="1200" dirty="0"/>
               <a:t>// Creates an array having elements 10, 20, 30, 40, 50</a:t>
             </a:r>
           </a:p>
@@ -4607,7 +4648,7 @@
               <a:buNone/>
             </a:pPr>
             <a:r>
-              <a:rPr lang="en-US" dirty="0"/>
+              <a:rPr lang="en-US" sz="1200" dirty="0"/>
               <a:t>var house = new Array(10, 20, 30, 40, 50);</a:t>
             </a:r>
           </a:p>
@@ -4616,7 +4657,7 @@
               <a:buNone/>
             </a:pPr>
             <a:r>
-              <a:rPr lang="en-US" dirty="0"/>
+              <a:rPr lang="en-US" sz="1200" dirty="0"/>
               <a:t>// Creates an array of 5 undefined elements</a:t>
             </a:r>
           </a:p>
@@ -4625,7 +4666,7 @@
               <a:buNone/>
             </a:pPr>
             <a:r>
-              <a:rPr lang="en-US" dirty="0"/>
+              <a:rPr lang="en-US" sz="1200" dirty="0"/>
               <a:t>var house1 = new Array(5);</a:t>
             </a:r>
           </a:p>
@@ -4634,7 +4675,7 @@
               <a:buNone/>
             </a:pPr>
             <a:r>
-              <a:rPr lang="en-US" dirty="0"/>
+              <a:rPr lang="en-US" sz="1200" dirty="0"/>
               <a:t>// Creates an array with element 1BHK</a:t>
             </a:r>
           </a:p>
@@ -4643,13 +4684,13 @@
               <a:buNone/>
             </a:pPr>
             <a:r>
-              <a:rPr lang="en-US" dirty="0"/>
+              <a:rPr lang="en-US" sz="1200" dirty="0"/>
               <a:t>var home = new Array("1BHK");</a:t>
             </a:r>
           </a:p>
           <a:p>
             <a:r>
-              <a:rPr lang="en-US" dirty="0"/>
+              <a:rPr lang="en-US" sz="1400" dirty="0"/>
               <a:t>As shown in above example the house contains 5 elements i.e. (10 , 20, 30, 40, 50) while house1 contains 5 undefined elements instead of having a single element 5. Hence, while working with numbers this method is generally not preferred but it works fine with Strings and Boolean as shown in the example above home contains a single element 1BHK.</a:t>
             </a:r>
           </a:p>
@@ -4863,8 +4904,8 @@
         </p:nvSpPr>
         <p:spPr>
           <a:xfrm>
-            <a:off x="838200" y="365126"/>
-            <a:ext cx="10515600" cy="315912"/>
+            <a:off x="838200" y="365125"/>
+            <a:ext cx="10515600" cy="539847"/>
           </a:xfrm>
         </p:spPr>
         <p:txBody>
@@ -4902,343 +4943,20 @@
         </p:nvSpPr>
         <p:spPr>
           <a:xfrm>
-            <a:off x="838200" y="981075"/>
-            <a:ext cx="10515600" cy="5195888"/>
+            <a:off x="838200" y="1084081"/>
+            <a:ext cx="10515600" cy="5092881"/>
           </a:xfrm>
         </p:spPr>
         <p:txBody>
           <a:bodyPr>
-            <a:normAutofit fontScale="92500" lnSpcReduction="10000"/>
+            <a:normAutofit/>
           </a:bodyPr>
           <a:lstStyle/>
           <a:p>
-            <a:r>
-              <a:rPr lang="en-US" sz="800" dirty="0"/>
-              <a:t>Ways of iterating over a array in JavaScript.</a:t>
-            </a:r>
-          </a:p>
-          <a:p>
-            <a:r>
-              <a:rPr lang="en-US" sz="800" dirty="0"/>
-              <a:t>Arrays in </a:t>
-            </a:r>
-            <a:r>
-              <a:rPr lang="en-US" sz="800" dirty="0" err="1"/>
-              <a:t>Javascripts</a:t>
-            </a:r>
-            <a:r>
-              <a:rPr lang="en-US" sz="800" dirty="0"/>
-              <a:t>, are single variables used to store different kind of elements.</a:t>
-            </a:r>
-          </a:p>
-          <a:p>
-            <a:r>
-              <a:rPr lang="en-US" sz="800" dirty="0"/>
-              <a:t>For example, a simple array accesses may look something like this: </a:t>
-            </a:r>
-          </a:p>
-          <a:p>
             <a:pPr marL="457200" lvl="1" indent="0">
               <a:buNone/>
             </a:pPr>
-            <a:r>
-              <a:rPr lang="en-US" sz="700" dirty="0"/>
-              <a:t>array = [ 'geeks', '4', 'geeks' ];</a:t>
-            </a:r>
-          </a:p>
-          <a:p>
-            <a:pPr marL="457200" lvl="1" indent="0">
-              <a:buNone/>
-            </a:pPr>
-            <a:r>
-              <a:rPr lang="en-US" sz="700" dirty="0"/>
-              <a:t>// Accessing array elements one by one</a:t>
-            </a:r>
-          </a:p>
-          <a:p>
-            <a:pPr marL="457200" lvl="1" indent="0">
-              <a:buNone/>
-            </a:pPr>
-            <a:r>
-              <a:rPr lang="en-US" sz="700" dirty="0"/>
-              <a:t>console.log(array[0]);	//geeks</a:t>
-            </a:r>
-          </a:p>
-          <a:p>
-            <a:pPr marL="457200" lvl="1" indent="0">
-              <a:buNone/>
-            </a:pPr>
-            <a:r>
-              <a:rPr lang="en-US" sz="700" dirty="0"/>
-              <a:t>console.log(array[1]);	//4</a:t>
-            </a:r>
-          </a:p>
-          <a:p>
-            <a:pPr marL="457200" lvl="1" indent="0">
-              <a:buNone/>
-            </a:pPr>
-            <a:r>
-              <a:rPr lang="en-US" sz="700" dirty="0"/>
-              <a:t>console.log(array[2]);	//geeks</a:t>
-            </a:r>
-          </a:p>
-          <a:p>
-            <a:r>
-              <a:rPr lang="en-US" sz="800" dirty="0"/>
-              <a:t>There are multiple ways one can iterate over an array in JavaScript. The most useful ones are mentioned below.</a:t>
-            </a:r>
-          </a:p>
-          <a:p>
-            <a:r>
-              <a:rPr lang="en-US" sz="800" dirty="0"/>
-              <a:t>Using for loop. </a:t>
-            </a:r>
-          </a:p>
-          <a:p>
-            <a:pPr marL="457200" lvl="1" indent="0">
-              <a:buNone/>
-            </a:pPr>
-            <a:r>
-              <a:rPr lang="en-US" sz="700" dirty="0"/>
-              <a:t>This is similar to for loops in other languages like C/C++, Java, </a:t>
-            </a:r>
-            <a:r>
-              <a:rPr lang="en-US" sz="700" dirty="0" err="1"/>
-              <a:t>etc</a:t>
-            </a:r>
-            <a:r>
-              <a:rPr lang="en-US" sz="700" dirty="0"/>
-              <a:t> </a:t>
-            </a:r>
-          </a:p>
-          <a:p>
-            <a:pPr marL="457200" lvl="1" indent="0">
-              <a:buNone/>
-            </a:pPr>
-            <a:r>
-              <a:rPr lang="en-US" sz="700" dirty="0"/>
-              <a:t>array = [ 1, 2, 3, 4, 5, 6 ];</a:t>
-            </a:r>
-          </a:p>
-          <a:p>
-            <a:pPr marL="457200" lvl="1" indent="0">
-              <a:buNone/>
-            </a:pPr>
-            <a:r>
-              <a:rPr lang="en-US" sz="700" dirty="0"/>
-              <a:t>for (index = 0; index &lt; </a:t>
-            </a:r>
-            <a:r>
-              <a:rPr lang="en-US" sz="700" dirty="0" err="1"/>
-              <a:t>array.length</a:t>
-            </a:r>
-            <a:r>
-              <a:rPr lang="en-US" sz="700" dirty="0"/>
-              <a:t>; index++) {</a:t>
-            </a:r>
-          </a:p>
-          <a:p>
-            <a:pPr marL="457200" lvl="1" indent="0">
-              <a:buNone/>
-            </a:pPr>
-            <a:r>
-              <a:rPr lang="en-US" sz="700" dirty="0"/>
-              <a:t>    console.log(array[index]);</a:t>
-            </a:r>
-          </a:p>
-          <a:p>
-            <a:pPr marL="457200" lvl="1" indent="0">
-              <a:buNone/>
-            </a:pPr>
-            <a:r>
-              <a:rPr lang="en-US" sz="700" dirty="0"/>
-              <a:t>}</a:t>
-            </a:r>
-          </a:p>
-          <a:p>
-            <a:r>
-              <a:rPr lang="en-US" sz="800" dirty="0"/>
-              <a:t>Using while loop. </a:t>
-            </a:r>
-          </a:p>
-          <a:p>
-            <a:r>
-              <a:rPr lang="en-US" sz="800" dirty="0"/>
-              <a:t>This is again similar to other languages. </a:t>
-            </a:r>
-          </a:p>
-          <a:p>
-            <a:pPr marL="457200" lvl="1" indent="0">
-              <a:buNone/>
-            </a:pPr>
-            <a:r>
-              <a:rPr lang="en-US" sz="700" dirty="0"/>
-              <a:t>index = 0;</a:t>
-            </a:r>
-          </a:p>
-          <a:p>
-            <a:pPr marL="457200" lvl="1" indent="0">
-              <a:buNone/>
-            </a:pPr>
-            <a:r>
-              <a:rPr lang="en-US" sz="700" dirty="0"/>
-              <a:t>array = [ 1, 2, 3, 4, 5, 6 ];</a:t>
-            </a:r>
-          </a:p>
-          <a:p>
-            <a:pPr marL="457200" lvl="1" indent="0">
-              <a:buNone/>
-            </a:pPr>
-            <a:r>
-              <a:rPr lang="en-US" sz="700" dirty="0"/>
-              <a:t>while (index &lt; </a:t>
-            </a:r>
-            <a:r>
-              <a:rPr lang="en-US" sz="700" dirty="0" err="1"/>
-              <a:t>array.length</a:t>
-            </a:r>
-            <a:r>
-              <a:rPr lang="en-US" sz="700" dirty="0"/>
-              <a:t>) {</a:t>
-            </a:r>
-          </a:p>
-          <a:p>
-            <a:pPr marL="457200" lvl="1" indent="0">
-              <a:buNone/>
-            </a:pPr>
-            <a:r>
-              <a:rPr lang="en-US" sz="700" dirty="0"/>
-              <a:t>    console.log(array[index]);</a:t>
-            </a:r>
-          </a:p>
-          <a:p>
-            <a:pPr marL="457200" lvl="1" indent="0">
-              <a:buNone/>
-            </a:pPr>
-            <a:r>
-              <a:rPr lang="en-US" sz="700" dirty="0"/>
-              <a:t>    index++;</a:t>
-            </a:r>
-          </a:p>
-          <a:p>
-            <a:pPr marL="457200" lvl="1" indent="0">
-              <a:buNone/>
-            </a:pPr>
-            <a:r>
-              <a:rPr lang="en-US" sz="700" dirty="0"/>
-              <a:t>}</a:t>
-            </a:r>
-          </a:p>
-          <a:p>
-            <a:r>
-              <a:rPr lang="en-US" sz="800" dirty="0"/>
-              <a:t>using </a:t>
-            </a:r>
-            <a:r>
-              <a:rPr lang="en-US" sz="800" dirty="0" err="1"/>
-              <a:t>forEach</a:t>
-            </a:r>
-            <a:r>
-              <a:rPr lang="en-US" sz="800" dirty="0"/>
-              <a:t> method. </a:t>
-            </a:r>
-          </a:p>
-          <a:p>
-            <a:r>
-              <a:rPr lang="en-US" sz="800" dirty="0"/>
-              <a:t>The </a:t>
-            </a:r>
-            <a:r>
-              <a:rPr lang="en-US" sz="800" dirty="0" err="1"/>
-              <a:t>forEach</a:t>
-            </a:r>
-            <a:r>
-              <a:rPr lang="en-US" sz="800" dirty="0"/>
-              <a:t> method calls the provided function once for every array element in the order. </a:t>
-            </a:r>
-          </a:p>
-          <a:p>
-            <a:pPr marL="457200" lvl="1" indent="0">
-              <a:buNone/>
-            </a:pPr>
-            <a:r>
-              <a:rPr lang="en-US" sz="700" dirty="0"/>
-              <a:t>index = 0;</a:t>
-            </a:r>
-          </a:p>
-          <a:p>
-            <a:pPr marL="457200" lvl="1" indent="0">
-              <a:buNone/>
-            </a:pPr>
-            <a:r>
-              <a:rPr lang="en-US" sz="700" dirty="0"/>
-              <a:t>array = [ 1, 2, 3, 4, 5, 6 ];</a:t>
-            </a:r>
-          </a:p>
-          <a:p>
-            <a:pPr marL="457200" lvl="1" indent="0">
-              <a:buNone/>
-            </a:pPr>
-            <a:r>
-              <a:rPr lang="en-US" sz="700" dirty="0" err="1"/>
-              <a:t>array.forEach</a:t>
-            </a:r>
-            <a:r>
-              <a:rPr lang="en-US" sz="700" dirty="0"/>
-              <a:t>(</a:t>
-            </a:r>
-            <a:r>
-              <a:rPr lang="en-US" sz="700" dirty="0" err="1"/>
-              <a:t>myFunction</a:t>
-            </a:r>
-            <a:r>
-              <a:rPr lang="en-US" sz="700" dirty="0"/>
-              <a:t>);</a:t>
-            </a:r>
-          </a:p>
-          <a:p>
-            <a:pPr marL="457200" lvl="1" indent="0">
-              <a:buNone/>
-            </a:pPr>
-            <a:r>
-              <a:rPr lang="en-US" sz="700" dirty="0"/>
-              <a:t>function </a:t>
-            </a:r>
-            <a:r>
-              <a:rPr lang="en-US" sz="700" dirty="0" err="1"/>
-              <a:t>myFunction</a:t>
-            </a:r>
-            <a:r>
-              <a:rPr lang="en-US" sz="700" dirty="0"/>
-              <a:t>(item, index)</a:t>
-            </a:r>
-          </a:p>
-          <a:p>
-            <a:pPr marL="457200" lvl="1" indent="0">
-              <a:buNone/>
-            </a:pPr>
-            <a:r>
-              <a:rPr lang="en-US" sz="700" dirty="0"/>
-              <a:t>{</a:t>
-            </a:r>
-          </a:p>
-          <a:p>
-            <a:pPr marL="457200" lvl="1" indent="0">
-              <a:buNone/>
-            </a:pPr>
-            <a:r>
-              <a:rPr lang="en-US" sz="700" dirty="0"/>
-              <a:t>    console.log(item);</a:t>
-            </a:r>
-          </a:p>
-          <a:p>
-            <a:pPr marL="457200" lvl="1" indent="0">
-              <a:buNone/>
-            </a:pPr>
-            <a:r>
-              <a:rPr lang="en-US" sz="700" dirty="0"/>
-              <a:t>}</a:t>
-            </a:r>
+            <a:endParaRPr lang="en-US" sz="700" dirty="0"/>
           </a:p>
         </p:txBody>
       </p:sp>
@@ -5288,12 +5006,26 @@
             <p:ph type="title"/>
           </p:nvPr>
         </p:nvSpPr>
-        <p:spPr/>
-        <p:txBody>
-          <a:bodyPr/>
-          <a:lstStyle/>
-          <a:p>
-            <a:endParaRPr lang="en-US"/>
+        <p:spPr>
+          <a:xfrm>
+            <a:off x="1143000" y="609600"/>
+            <a:ext cx="9875520" cy="502763"/>
+          </a:xfrm>
+        </p:spPr>
+        <p:txBody>
+          <a:bodyPr>
+            <a:noAutofit/>
+          </a:bodyPr>
+          <a:lstStyle/>
+          <a:p>
+            <a:r>
+              <a:rPr lang="en-US" sz="3200" b="0" i="0" dirty="0">
+                <a:effectLst/>
+                <a:latin typeface="sofia-pro"/>
+              </a:rPr>
+              <a:t>Basic Properties of Arrays and Iterating over Array</a:t>
+            </a:r>
+            <a:endParaRPr lang="en-US" sz="3200" dirty="0"/>
           </a:p>
         </p:txBody>
       </p:sp>
@@ -5313,12 +5045,17 @@
             <p:ph idx="1"/>
           </p:nvPr>
         </p:nvSpPr>
-        <p:spPr/>
-        <p:txBody>
-          <a:bodyPr/>
-          <a:lstStyle/>
-          <a:p>
-            <a:endParaRPr lang="en-US"/>
+        <p:spPr>
+          <a:xfrm>
+            <a:off x="1143000" y="1489435"/>
+            <a:ext cx="9872871" cy="4606565"/>
+          </a:xfrm>
+        </p:spPr>
+        <p:txBody>
+          <a:bodyPr/>
+          <a:lstStyle/>
+          <a:p>
+            <a:endParaRPr lang="en-US" dirty="0"/>
           </a:p>
         </p:txBody>
       </p:sp>
@@ -5736,9 +5473,9 @@
 </file>
 
 <file path=ppt/theme/theme1.xml><?xml version="1.0" encoding="utf-8"?>
-<a:theme xmlns:a="http://schemas.openxmlformats.org/drawingml/2006/main" name="Office Theme">
+<a:theme xmlns:a="http://schemas.openxmlformats.org/drawingml/2006/main" name="Basis">
   <a:themeElements>
-    <a:clrScheme name="Office">
+    <a:clrScheme name="Basis">
       <a:dk1>
         <a:sysClr val="windowText" lastClr="000000"/>
       </a:dk1>
@@ -5746,100 +5483,48 @@
         <a:sysClr val="window" lastClr="FFFFFF"/>
       </a:lt1>
       <a:dk2>
-        <a:srgbClr val="44546A"/>
+        <a:srgbClr val="335B74"/>
       </a:dk2>
       <a:lt2>
-        <a:srgbClr val="E7E6E6"/>
+        <a:srgbClr val="DFE3E5"/>
       </a:lt2>
       <a:accent1>
-        <a:srgbClr val="4472C4"/>
+        <a:srgbClr val="1CADE4"/>
       </a:accent1>
       <a:accent2>
-        <a:srgbClr val="ED7D31"/>
+        <a:srgbClr val="2683C6"/>
       </a:accent2>
       <a:accent3>
-        <a:srgbClr val="A5A5A5"/>
+        <a:srgbClr val="27CED7"/>
       </a:accent3>
       <a:accent4>
-        <a:srgbClr val="FFC000"/>
+        <a:srgbClr val="42BA97"/>
       </a:accent4>
       <a:accent5>
-        <a:srgbClr val="5B9BD5"/>
+        <a:srgbClr val="3E8853"/>
       </a:accent5>
       <a:accent6>
-        <a:srgbClr val="70AD47"/>
+        <a:srgbClr val="62A39F"/>
       </a:accent6>
       <a:hlink>
-        <a:srgbClr val="0563C1"/>
+        <a:srgbClr val="6EAC1C"/>
       </a:hlink>
       <a:folHlink>
-        <a:srgbClr val="954F72"/>
+        <a:srgbClr val="B26B02"/>
       </a:folHlink>
     </a:clrScheme>
-    <a:fontScheme name="Office">
+    <a:fontScheme name="Basis">
       <a:majorFont>
-        <a:latin typeface="Calibri Light" panose="020F0302020204030204"/>
+        <a:latin typeface="Corbel" panose="020B0503020204020204"/>
         <a:ea typeface=""/>
         <a:cs typeface=""/>
-        <a:font script="Jpan" typeface="游ゴシック Light"/>
+        <a:font script="Jpan" typeface="ＭＳ ゴシック"/>
         <a:font script="Hang" typeface="맑은 고딕"/>
-        <a:font script="Hans" typeface="等线 Light"/>
+        <a:font script="Hans" typeface="宋体"/>
         <a:font script="Hant" typeface="新細明體"/>
-        <a:font script="Arab" typeface="Times New Roman"/>
-        <a:font script="Hebr" typeface="Times New Roman"/>
-        <a:font script="Thai" typeface="Angsana New"/>
-        <a:font script="Ethi" typeface="Nyala"/>
-        <a:font script="Beng" typeface="Vrinda"/>
-        <a:font script="Gujr" typeface="Shruti"/>
-        <a:font script="Khmr" typeface="MoolBoran"/>
-        <a:font script="Knda" typeface="Tunga"/>
-        <a:font script="Guru" typeface="Raavi"/>
-        <a:font script="Cans" typeface="Euphemia"/>
-        <a:font script="Cher" typeface="Plantagenet Cherokee"/>
-        <a:font script="Yiii" typeface="Microsoft Yi Baiti"/>
-        <a:font script="Tibt" typeface="Microsoft Himalaya"/>
-        <a:font script="Thaa" typeface="MV Boli"/>
-        <a:font script="Deva" typeface="Mangal"/>
-        <a:font script="Telu" typeface="Gautami"/>
-        <a:font script="Taml" typeface="Latha"/>
-        <a:font script="Syrc" typeface="Estrangelo Edessa"/>
-        <a:font script="Orya" typeface="Kalinga"/>
-        <a:font script="Mlym" typeface="Kartika"/>
-        <a:font script="Laoo" typeface="DokChampa"/>
-        <a:font script="Sinh" typeface="Iskoola Pota"/>
-        <a:font script="Mong" typeface="Mongolian Baiti"/>
-        <a:font script="Viet" typeface="Times New Roman"/>
-        <a:font script="Uigh" typeface="Microsoft Uighur"/>
-        <a:font script="Geor" typeface="Sylfaen"/>
-        <a:font script="Armn" typeface="Arial"/>
-        <a:font script="Bugi" typeface="Leelawadee UI"/>
-        <a:font script="Bopo" typeface="Microsoft JhengHei"/>
-        <a:font script="Java" typeface="Javanese Text"/>
-        <a:font script="Lisu" typeface="Segoe UI"/>
-        <a:font script="Mymr" typeface="Myanmar Text"/>
-        <a:font script="Nkoo" typeface="Ebrima"/>
-        <a:font script="Olck" typeface="Nirmala UI"/>
-        <a:font script="Osma" typeface="Ebrima"/>
-        <a:font script="Phag" typeface="Phagspa"/>
-        <a:font script="Syrn" typeface="Estrangelo Edessa"/>
-        <a:font script="Syrj" typeface="Estrangelo Edessa"/>
-        <a:font script="Syre" typeface="Estrangelo Edessa"/>
-        <a:font script="Sora" typeface="Nirmala UI"/>
-        <a:font script="Tale" typeface="Microsoft Tai Le"/>
-        <a:font script="Talu" typeface="Microsoft New Tai Lue"/>
-        <a:font script="Tfng" typeface="Ebrima"/>
-      </a:majorFont>
-      <a:minorFont>
-        <a:latin typeface="Calibri" panose="020F0502020204030204"/>
-        <a:ea typeface=""/>
-        <a:cs typeface=""/>
-        <a:font script="Jpan" typeface="游ゴシック"/>
-        <a:font script="Hang" typeface="맑은 고딕"/>
-        <a:font script="Hans" typeface="等线"/>
-        <a:font script="Hant" typeface="新細明體"/>
-        <a:font script="Arab" typeface="Arial"/>
-        <a:font script="Hebr" typeface="Arial"/>
-        <a:font script="Thai" typeface="Cordia New"/>
+        <a:font script="Arab" typeface="Tahoma"/>
+        <a:font script="Hebr" typeface="Gisha"/>
+        <a:font script="Thai" typeface="DilleniaUPC"/>
         <a:font script="Ethi" typeface="Nyala"/>
         <a:font script="Beng" typeface="Vrinda"/>
         <a:font script="Gujr" typeface="Shruti"/>
@@ -5860,107 +5545,98 @@
         <a:font script="Laoo" typeface="DokChampa"/>
         <a:font script="Sinh" typeface="Iskoola Pota"/>
         <a:font script="Mong" typeface="Mongolian Baiti"/>
-        <a:font script="Viet" typeface="Arial"/>
+        <a:font script="Viet" typeface="Tahoma"/>
         <a:font script="Uigh" typeface="Microsoft Uighur"/>
         <a:font script="Geor" typeface="Sylfaen"/>
-        <a:font script="Armn" typeface="Arial"/>
-        <a:font script="Bugi" typeface="Leelawadee UI"/>
-        <a:font script="Bopo" typeface="Microsoft JhengHei"/>
-        <a:font script="Java" typeface="Javanese Text"/>
-        <a:font script="Lisu" typeface="Segoe UI"/>
-        <a:font script="Mymr" typeface="Myanmar Text"/>
-        <a:font script="Nkoo" typeface="Ebrima"/>
-        <a:font script="Olck" typeface="Nirmala UI"/>
-        <a:font script="Osma" typeface="Ebrima"/>
-        <a:font script="Phag" typeface="Phagspa"/>
-        <a:font script="Syrn" typeface="Estrangelo Edessa"/>
-        <a:font script="Syrj" typeface="Estrangelo Edessa"/>
-        <a:font script="Syre" typeface="Estrangelo Edessa"/>
-        <a:font script="Sora" typeface="Nirmala UI"/>
-        <a:font script="Tale" typeface="Microsoft Tai Le"/>
-        <a:font script="Talu" typeface="Microsoft New Tai Lue"/>
-        <a:font script="Tfng" typeface="Ebrima"/>
+      </a:majorFont>
+      <a:minorFont>
+        <a:latin typeface="Corbel" panose="020B0503020204020204"/>
+        <a:ea typeface=""/>
+        <a:cs typeface=""/>
+        <a:font script="Jpan" typeface="ＭＳ ゴシック"/>
+        <a:font script="Hang" typeface="맑은 고딕"/>
+        <a:font script="Hans" typeface="宋体"/>
+        <a:font script="Hant" typeface="新細明體"/>
+        <a:font script="Arab" typeface="Tahoma"/>
+        <a:font script="Hebr" typeface="Gisha"/>
+        <a:font script="Thai" typeface="DilleniaUPC"/>
+        <a:font script="Ethi" typeface="Nyala"/>
+        <a:font script="Beng" typeface="Vrinda"/>
+        <a:font script="Gujr" typeface="Shruti"/>
+        <a:font script="Khmr" typeface="DaunPenh"/>
+        <a:font script="Knda" typeface="Tunga"/>
+        <a:font script="Guru" typeface="Raavi"/>
+        <a:font script="Cans" typeface="Euphemia"/>
+        <a:font script="Cher" typeface="Plantagenet Cherokee"/>
+        <a:font script="Yiii" typeface="Microsoft Yi Baiti"/>
+        <a:font script="Tibt" typeface="Microsoft Himalaya"/>
+        <a:font script="Thaa" typeface="MV Boli"/>
+        <a:font script="Deva" typeface="Mangal"/>
+        <a:font script="Telu" typeface="Gautami"/>
+        <a:font script="Taml" typeface="Latha"/>
+        <a:font script="Syrc" typeface="Estrangelo Edessa"/>
+        <a:font script="Orya" typeface="Kalinga"/>
+        <a:font script="Mlym" typeface="Kartika"/>
+        <a:font script="Laoo" typeface="DokChampa"/>
+        <a:font script="Sinh" typeface="Iskoola Pota"/>
+        <a:font script="Mong" typeface="Mongolian Baiti"/>
+        <a:font script="Viet" typeface="Verdana"/>
+        <a:font script="Uigh" typeface="Microsoft Uighur"/>
+        <a:font script="Geor" typeface="Sylfaen"/>
       </a:minorFont>
     </a:fontScheme>
-    <a:fmtScheme name="Office">
+    <a:fmtScheme name="Basis">
       <a:fillStyleLst>
         <a:solidFill>
           <a:schemeClr val="phClr"/>
         </a:solidFill>
+        <a:solidFill>
+          <a:schemeClr val="phClr">
+            <a:tint val="55000"/>
+            <a:satMod val="130000"/>
+          </a:schemeClr>
+        </a:solidFill>
         <a:gradFill rotWithShape="1">
           <a:gsLst>
             <a:gs pos="0">
+              <a:schemeClr val="phClr"/>
+            </a:gs>
+            <a:gs pos="90000">
               <a:schemeClr val="phClr">
-                <a:lumMod val="110000"/>
+                <a:shade val="100000"/>
                 <a:satMod val="105000"/>
-                <a:tint val="67000"/>
-              </a:schemeClr>
-            </a:gs>
-            <a:gs pos="50000">
-              <a:schemeClr val="phClr">
-                <a:lumMod val="105000"/>
-                <a:satMod val="103000"/>
-                <a:tint val="73000"/>
               </a:schemeClr>
             </a:gs>
             <a:gs pos="100000">
               <a:schemeClr val="phClr">
-                <a:lumMod val="105000"/>
-                <a:satMod val="109000"/>
-                <a:tint val="81000"/>
+                <a:shade val="80000"/>
+                <a:satMod val="120000"/>
               </a:schemeClr>
             </a:gs>
           </a:gsLst>
-          <a:lin ang="5400000" scaled="0"/>
-        </a:gradFill>
-        <a:gradFill rotWithShape="1">
-          <a:gsLst>
-            <a:gs pos="0">
-              <a:schemeClr val="phClr">
-                <a:satMod val="103000"/>
-                <a:lumMod val="102000"/>
-                <a:tint val="94000"/>
-              </a:schemeClr>
-            </a:gs>
-            <a:gs pos="50000">
-              <a:schemeClr val="phClr">
-                <a:satMod val="110000"/>
-                <a:lumMod val="100000"/>
-                <a:shade val="100000"/>
-              </a:schemeClr>
-            </a:gs>
-            <a:gs pos="100000">
-              <a:schemeClr val="phClr">
-                <a:lumMod val="99000"/>
-                <a:satMod val="120000"/>
-                <a:shade val="78000"/>
-              </a:schemeClr>
-            </a:gs>
-          </a:gsLst>
-          <a:lin ang="5400000" scaled="0"/>
+          <a:path path="circle">
+            <a:fillToRect l="100000" t="100000" r="100000" b="100000"/>
+          </a:path>
         </a:gradFill>
       </a:fillStyleLst>
       <a:lnStyleLst>
-        <a:ln w="6350" cap="flat" cmpd="sng" algn="ctr">
+        <a:ln w="10000" cap="flat" cmpd="sng" algn="ctr">
           <a:solidFill>
             <a:schemeClr val="phClr"/>
           </a:solidFill>
           <a:prstDash val="solid"/>
-          <a:miter lim="800000"/>
-        </a:ln>
-        <a:ln w="12700" cap="flat" cmpd="sng" algn="ctr">
-          <a:solidFill>
-            <a:schemeClr val="phClr"/>
-          </a:solidFill>
-          <a:prstDash val="solid"/>
-          <a:miter lim="800000"/>
         </a:ln>
         <a:ln w="19050" cap="flat" cmpd="sng" algn="ctr">
           <a:solidFill>
             <a:schemeClr val="phClr"/>
           </a:solidFill>
           <a:prstDash val="solid"/>
-          <a:miter lim="800000"/>
+        </a:ln>
+        <a:ln w="53975" cap="flat" cmpd="dbl" algn="ctr">
+          <a:solidFill>
+            <a:schemeClr val="phClr"/>
+          </a:solidFill>
+          <a:prstDash val="solid"/>
         </a:ln>
       </a:lnStyleLst>
       <a:effectStyleLst>
@@ -5968,16 +5644,37 @@
           <a:effectLst/>
         </a:effectStyle>
         <a:effectStyle>
-          <a:effectLst/>
+          <a:effectLst>
+            <a:outerShdw blurRad="38100" dist="25400" dir="5400000" rotWithShape="0">
+              <a:srgbClr val="000000">
+                <a:alpha val="45000"/>
+              </a:srgbClr>
+            </a:outerShdw>
+          </a:effectLst>
         </a:effectStyle>
         <a:effectStyle>
           <a:effectLst>
-            <a:outerShdw blurRad="57150" dist="19050" dir="5400000" algn="ctr" rotWithShape="0">
+            <a:outerShdw blurRad="38100" dist="25400" dir="5400000" rotWithShape="0">
               <a:srgbClr val="000000">
-                <a:alpha val="63000"/>
+                <a:alpha val="45000"/>
               </a:srgbClr>
             </a:outerShdw>
           </a:effectLst>
+          <a:scene3d>
+            <a:camera prst="orthographicFront">
+              <a:rot lat="0" lon="0" rev="0"/>
+            </a:camera>
+            <a:lightRig rig="brightRoom" dir="t"/>
+          </a:scene3d>
+          <a:sp3d extrusionH="12700" contourW="25400" prstMaterial="flat">
+            <a:bevelT w="63500" h="152400" prst="angle"/>
+            <a:contourClr>
+              <a:schemeClr val="phClr">
+                <a:shade val="27000"/>
+                <a:satMod val="120000"/>
+              </a:schemeClr>
+            </a:contourClr>
+          </a:sp3d>
         </a:effectStyle>
       </a:effectStyleLst>
       <a:bgFillStyleLst>
@@ -5987,36 +5684,18 @@
         <a:solidFill>
           <a:schemeClr val="phClr">
             <a:tint val="95000"/>
-            <a:satMod val="170000"/>
+            <a:shade val="95000"/>
+            <a:satMod val="140000"/>
           </a:schemeClr>
         </a:solidFill>
-        <a:gradFill rotWithShape="1">
-          <a:gsLst>
-            <a:gs pos="0">
-              <a:schemeClr val="phClr">
-                <a:tint val="93000"/>
-                <a:satMod val="150000"/>
-                <a:shade val="98000"/>
-                <a:lumMod val="102000"/>
-              </a:schemeClr>
-            </a:gs>
-            <a:gs pos="50000">
-              <a:schemeClr val="phClr">
-                <a:tint val="98000"/>
-                <a:satMod val="130000"/>
-                <a:shade val="90000"/>
-                <a:lumMod val="103000"/>
-              </a:schemeClr>
-            </a:gs>
-            <a:gs pos="100000">
-              <a:schemeClr val="phClr">
-                <a:shade val="63000"/>
-                <a:satMod val="120000"/>
-              </a:schemeClr>
-            </a:gs>
-          </a:gsLst>
-          <a:lin ang="5400000" scaled="0"/>
-        </a:gradFill>
+        <a:solidFill>
+          <a:schemeClr val="phClr">
+            <a:tint val="90000"/>
+            <a:shade val="85000"/>
+            <a:satMod val="160000"/>
+            <a:lumMod val="110000"/>
+          </a:schemeClr>
+        </a:solidFill>
       </a:bgFillStyleLst>
     </a:fmtScheme>
   </a:themeElements>
@@ -6024,13 +5703,24 @@
   <a:extraClrSchemeLst/>
   <a:extLst>
     <a:ext uri="{05A4C25C-085E-4340-85A3-A5531E510DB2}">
-      <thm15:themeFamily xmlns:thm15="http://schemas.microsoft.com/office/thememl/2012/main" name="Office Theme" id="{62F939B6-93AF-4DB8-9C6B-D6C7DFDC589F}" vid="{4A3C46E8-61CC-4603-A589-7422A47A8E4A}"/>
+      <thm15:themeFamily xmlns:thm15="http://schemas.microsoft.com/office/thememl/2012/main" name="Basis" id="{5665723A-49BA-4B57-8411-A56F8F207965}" vid="{D9D01AC2-EE7D-4E49-99EE-8E62E4E7E8A7}"/>
     </a:ext>
   </a:extLst>
 </a:theme>
 </file>
 
 <file path=customXml/item1.xml><?xml version="1.0" encoding="utf-8"?>
+<p:properties xmlns:p="http://schemas.microsoft.com/office/2006/metadata/properties" xmlns:xsi="http://www.w3.org/2001/XMLSchema-instance" xmlns:pc="http://schemas.microsoft.com/office/infopath/2007/PartnerControls">
+  <documentManagement>
+    <TaxCatchAll xmlns="202a9836-ee93-41fb-ba3c-167105785a0d" xsi:nil="true"/>
+    <lcf76f155ced4ddcb4097134ff3c332f xmlns="11dab2fc-a00f-488b-a519-3911044eea4e">
+      <Terms xmlns="http://schemas.microsoft.com/office/infopath/2007/PartnerControls"/>
+    </lcf76f155ced4ddcb4097134ff3c332f>
+  </documentManagement>
+</p:properties>
+</file>
+
+<file path=customXml/item2.xml><?xml version="1.0" encoding="utf-8"?>
 <ct:contentTypeSchema xmlns:ct="http://schemas.microsoft.com/office/2006/metadata/contentType" xmlns:ma="http://schemas.microsoft.com/office/2006/metadata/properties/metaAttributes" ct:_="" ma:_="" ma:contentTypeName="Document" ma:contentTypeID="0x01010025EC667E64F3664AA9FF84395B73BBB2" ma:contentTypeVersion="12" ma:contentTypeDescription="Create a new document." ma:contentTypeScope="" ma:versionID="6b12c4ceb98f90cef75c2b4a7241f9ea">
   <xsd:schema xmlns:xsd="http://www.w3.org/2001/XMLSchema" xmlns:xs="http://www.w3.org/2001/XMLSchema" xmlns:p="http://schemas.microsoft.com/office/2006/metadata/properties" xmlns:ns2="11dab2fc-a00f-488b-a519-3911044eea4e" xmlns:ns3="202a9836-ee93-41fb-ba3c-167105785a0d" targetNamespace="http://schemas.microsoft.com/office/2006/metadata/properties" ma:root="true" ma:fieldsID="c1df371a784d1a7c3bc1d50e69810467" ns2:_="" ns3:_="">
     <xsd:import namespace="11dab2fc-a00f-488b-a519-3911044eea4e"/>
@@ -6247,17 +5937,6 @@
 </ct:contentTypeSchema>
 </file>
 
-<file path=customXml/item2.xml><?xml version="1.0" encoding="utf-8"?>
-<p:properties xmlns:p="http://schemas.microsoft.com/office/2006/metadata/properties" xmlns:xsi="http://www.w3.org/2001/XMLSchema-instance" xmlns:pc="http://schemas.microsoft.com/office/infopath/2007/PartnerControls">
-  <documentManagement>
-    <TaxCatchAll xmlns="202a9836-ee93-41fb-ba3c-167105785a0d" xsi:nil="true"/>
-    <lcf76f155ced4ddcb4097134ff3c332f xmlns="11dab2fc-a00f-488b-a519-3911044eea4e">
-      <Terms xmlns="http://schemas.microsoft.com/office/infopath/2007/PartnerControls"/>
-    </lcf76f155ced4ddcb4097134ff3c332f>
-  </documentManagement>
-</p:properties>
-</file>
-
 <file path=customXml/item3.xml><?xml version="1.0" encoding="utf-8"?>
 <?mso-contentType ?>
 <FormTemplates xmlns="http://schemas.microsoft.com/sharepoint/v3/contenttype/forms">
@@ -6268,6 +5947,17 @@
 </file>
 
 <file path=customXml/itemProps1.xml><?xml version="1.0" encoding="utf-8"?>
+<ds:datastoreItem xmlns:ds="http://schemas.openxmlformats.org/officeDocument/2006/customXml" ds:itemID="{1F9610DE-DD69-4939-B776-1156982AC05D}">
+  <ds:schemaRefs>
+    <ds:schemaRef ds:uri="http://schemas.microsoft.com/office/2006/metadata/properties"/>
+    <ds:schemaRef ds:uri="http://schemas.microsoft.com/office/infopath/2007/PartnerControls"/>
+    <ds:schemaRef ds:uri="202a9836-ee93-41fb-ba3c-167105785a0d"/>
+    <ds:schemaRef ds:uri="11dab2fc-a00f-488b-a519-3911044eea4e"/>
+  </ds:schemaRefs>
+</ds:datastoreItem>
+</file>
+
+<file path=customXml/itemProps2.xml><?xml version="1.0" encoding="utf-8"?>
 <ds:datastoreItem xmlns:ds="http://schemas.openxmlformats.org/officeDocument/2006/customXml" ds:itemID="{47688F41-88E6-45FF-A630-FDE70FD265C8}">
   <ds:schemaRefs>
     <ds:schemaRef ds:uri="http://schemas.microsoft.com/office/2006/metadata/contentType"/>
@@ -6286,17 +5976,6 @@
 </ds:datastoreItem>
 </file>
 
-<file path=customXml/itemProps2.xml><?xml version="1.0" encoding="utf-8"?>
-<ds:datastoreItem xmlns:ds="http://schemas.openxmlformats.org/officeDocument/2006/customXml" ds:itemID="{1F9610DE-DD69-4939-B776-1156982AC05D}">
-  <ds:schemaRefs>
-    <ds:schemaRef ds:uri="http://schemas.microsoft.com/office/2006/metadata/properties"/>
-    <ds:schemaRef ds:uri="http://schemas.microsoft.com/office/infopath/2007/PartnerControls"/>
-    <ds:schemaRef ds:uri="202a9836-ee93-41fb-ba3c-167105785a0d"/>
-    <ds:schemaRef ds:uri="11dab2fc-a00f-488b-a519-3911044eea4e"/>
-  </ds:schemaRefs>
-</ds:datastoreItem>
-</file>
-
 <file path=customXml/itemProps3.xml><?xml version="1.0" encoding="utf-8"?>
 <ds:datastoreItem xmlns:ds="http://schemas.openxmlformats.org/officeDocument/2006/customXml" ds:itemID="{C5AE8672-8A93-4089-8E0E-C76F5BD32158}">
   <ds:schemaRefs>

--- a/GFG JS Course Curriculam/Articles/005 Arrays.pptx
+++ b/GFG JS Course Curriculam/Articles/005 Arrays.pptx
@@ -564,7 +564,7 @@
           <a:p>
             <a:fld id="{73CA6D7C-52BC-45C0-B9D9-2A3E7443B367}" type="datetimeFigureOut">
               <a:rPr lang="en-US" smtClean="0"/>
-              <a:t>12/24/2022</a:t>
+              <a:t>1/9/2023</a:t>
             </a:fld>
             <a:endParaRPr lang="en-US"/>
           </a:p>
@@ -785,7 +785,7 @@
           <a:p>
             <a:fld id="{73CA6D7C-52BC-45C0-B9D9-2A3E7443B367}" type="datetimeFigureOut">
               <a:rPr lang="en-US" smtClean="0"/>
-              <a:t>12/24/2022</a:t>
+              <a:t>1/9/2023</a:t>
             </a:fld>
             <a:endParaRPr lang="en-US"/>
           </a:p>
@@ -965,7 +965,7 @@
           <a:p>
             <a:fld id="{73CA6D7C-52BC-45C0-B9D9-2A3E7443B367}" type="datetimeFigureOut">
               <a:rPr lang="en-US" smtClean="0"/>
-              <a:t>12/24/2022</a:t>
+              <a:t>1/9/2023</a:t>
             </a:fld>
             <a:endParaRPr lang="en-US"/>
           </a:p>
@@ -1135,7 +1135,7 @@
           <a:p>
             <a:fld id="{73CA6D7C-52BC-45C0-B9D9-2A3E7443B367}" type="datetimeFigureOut">
               <a:rPr lang="en-US" smtClean="0"/>
-              <a:t>12/24/2022</a:t>
+              <a:t>1/9/2023</a:t>
             </a:fld>
             <a:endParaRPr lang="en-US"/>
           </a:p>
@@ -1386,7 +1386,7 @@
           <a:p>
             <a:fld id="{73CA6D7C-52BC-45C0-B9D9-2A3E7443B367}" type="datetimeFigureOut">
               <a:rPr lang="en-US" smtClean="0"/>
-              <a:t>12/24/2022</a:t>
+              <a:t>1/9/2023</a:t>
             </a:fld>
             <a:endParaRPr lang="en-US"/>
           </a:p>
@@ -1709,7 +1709,7 @@
           <a:p>
             <a:fld id="{73CA6D7C-52BC-45C0-B9D9-2A3E7443B367}" type="datetimeFigureOut">
               <a:rPr lang="en-US" smtClean="0"/>
-              <a:t>12/24/2022</a:t>
+              <a:t>1/9/2023</a:t>
             </a:fld>
             <a:endParaRPr lang="en-US"/>
           </a:p>
@@ -2133,7 +2133,7 @@
           <a:p>
             <a:fld id="{73CA6D7C-52BC-45C0-B9D9-2A3E7443B367}" type="datetimeFigureOut">
               <a:rPr lang="en-US" smtClean="0"/>
-              <a:t>12/24/2022</a:t>
+              <a:t>1/9/2023</a:t>
             </a:fld>
             <a:endParaRPr lang="en-US"/>
           </a:p>
@@ -2251,7 +2251,7 @@
           <a:p>
             <a:fld id="{73CA6D7C-52BC-45C0-B9D9-2A3E7443B367}" type="datetimeFigureOut">
               <a:rPr lang="en-US" smtClean="0"/>
-              <a:t>12/24/2022</a:t>
+              <a:t>1/9/2023</a:t>
             </a:fld>
             <a:endParaRPr lang="en-US"/>
           </a:p>
@@ -2346,7 +2346,7 @@
           <a:p>
             <a:fld id="{73CA6D7C-52BC-45C0-B9D9-2A3E7443B367}" type="datetimeFigureOut">
               <a:rPr lang="en-US" smtClean="0"/>
-              <a:t>12/24/2022</a:t>
+              <a:t>1/9/2023</a:t>
             </a:fld>
             <a:endParaRPr lang="en-US"/>
           </a:p>
@@ -2636,7 +2636,7 @@
           <a:p>
             <a:fld id="{73CA6D7C-52BC-45C0-B9D9-2A3E7443B367}" type="datetimeFigureOut">
               <a:rPr lang="en-US" smtClean="0"/>
-              <a:t>12/24/2022</a:t>
+              <a:t>1/9/2023</a:t>
             </a:fld>
             <a:endParaRPr lang="en-US"/>
           </a:p>
@@ -2908,7 +2908,7 @@
           <a:p>
             <a:fld id="{73CA6D7C-52BC-45C0-B9D9-2A3E7443B367}" type="datetimeFigureOut">
               <a:rPr lang="en-US" smtClean="0"/>
-              <a:t>12/24/2022</a:t>
+              <a:t>1/9/2023</a:t>
             </a:fld>
             <a:endParaRPr lang="en-US"/>
           </a:p>
@@ -3162,7 +3162,7 @@
           <a:p>
             <a:fld id="{73CA6D7C-52BC-45C0-B9D9-2A3E7443B367}" type="datetimeFigureOut">
               <a:rPr lang="en-US" smtClean="0"/>
-              <a:t>12/24/2022</a:t>
+              <a:t>1/9/2023</a:t>
             </a:fld>
             <a:endParaRPr lang="en-US"/>
           </a:p>
@@ -15955,6 +15955,26 @@
 </file>
 
 <file path=customXml/item1.xml><?xml version="1.0" encoding="utf-8"?>
+<p:properties xmlns:p="http://schemas.microsoft.com/office/2006/metadata/properties" xmlns:xsi="http://www.w3.org/2001/XMLSchema-instance" xmlns:pc="http://schemas.microsoft.com/office/infopath/2007/PartnerControls">
+  <documentManagement>
+    <TaxCatchAll xmlns="202a9836-ee93-41fb-ba3c-167105785a0d" xsi:nil="true"/>
+    <lcf76f155ced4ddcb4097134ff3c332f xmlns="11dab2fc-a00f-488b-a519-3911044eea4e">
+      <Terms xmlns="http://schemas.microsoft.com/office/infopath/2007/PartnerControls"/>
+    </lcf76f155ced4ddcb4097134ff3c332f>
+  </documentManagement>
+</p:properties>
+</file>
+
+<file path=customXml/item2.xml><?xml version="1.0" encoding="utf-8"?>
+<?mso-contentType ?>
+<FormTemplates xmlns="http://schemas.microsoft.com/sharepoint/v3/contenttype/forms">
+  <Display>DocumentLibraryForm</Display>
+  <Edit>DocumentLibraryForm</Edit>
+  <New>DocumentLibraryForm</New>
+</FormTemplates>
+</file>
+
+<file path=customXml/item3.xml><?xml version="1.0" encoding="utf-8"?>
 <ct:contentTypeSchema xmlns:ct="http://schemas.microsoft.com/office/2006/metadata/contentType" xmlns:ma="http://schemas.microsoft.com/office/2006/metadata/properties/metaAttributes" ct:_="" ma:_="" ma:contentTypeName="Document" ma:contentTypeID="0x01010025EC667E64F3664AA9FF84395B73BBB2" ma:contentTypeVersion="12" ma:contentTypeDescription="Create a new document." ma:contentTypeScope="" ma:versionID="6b12c4ceb98f90cef75c2b4a7241f9ea">
   <xsd:schema xmlns:xsd="http://www.w3.org/2001/XMLSchema" xmlns:xs="http://www.w3.org/2001/XMLSchema" xmlns:p="http://schemas.microsoft.com/office/2006/metadata/properties" xmlns:ns2="11dab2fc-a00f-488b-a519-3911044eea4e" xmlns:ns3="202a9836-ee93-41fb-ba3c-167105785a0d" targetNamespace="http://schemas.microsoft.com/office/2006/metadata/properties" ma:root="true" ma:fieldsID="c1df371a784d1a7c3bc1d50e69810467" ns2:_="" ns3:_="">
     <xsd:import namespace="11dab2fc-a00f-488b-a519-3911044eea4e"/>
@@ -16171,27 +16191,26 @@
 </ct:contentTypeSchema>
 </file>
 
-<file path=customXml/item2.xml><?xml version="1.0" encoding="utf-8"?>
-<p:properties xmlns:p="http://schemas.microsoft.com/office/2006/metadata/properties" xmlns:xsi="http://www.w3.org/2001/XMLSchema-instance" xmlns:pc="http://schemas.microsoft.com/office/infopath/2007/PartnerControls">
-  <documentManagement>
-    <TaxCatchAll xmlns="202a9836-ee93-41fb-ba3c-167105785a0d" xsi:nil="true"/>
-    <lcf76f155ced4ddcb4097134ff3c332f xmlns="11dab2fc-a00f-488b-a519-3911044eea4e">
-      <Terms xmlns="http://schemas.microsoft.com/office/infopath/2007/PartnerControls"/>
-    </lcf76f155ced4ddcb4097134ff3c332f>
-  </documentManagement>
-</p:properties>
+<file path=customXml/itemProps1.xml><?xml version="1.0" encoding="utf-8"?>
+<ds:datastoreItem xmlns:ds="http://schemas.openxmlformats.org/officeDocument/2006/customXml" ds:itemID="{1F9610DE-DD69-4939-B776-1156982AC05D}">
+  <ds:schemaRefs>
+    <ds:schemaRef ds:uri="http://schemas.microsoft.com/office/2006/metadata/properties"/>
+    <ds:schemaRef ds:uri="http://schemas.microsoft.com/office/infopath/2007/PartnerControls"/>
+    <ds:schemaRef ds:uri="202a9836-ee93-41fb-ba3c-167105785a0d"/>
+    <ds:schemaRef ds:uri="11dab2fc-a00f-488b-a519-3911044eea4e"/>
+  </ds:schemaRefs>
+</ds:datastoreItem>
 </file>
 
-<file path=customXml/item3.xml><?xml version="1.0" encoding="utf-8"?>
-<?mso-contentType ?>
-<FormTemplates xmlns="http://schemas.microsoft.com/sharepoint/v3/contenttype/forms">
-  <Display>DocumentLibraryForm</Display>
-  <Edit>DocumentLibraryForm</Edit>
-  <New>DocumentLibraryForm</New>
-</FormTemplates>
+<file path=customXml/itemProps2.xml><?xml version="1.0" encoding="utf-8"?>
+<ds:datastoreItem xmlns:ds="http://schemas.openxmlformats.org/officeDocument/2006/customXml" ds:itemID="{C5AE8672-8A93-4089-8E0E-C76F5BD32158}">
+  <ds:schemaRefs>
+    <ds:schemaRef ds:uri="http://schemas.microsoft.com/sharepoint/v3/contenttype/forms"/>
+  </ds:schemaRefs>
+</ds:datastoreItem>
 </file>
 
-<file path=customXml/itemProps1.xml><?xml version="1.0" encoding="utf-8"?>
+<file path=customXml/itemProps3.xml><?xml version="1.0" encoding="utf-8"?>
 <ds:datastoreItem xmlns:ds="http://schemas.openxmlformats.org/officeDocument/2006/customXml" ds:itemID="{47688F41-88E6-45FF-A630-FDE70FD265C8}">
   <ds:schemaRefs>
     <ds:schemaRef ds:uri="http://schemas.microsoft.com/office/2006/metadata/contentType"/>
@@ -16210,27 +16229,8 @@
 </ds:datastoreItem>
 </file>
 
-<file path=customXml/itemProps2.xml><?xml version="1.0" encoding="utf-8"?>
-<ds:datastoreItem xmlns:ds="http://schemas.openxmlformats.org/officeDocument/2006/customXml" ds:itemID="{1F9610DE-DD69-4939-B776-1156982AC05D}">
-  <ds:schemaRefs>
-    <ds:schemaRef ds:uri="http://schemas.microsoft.com/office/2006/metadata/properties"/>
-    <ds:schemaRef ds:uri="http://schemas.microsoft.com/office/infopath/2007/PartnerControls"/>
-    <ds:schemaRef ds:uri="202a9836-ee93-41fb-ba3c-167105785a0d"/>
-    <ds:schemaRef ds:uri="11dab2fc-a00f-488b-a519-3911044eea4e"/>
-  </ds:schemaRefs>
-</ds:datastoreItem>
-</file>
-
-<file path=customXml/itemProps3.xml><?xml version="1.0" encoding="utf-8"?>
-<ds:datastoreItem xmlns:ds="http://schemas.openxmlformats.org/officeDocument/2006/customXml" ds:itemID="{C5AE8672-8A93-4089-8E0E-C76F5BD32158}">
-  <ds:schemaRefs>
-    <ds:schemaRef ds:uri="http://schemas.microsoft.com/sharepoint/v3/contenttype/forms"/>
-  </ds:schemaRefs>
-</ds:datastoreItem>
-</file>
-
 <file path=docMetadata/LabelInfo.xml><?xml version="1.0" encoding="utf-8"?>
 <clbl:labelList xmlns:clbl="http://schemas.microsoft.com/office/2020/mipLabelMetadata">
-  <clbl:label id="{e0793d39-0939-496d-b129-198edd916feb}" enabled="0" method="" siteId="{e0793d39-0939-496d-b129-198edd916feb}" removed="1"/>
+  <clbl:label id="{0bfa236d-8472-42aa-9a40-ab46036c5596}" enabled="1" method="Privileged" siteId="{e0793d39-0939-496d-b129-198edd916feb}" removed="0"/>
 </clbl:labelList>
 </file>